--- a/3. Lending Club – Case Study.pptx
+++ b/3. Lending Club – Case Study.pptx
@@ -9,16 +9,16 @@
   </p:notesMasterIdLst>
   <p:sldIdLst>
     <p:sldId id="3825" r:id="rId5"/>
-    <p:sldId id="3836" r:id="rId6"/>
-    <p:sldId id="3837" r:id="rId7"/>
+    <p:sldId id="3845" r:id="rId6"/>
+    <p:sldId id="3846" r:id="rId7"/>
     <p:sldId id="3838" r:id="rId8"/>
-    <p:sldId id="3839" r:id="rId9"/>
+    <p:sldId id="3849" r:id="rId9"/>
     <p:sldId id="3842" r:id="rId10"/>
-    <p:sldId id="3843" r:id="rId11"/>
-    <p:sldId id="3844" r:id="rId12"/>
-    <p:sldId id="3841" r:id="rId13"/>
-    <p:sldId id="3791" r:id="rId14"/>
-    <p:sldId id="3835" r:id="rId15"/>
+    <p:sldId id="3836" r:id="rId11"/>
+    <p:sldId id="3837" r:id="rId12"/>
+    <p:sldId id="3843" r:id="rId13"/>
+    <p:sldId id="3841" r:id="rId14"/>
+    <p:sldId id="3848" r:id="rId15"/>
     <p:sldId id="3834" r:id="rId16"/>
   </p:sldIdLst>
   <p:sldSz cx="12192000" cy="6858000"/>
@@ -235,7 +235,7 @@
           <a:p>
             <a:fld id="{6C7BA811-8917-4F1D-B22F-E96045BFA4E0}" type="datetimeFigureOut">
               <a:rPr lang="en-US" smtClean="0"/>
-              <a:t>10/4/2022</a:t>
+              <a:t>10/5/2022</a:t>
             </a:fld>
             <a:endParaRPr lang="en-US" dirty="0"/>
           </a:p>
@@ -12207,6 +12207,14 @@
 <file path=ppt/slides/slide1.xml><?xml version="1.0" encoding="utf-8"?>
 <p:sld xmlns:a="http://schemas.openxmlformats.org/drawingml/2006/main" xmlns:r="http://schemas.openxmlformats.org/officeDocument/2006/relationships" xmlns:p="http://schemas.openxmlformats.org/presentationml/2006/main">
   <p:cSld>
+    <p:bg>
+      <p:bgPr>
+        <a:solidFill>
+          <a:schemeClr val="tx1"/>
+        </a:solidFill>
+        <a:effectLst/>
+      </p:bgPr>
+    </p:bg>
     <p:spTree>
       <p:nvGrpSpPr>
         <p:cNvPr id="1" name=""/>
@@ -12521,7 +12529,7 @@
                 </a:solidFill>
                 <a:latin typeface="freight-text-pro"/>
               </a:rPr>
-              <a:t>We were offered a small subset of data between 2007 and 2011 (5 years) to identify driving factors for a profitable business.</a:t>
+              <a:t>We were offered a small subset of data between 2007 and 2011 (5 years) to identify driving factors for a profitable business model.</a:t>
             </a:r>
           </a:p>
         </p:txBody>
@@ -12542,6 +12550,14 @@
 <file path=ppt/slides/slide10.xml><?xml version="1.0" encoding="utf-8"?>
 <p:sld xmlns:a="http://schemas.openxmlformats.org/drawingml/2006/main" xmlns:r="http://schemas.openxmlformats.org/officeDocument/2006/relationships" xmlns:p="http://schemas.openxmlformats.org/presentationml/2006/main">
   <p:cSld>
+    <p:bg>
+      <p:bgPr>
+        <a:solidFill>
+          <a:schemeClr val="tx1"/>
+        </a:solidFill>
+        <a:effectLst/>
+      </p:bgPr>
+    </p:bg>
     <p:spTree>
       <p:nvGrpSpPr>
         <p:cNvPr id="1" name=""/>
@@ -12558,10 +12574,10 @@
       </p:grpSpPr>
       <p:sp>
         <p:nvSpPr>
-          <p:cNvPr id="11" name="Title 1">
+          <p:cNvPr id="2" name="Title 1">
             <a:extLst>
               <a:ext uri="{FF2B5EF4-FFF2-40B4-BE49-F238E27FC236}">
-                <a16:creationId xmlns:a16="http://schemas.microsoft.com/office/drawing/2014/main" id="{E78514DD-3FC6-4AEF-9C9C-057CF64C8E2D}"/>
+                <a16:creationId xmlns:a16="http://schemas.microsoft.com/office/drawing/2014/main" id="{E41083A0-B5C8-4D81-870B-21C285F43640}"/>
               </a:ext>
             </a:extLst>
           </p:cNvPr>
@@ -12574,89 +12590,33 @@
         </p:nvSpPr>
         <p:spPr>
           <a:xfrm>
-            <a:off x="186969" y="145038"/>
-            <a:ext cx="9342923" cy="671324"/>
+            <a:off x="241113" y="240001"/>
+            <a:ext cx="10515600" cy="649942"/>
           </a:xfrm>
         </p:spPr>
         <p:txBody>
           <a:bodyPr>
-            <a:normAutofit fontScale="90000"/>
+            <a:normAutofit/>
           </a:bodyPr>
           <a:lstStyle/>
           <a:p>
             <a:r>
-              <a:rPr lang="en-US" dirty="0"/>
-              <a:t>Cleanse: Row-Column Elimination Reasoning</a:t>
+              <a:rPr lang="en-US" sz="2400" dirty="0">
+                <a:solidFill>
+                  <a:schemeClr val="bg1"/>
+                </a:solidFill>
+              </a:rPr>
+              <a:t>Observation – 5</a:t>
             </a:r>
           </a:p>
         </p:txBody>
       </p:sp>
       <p:sp>
         <p:nvSpPr>
-          <p:cNvPr id="12" name="Date Placeholder 11">
+          <p:cNvPr id="6" name="Slide Number Placeholder 5">
             <a:extLst>
               <a:ext uri="{FF2B5EF4-FFF2-40B4-BE49-F238E27FC236}">
-                <a16:creationId xmlns:a16="http://schemas.microsoft.com/office/drawing/2014/main" id="{BB55F5DE-D801-496C-806A-73E6EF45CB06}"/>
-              </a:ext>
-            </a:extLst>
-          </p:cNvPr>
-          <p:cNvSpPr>
-            <a:spLocks noGrp="1"/>
-          </p:cNvSpPr>
-          <p:nvPr>
-            <p:ph type="dt" sz="half" idx="10"/>
-          </p:nvPr>
-        </p:nvSpPr>
-        <p:spPr/>
-        <p:txBody>
-          <a:bodyPr/>
-          <a:lstStyle/>
-          <a:p>
-            <a:pPr marL="0" marR="0" lvl="0" indent="0" algn="l" defTabSz="914400" rtl="0" eaLnBrk="1" fontAlgn="auto" latinLnBrk="0" hangingPunct="1">
-              <a:lnSpc>
-                <a:spcPct val="100000"/>
-              </a:lnSpc>
-              <a:spcBef>
-                <a:spcPts val="0"/>
-              </a:spcBef>
-              <a:spcAft>
-                <a:spcPts val="0"/>
-              </a:spcAft>
-              <a:buClrTx/>
-              <a:buSzTx/>
-              <a:buFontTx/>
-              <a:buNone/>
-              <a:tabLst/>
-              <a:defRPr/>
-            </a:pPr>
-            <a:r>
-              <a:rPr kumimoji="0" lang="en-US" sz="1200" b="0" i="0" u="none" strike="noStrike" kern="1200" cap="none" spc="0" normalizeH="0" baseline="0" noProof="0" dirty="0">
-                <a:ln>
-                  <a:noFill/>
-                </a:ln>
-                <a:solidFill>
-                  <a:prstClr val="black">
-                    <a:tint val="75000"/>
-                  </a:prstClr>
-                </a:solidFill>
-                <a:effectLst/>
-                <a:uLnTx/>
-                <a:uFillTx/>
-                <a:latin typeface="Calibri" panose="020F0502020204030204"/>
-                <a:ea typeface="+mn-ea"/>
-                <a:cs typeface="+mn-cs"/>
-              </a:rPr>
-              <a:t>9/3/2022</a:t>
-            </a:r>
-          </a:p>
-        </p:txBody>
-      </p:sp>
-      <p:sp>
-        <p:nvSpPr>
-          <p:cNvPr id="14" name="Slide Number Placeholder 13">
-            <a:extLst>
-              <a:ext uri="{FF2B5EF4-FFF2-40B4-BE49-F238E27FC236}">
-                <a16:creationId xmlns:a16="http://schemas.microsoft.com/office/drawing/2014/main" id="{47FB0EFA-9228-4C2B-BC70-5B5C93771274}"/>
+                <a16:creationId xmlns:a16="http://schemas.microsoft.com/office/drawing/2014/main" id="{EFDB44E3-E126-4442-A190-3A7A89668362}"/>
               </a:ext>
             </a:extLst>
           </p:cNvPr>
@@ -12672,369 +12632,1015 @@
           <a:bodyPr/>
           <a:lstStyle/>
           <a:p>
-            <a:pPr marL="0" marR="0" lvl="0" indent="0" algn="r" defTabSz="914400" rtl="0" eaLnBrk="1" fontAlgn="auto" latinLnBrk="0" hangingPunct="1">
-              <a:lnSpc>
-                <a:spcPct val="100000"/>
-              </a:lnSpc>
-              <a:spcBef>
-                <a:spcPts val="0"/>
-              </a:spcBef>
-              <a:spcAft>
-                <a:spcPts val="0"/>
-              </a:spcAft>
-              <a:buClrTx/>
-              <a:buSzTx/>
-              <a:buFontTx/>
-              <a:buNone/>
-              <a:tabLst/>
+            <a:pPr>
               <a:defRPr/>
             </a:pPr>
             <a:fld id="{D76B855D-E9CC-4FF8-AD85-6CDC7B89A0DE}" type="slidenum">
-              <a:rPr kumimoji="0" lang="en-US" sz="1200" b="0" i="0" u="none" strike="noStrike" kern="1200" cap="none" spc="0" normalizeH="0" baseline="0" noProof="0" smtClean="0">
-                <a:ln>
-                  <a:noFill/>
-                </a:ln>
+              <a:rPr lang="en-US" smtClean="0">
                 <a:solidFill>
                   <a:prstClr val="black">
                     <a:tint val="75000"/>
                   </a:prstClr>
                 </a:solidFill>
-                <a:effectLst/>
-                <a:uLnTx/>
-                <a:uFillTx/>
-                <a:latin typeface="Calibri" panose="020F0502020204030204"/>
-                <a:ea typeface="+mn-ea"/>
-                <a:cs typeface="+mn-cs"/>
-              </a:rPr>
-              <a:pPr marL="0" marR="0" lvl="0" indent="0" algn="r" defTabSz="914400" rtl="0" eaLnBrk="1" fontAlgn="auto" latinLnBrk="0" hangingPunct="1">
-                <a:lnSpc>
-                  <a:spcPct val="100000"/>
-                </a:lnSpc>
-                <a:spcBef>
-                  <a:spcPts val="0"/>
-                </a:spcBef>
-                <a:spcAft>
-                  <a:spcPts val="0"/>
-                </a:spcAft>
-                <a:buClrTx/>
-                <a:buSzTx/>
-                <a:buFontTx/>
-                <a:buNone/>
-                <a:tabLst/>
+              </a:rPr>
+              <a:pPr>
                 <a:defRPr/>
               </a:pPr>
               <a:t>10</a:t>
             </a:fld>
-            <a:endParaRPr kumimoji="0" lang="en-US" sz="1200" b="0" i="0" u="none" strike="noStrike" kern="1200" cap="none" spc="0" normalizeH="0" baseline="0" noProof="0" dirty="0">
-              <a:ln>
-                <a:noFill/>
-              </a:ln>
+            <a:endParaRPr lang="en-US" dirty="0">
               <a:solidFill>
                 <a:prstClr val="black">
                   <a:tint val="75000"/>
                 </a:prstClr>
               </a:solidFill>
-              <a:effectLst/>
-              <a:uLnTx/>
-              <a:uFillTx/>
-              <a:latin typeface="Calibri" panose="020F0502020204030204"/>
-              <a:ea typeface="+mn-ea"/>
-              <a:cs typeface="+mn-cs"/>
             </a:endParaRPr>
+          </a:p>
+        </p:txBody>
+      </p:sp>
+      <p:pic>
+        <p:nvPicPr>
+          <p:cNvPr id="7" name="Picture 6">
+            <a:extLst>
+              <a:ext uri="{FF2B5EF4-FFF2-40B4-BE49-F238E27FC236}">
+                <a16:creationId xmlns:a16="http://schemas.microsoft.com/office/drawing/2014/main" id="{4397CA8C-BED9-4A70-80C1-399C1DF5D86D}"/>
+              </a:ext>
+            </a:extLst>
+          </p:cNvPr>
+          <p:cNvPicPr>
+            <a:picLocks noChangeAspect="1"/>
+          </p:cNvPicPr>
+          <p:nvPr/>
+        </p:nvPicPr>
+        <p:blipFill>
+          <a:blip r:embed="rId2"/>
+          <a:stretch>
+            <a:fillRect/>
+          </a:stretch>
+        </p:blipFill>
+        <p:spPr>
+          <a:xfrm>
+            <a:off x="640342" y="4333614"/>
+            <a:ext cx="3404232" cy="2387861"/>
+          </a:xfrm>
+          <a:prstGeom prst="rect">
+            <a:avLst/>
+          </a:prstGeom>
+        </p:spPr>
+      </p:pic>
+      <p:sp>
+        <p:nvSpPr>
+          <p:cNvPr id="8" name="Content Placeholder 2">
+            <a:extLst>
+              <a:ext uri="{FF2B5EF4-FFF2-40B4-BE49-F238E27FC236}">
+                <a16:creationId xmlns:a16="http://schemas.microsoft.com/office/drawing/2014/main" id="{2DAA1288-9D37-4368-B769-78D906E3A361}"/>
+              </a:ext>
+            </a:extLst>
+          </p:cNvPr>
+          <p:cNvSpPr txBox="1">
+            <a:spLocks/>
+          </p:cNvSpPr>
+          <p:nvPr/>
+        </p:nvSpPr>
+        <p:spPr>
+          <a:xfrm>
+            <a:off x="392968" y="2392063"/>
+            <a:ext cx="5404328" cy="516419"/>
+          </a:xfrm>
+          <a:prstGeom prst="rect">
+            <a:avLst/>
+          </a:prstGeom>
+        </p:spPr>
+        <p:txBody>
+          <a:bodyPr vert="horz" lIns="91440" tIns="45720" rIns="91440" bIns="45720" rtlCol="0">
+            <a:normAutofit fontScale="85000" lnSpcReduction="20000"/>
+          </a:bodyPr>
+          <a:lstStyle>
+            <a:lvl1pPr marL="228600" indent="-228600" algn="l" defTabSz="914400" rtl="0" eaLnBrk="1" latinLnBrk="0" hangingPunct="1">
+              <a:lnSpc>
+                <a:spcPct val="90000"/>
+              </a:lnSpc>
+              <a:spcBef>
+                <a:spcPts val="1000"/>
+              </a:spcBef>
+              <a:buFont typeface="Arial" panose="020B0604020202020204" pitchFamily="34" charset="0"/>
+              <a:buChar char="•"/>
+              <a:defRPr sz="2800" kern="1200">
+                <a:solidFill>
+                  <a:schemeClr val="tx1"/>
+                </a:solidFill>
+                <a:latin typeface="+mn-lt"/>
+                <a:ea typeface="+mn-ea"/>
+                <a:cs typeface="+mn-cs"/>
+              </a:defRPr>
+            </a:lvl1pPr>
+            <a:lvl2pPr marL="685800" indent="-228600" algn="l" defTabSz="914400" rtl="0" eaLnBrk="1" latinLnBrk="0" hangingPunct="1">
+              <a:lnSpc>
+                <a:spcPct val="90000"/>
+              </a:lnSpc>
+              <a:spcBef>
+                <a:spcPts val="500"/>
+              </a:spcBef>
+              <a:buFont typeface="Arial" panose="020B0604020202020204" pitchFamily="34" charset="0"/>
+              <a:buChar char="•"/>
+              <a:defRPr sz="2400" kern="1200">
+                <a:solidFill>
+                  <a:schemeClr val="tx1"/>
+                </a:solidFill>
+                <a:latin typeface="+mn-lt"/>
+                <a:ea typeface="+mn-ea"/>
+                <a:cs typeface="+mn-cs"/>
+              </a:defRPr>
+            </a:lvl2pPr>
+            <a:lvl3pPr marL="1143000" indent="-228600" algn="l" defTabSz="914400" rtl="0" eaLnBrk="1" latinLnBrk="0" hangingPunct="1">
+              <a:lnSpc>
+                <a:spcPct val="90000"/>
+              </a:lnSpc>
+              <a:spcBef>
+                <a:spcPts val="500"/>
+              </a:spcBef>
+              <a:buFont typeface="Arial" panose="020B0604020202020204" pitchFamily="34" charset="0"/>
+              <a:buChar char="•"/>
+              <a:defRPr sz="2000" kern="1200">
+                <a:solidFill>
+                  <a:schemeClr val="tx1"/>
+                </a:solidFill>
+                <a:latin typeface="+mn-lt"/>
+                <a:ea typeface="+mn-ea"/>
+                <a:cs typeface="+mn-cs"/>
+              </a:defRPr>
+            </a:lvl3pPr>
+            <a:lvl4pPr marL="1600200" indent="-228600" algn="l" defTabSz="914400" rtl="0" eaLnBrk="1" latinLnBrk="0" hangingPunct="1">
+              <a:lnSpc>
+                <a:spcPct val="90000"/>
+              </a:lnSpc>
+              <a:spcBef>
+                <a:spcPts val="500"/>
+              </a:spcBef>
+              <a:buFont typeface="Arial" panose="020B0604020202020204" pitchFamily="34" charset="0"/>
+              <a:buChar char="•"/>
+              <a:defRPr sz="1800" kern="1200">
+                <a:solidFill>
+                  <a:schemeClr val="tx1"/>
+                </a:solidFill>
+                <a:latin typeface="+mn-lt"/>
+                <a:ea typeface="+mn-ea"/>
+                <a:cs typeface="+mn-cs"/>
+              </a:defRPr>
+            </a:lvl4pPr>
+            <a:lvl5pPr marL="2057400" indent="-228600" algn="l" defTabSz="914400" rtl="0" eaLnBrk="1" latinLnBrk="0" hangingPunct="1">
+              <a:lnSpc>
+                <a:spcPct val="90000"/>
+              </a:lnSpc>
+              <a:spcBef>
+                <a:spcPts val="500"/>
+              </a:spcBef>
+              <a:buFont typeface="Arial" panose="020B0604020202020204" pitchFamily="34" charset="0"/>
+              <a:buChar char="•"/>
+              <a:defRPr sz="1800" kern="1200">
+                <a:solidFill>
+                  <a:schemeClr val="tx1"/>
+                </a:solidFill>
+                <a:latin typeface="+mn-lt"/>
+                <a:ea typeface="+mn-ea"/>
+                <a:cs typeface="+mn-cs"/>
+              </a:defRPr>
+            </a:lvl5pPr>
+            <a:lvl6pPr marL="2514600" indent="-228600" algn="l" defTabSz="914400" rtl="0" eaLnBrk="1" latinLnBrk="0" hangingPunct="1">
+              <a:lnSpc>
+                <a:spcPct val="90000"/>
+              </a:lnSpc>
+              <a:spcBef>
+                <a:spcPts val="500"/>
+              </a:spcBef>
+              <a:buFont typeface="Arial" panose="020B0604020202020204" pitchFamily="34" charset="0"/>
+              <a:buChar char="•"/>
+              <a:defRPr sz="1800" kern="1200">
+                <a:solidFill>
+                  <a:schemeClr val="tx1"/>
+                </a:solidFill>
+                <a:latin typeface="+mn-lt"/>
+                <a:ea typeface="+mn-ea"/>
+                <a:cs typeface="+mn-cs"/>
+              </a:defRPr>
+            </a:lvl6pPr>
+            <a:lvl7pPr marL="2971800" indent="-228600" algn="l" defTabSz="914400" rtl="0" eaLnBrk="1" latinLnBrk="0" hangingPunct="1">
+              <a:lnSpc>
+                <a:spcPct val="90000"/>
+              </a:lnSpc>
+              <a:spcBef>
+                <a:spcPts val="500"/>
+              </a:spcBef>
+              <a:buFont typeface="Arial" panose="020B0604020202020204" pitchFamily="34" charset="0"/>
+              <a:buChar char="•"/>
+              <a:defRPr sz="1800" kern="1200">
+                <a:solidFill>
+                  <a:schemeClr val="tx1"/>
+                </a:solidFill>
+                <a:latin typeface="+mn-lt"/>
+                <a:ea typeface="+mn-ea"/>
+                <a:cs typeface="+mn-cs"/>
+              </a:defRPr>
+            </a:lvl7pPr>
+            <a:lvl8pPr marL="3429000" indent="-228600" algn="l" defTabSz="914400" rtl="0" eaLnBrk="1" latinLnBrk="0" hangingPunct="1">
+              <a:lnSpc>
+                <a:spcPct val="90000"/>
+              </a:lnSpc>
+              <a:spcBef>
+                <a:spcPts val="500"/>
+              </a:spcBef>
+              <a:buFont typeface="Arial" panose="020B0604020202020204" pitchFamily="34" charset="0"/>
+              <a:buChar char="•"/>
+              <a:defRPr sz="1800" kern="1200">
+                <a:solidFill>
+                  <a:schemeClr val="tx1"/>
+                </a:solidFill>
+                <a:latin typeface="+mn-lt"/>
+                <a:ea typeface="+mn-ea"/>
+                <a:cs typeface="+mn-cs"/>
+              </a:defRPr>
+            </a:lvl8pPr>
+            <a:lvl9pPr marL="3886200" indent="-228600" algn="l" defTabSz="914400" rtl="0" eaLnBrk="1" latinLnBrk="0" hangingPunct="1">
+              <a:lnSpc>
+                <a:spcPct val="90000"/>
+              </a:lnSpc>
+              <a:spcBef>
+                <a:spcPts val="500"/>
+              </a:spcBef>
+              <a:buFont typeface="Arial" panose="020B0604020202020204" pitchFamily="34" charset="0"/>
+              <a:buChar char="•"/>
+              <a:defRPr sz="1800" kern="1200">
+                <a:solidFill>
+                  <a:schemeClr val="tx1"/>
+                </a:solidFill>
+                <a:latin typeface="+mn-lt"/>
+                <a:ea typeface="+mn-ea"/>
+                <a:cs typeface="+mn-cs"/>
+              </a:defRPr>
+            </a:lvl9pPr>
+          </a:lstStyle>
+          <a:p>
+            <a:r>
+              <a:rPr lang="en-GB" sz="2200" i="1" dirty="0">
+                <a:solidFill>
+                  <a:schemeClr val="bg1"/>
+                </a:solidFill>
+              </a:rPr>
+              <a:t>Distribution by “</a:t>
+            </a:r>
+            <a:r>
+              <a:rPr lang="en-GB" sz="2200" b="1" i="1" dirty="0">
+                <a:solidFill>
+                  <a:schemeClr val="bg1"/>
+                </a:solidFill>
+              </a:rPr>
+              <a:t>Loan Status</a:t>
+            </a:r>
+            <a:r>
+              <a:rPr lang="en-GB" sz="2200" i="1" dirty="0">
+                <a:solidFill>
+                  <a:schemeClr val="bg1"/>
+                </a:solidFill>
+              </a:rPr>
+              <a:t>” </a:t>
+            </a:r>
+          </a:p>
+          <a:p>
+            <a:pPr marL="457200" lvl="1" indent="0">
+              <a:buNone/>
+            </a:pPr>
+            <a:r>
+              <a:rPr lang="en-GB" sz="1600" i="1" dirty="0">
+                <a:solidFill>
+                  <a:schemeClr val="bg1"/>
+                </a:solidFill>
+              </a:rPr>
+              <a:t>(after removing ‘Current’ accounts)</a:t>
+            </a:r>
+            <a:endParaRPr lang="en-GB" sz="1200" i="1" dirty="0">
+              <a:solidFill>
+                <a:schemeClr val="bg1"/>
+              </a:solidFill>
+            </a:endParaRPr>
+          </a:p>
+        </p:txBody>
+      </p:sp>
+      <p:pic>
+        <p:nvPicPr>
+          <p:cNvPr id="9" name="Picture 8">
+            <a:extLst>
+              <a:ext uri="{FF2B5EF4-FFF2-40B4-BE49-F238E27FC236}">
+                <a16:creationId xmlns:a16="http://schemas.microsoft.com/office/drawing/2014/main" id="{D1DEF421-D3D2-4007-BB40-F4B9C511A785}"/>
+              </a:ext>
+            </a:extLst>
+          </p:cNvPr>
+          <p:cNvPicPr>
+            <a:picLocks noChangeAspect="1"/>
+          </p:cNvPicPr>
+          <p:nvPr/>
+        </p:nvPicPr>
+        <p:blipFill>
+          <a:blip r:embed="rId3"/>
+          <a:stretch>
+            <a:fillRect/>
+          </a:stretch>
+        </p:blipFill>
+        <p:spPr>
+          <a:xfrm>
+            <a:off x="1023554" y="3425486"/>
+            <a:ext cx="2637808" cy="752595"/>
+          </a:xfrm>
+          <a:prstGeom prst="rect">
+            <a:avLst/>
+          </a:prstGeom>
+        </p:spPr>
+      </p:pic>
+      <p:sp>
+        <p:nvSpPr>
+          <p:cNvPr id="14" name="Content Placeholder 2">
+            <a:extLst>
+              <a:ext uri="{FF2B5EF4-FFF2-40B4-BE49-F238E27FC236}">
+                <a16:creationId xmlns:a16="http://schemas.microsoft.com/office/drawing/2014/main" id="{BD1E57C1-CD83-4791-8066-EA5E46452150}"/>
+              </a:ext>
+            </a:extLst>
+          </p:cNvPr>
+          <p:cNvSpPr txBox="1">
+            <a:spLocks/>
+          </p:cNvSpPr>
+          <p:nvPr/>
+        </p:nvSpPr>
+        <p:spPr>
+          <a:xfrm>
+            <a:off x="872859" y="1342999"/>
+            <a:ext cx="5404328" cy="532060"/>
+          </a:xfrm>
+          <a:prstGeom prst="rect">
+            <a:avLst/>
+          </a:prstGeom>
+        </p:spPr>
+        <p:txBody>
+          <a:bodyPr vert="horz" lIns="91440" tIns="45720" rIns="91440" bIns="45720" rtlCol="0">
+            <a:normAutofit/>
+          </a:bodyPr>
+          <a:lstStyle>
+            <a:lvl1pPr marL="228600" indent="-228600" algn="l" defTabSz="914400" rtl="0" eaLnBrk="1" latinLnBrk="0" hangingPunct="1">
+              <a:lnSpc>
+                <a:spcPct val="90000"/>
+              </a:lnSpc>
+              <a:spcBef>
+                <a:spcPts val="1000"/>
+              </a:spcBef>
+              <a:buFont typeface="Arial" panose="020B0604020202020204" pitchFamily="34" charset="0"/>
+              <a:buChar char="•"/>
+              <a:defRPr sz="2800" kern="1200">
+                <a:solidFill>
+                  <a:schemeClr val="tx1"/>
+                </a:solidFill>
+                <a:latin typeface="+mn-lt"/>
+                <a:ea typeface="+mn-ea"/>
+                <a:cs typeface="+mn-cs"/>
+              </a:defRPr>
+            </a:lvl1pPr>
+            <a:lvl2pPr marL="685800" indent="-228600" algn="l" defTabSz="914400" rtl="0" eaLnBrk="1" latinLnBrk="0" hangingPunct="1">
+              <a:lnSpc>
+                <a:spcPct val="90000"/>
+              </a:lnSpc>
+              <a:spcBef>
+                <a:spcPts val="500"/>
+              </a:spcBef>
+              <a:buFont typeface="Arial" panose="020B0604020202020204" pitchFamily="34" charset="0"/>
+              <a:buChar char="•"/>
+              <a:defRPr sz="2400" kern="1200">
+                <a:solidFill>
+                  <a:schemeClr val="tx1"/>
+                </a:solidFill>
+                <a:latin typeface="+mn-lt"/>
+                <a:ea typeface="+mn-ea"/>
+                <a:cs typeface="+mn-cs"/>
+              </a:defRPr>
+            </a:lvl2pPr>
+            <a:lvl3pPr marL="1143000" indent="-228600" algn="l" defTabSz="914400" rtl="0" eaLnBrk="1" latinLnBrk="0" hangingPunct="1">
+              <a:lnSpc>
+                <a:spcPct val="90000"/>
+              </a:lnSpc>
+              <a:spcBef>
+                <a:spcPts val="500"/>
+              </a:spcBef>
+              <a:buFont typeface="Arial" panose="020B0604020202020204" pitchFamily="34" charset="0"/>
+              <a:buChar char="•"/>
+              <a:defRPr sz="2000" kern="1200">
+                <a:solidFill>
+                  <a:schemeClr val="tx1"/>
+                </a:solidFill>
+                <a:latin typeface="+mn-lt"/>
+                <a:ea typeface="+mn-ea"/>
+                <a:cs typeface="+mn-cs"/>
+              </a:defRPr>
+            </a:lvl3pPr>
+            <a:lvl4pPr marL="1600200" indent="-228600" algn="l" defTabSz="914400" rtl="0" eaLnBrk="1" latinLnBrk="0" hangingPunct="1">
+              <a:lnSpc>
+                <a:spcPct val="90000"/>
+              </a:lnSpc>
+              <a:spcBef>
+                <a:spcPts val="500"/>
+              </a:spcBef>
+              <a:buFont typeface="Arial" panose="020B0604020202020204" pitchFamily="34" charset="0"/>
+              <a:buChar char="•"/>
+              <a:defRPr sz="1800" kern="1200">
+                <a:solidFill>
+                  <a:schemeClr val="tx1"/>
+                </a:solidFill>
+                <a:latin typeface="+mn-lt"/>
+                <a:ea typeface="+mn-ea"/>
+                <a:cs typeface="+mn-cs"/>
+              </a:defRPr>
+            </a:lvl4pPr>
+            <a:lvl5pPr marL="2057400" indent="-228600" algn="l" defTabSz="914400" rtl="0" eaLnBrk="1" latinLnBrk="0" hangingPunct="1">
+              <a:lnSpc>
+                <a:spcPct val="90000"/>
+              </a:lnSpc>
+              <a:spcBef>
+                <a:spcPts val="500"/>
+              </a:spcBef>
+              <a:buFont typeface="Arial" panose="020B0604020202020204" pitchFamily="34" charset="0"/>
+              <a:buChar char="•"/>
+              <a:defRPr sz="1800" kern="1200">
+                <a:solidFill>
+                  <a:schemeClr val="tx1"/>
+                </a:solidFill>
+                <a:latin typeface="+mn-lt"/>
+                <a:ea typeface="+mn-ea"/>
+                <a:cs typeface="+mn-cs"/>
+              </a:defRPr>
+            </a:lvl5pPr>
+            <a:lvl6pPr marL="2514600" indent="-228600" algn="l" defTabSz="914400" rtl="0" eaLnBrk="1" latinLnBrk="0" hangingPunct="1">
+              <a:lnSpc>
+                <a:spcPct val="90000"/>
+              </a:lnSpc>
+              <a:spcBef>
+                <a:spcPts val="500"/>
+              </a:spcBef>
+              <a:buFont typeface="Arial" panose="020B0604020202020204" pitchFamily="34" charset="0"/>
+              <a:buChar char="•"/>
+              <a:defRPr sz="1800" kern="1200">
+                <a:solidFill>
+                  <a:schemeClr val="tx1"/>
+                </a:solidFill>
+                <a:latin typeface="+mn-lt"/>
+                <a:ea typeface="+mn-ea"/>
+                <a:cs typeface="+mn-cs"/>
+              </a:defRPr>
+            </a:lvl6pPr>
+            <a:lvl7pPr marL="2971800" indent="-228600" algn="l" defTabSz="914400" rtl="0" eaLnBrk="1" latinLnBrk="0" hangingPunct="1">
+              <a:lnSpc>
+                <a:spcPct val="90000"/>
+              </a:lnSpc>
+              <a:spcBef>
+                <a:spcPts val="500"/>
+              </a:spcBef>
+              <a:buFont typeface="Arial" panose="020B0604020202020204" pitchFamily="34" charset="0"/>
+              <a:buChar char="•"/>
+              <a:defRPr sz="1800" kern="1200">
+                <a:solidFill>
+                  <a:schemeClr val="tx1"/>
+                </a:solidFill>
+                <a:latin typeface="+mn-lt"/>
+                <a:ea typeface="+mn-ea"/>
+                <a:cs typeface="+mn-cs"/>
+              </a:defRPr>
+            </a:lvl7pPr>
+            <a:lvl8pPr marL="3429000" indent="-228600" algn="l" defTabSz="914400" rtl="0" eaLnBrk="1" latinLnBrk="0" hangingPunct="1">
+              <a:lnSpc>
+                <a:spcPct val="90000"/>
+              </a:lnSpc>
+              <a:spcBef>
+                <a:spcPts val="500"/>
+              </a:spcBef>
+              <a:buFont typeface="Arial" panose="020B0604020202020204" pitchFamily="34" charset="0"/>
+              <a:buChar char="•"/>
+              <a:defRPr sz="1800" kern="1200">
+                <a:solidFill>
+                  <a:schemeClr val="tx1"/>
+                </a:solidFill>
+                <a:latin typeface="+mn-lt"/>
+                <a:ea typeface="+mn-ea"/>
+                <a:cs typeface="+mn-cs"/>
+              </a:defRPr>
+            </a:lvl8pPr>
+            <a:lvl9pPr marL="3886200" indent="-228600" algn="l" defTabSz="914400" rtl="0" eaLnBrk="1" latinLnBrk="0" hangingPunct="1">
+              <a:lnSpc>
+                <a:spcPct val="90000"/>
+              </a:lnSpc>
+              <a:spcBef>
+                <a:spcPts val="500"/>
+              </a:spcBef>
+              <a:buFont typeface="Arial" panose="020B0604020202020204" pitchFamily="34" charset="0"/>
+              <a:buChar char="•"/>
+              <a:defRPr sz="1800" kern="1200">
+                <a:solidFill>
+                  <a:schemeClr val="tx1"/>
+                </a:solidFill>
+                <a:latin typeface="+mn-lt"/>
+                <a:ea typeface="+mn-ea"/>
+                <a:cs typeface="+mn-cs"/>
+              </a:defRPr>
+            </a:lvl9pPr>
+          </a:lstStyle>
+          <a:p>
+            <a:pPr marL="0" indent="0" algn="ctr">
+              <a:buNone/>
+            </a:pPr>
+            <a:r>
+              <a:rPr lang="en-GB" sz="1400" i="1" dirty="0">
+                <a:solidFill>
+                  <a:schemeClr val="bg1"/>
+                </a:solidFill>
+              </a:rPr>
+              <a:t>“</a:t>
+            </a:r>
+            <a:r>
+              <a:rPr lang="en-GB" sz="1400" b="1" i="1" dirty="0">
+                <a:solidFill>
+                  <a:schemeClr val="bg1"/>
+                </a:solidFill>
+              </a:rPr>
+              <a:t>Debt Consolidation</a:t>
+            </a:r>
+            <a:r>
+              <a:rPr lang="en-GB" sz="1400" i="1" dirty="0">
+                <a:solidFill>
+                  <a:schemeClr val="bg1"/>
+                </a:solidFill>
+              </a:rPr>
+              <a:t>” is the single largest loan purpose across “Fully Paid” and “Charged-Off” borrowers</a:t>
+            </a:r>
           </a:p>
         </p:txBody>
       </p:sp>
       <p:sp>
         <p:nvSpPr>
-          <p:cNvPr id="3" name="Content Placeholder 2">
+          <p:cNvPr id="15" name="Content Placeholder 2">
             <a:extLst>
               <a:ext uri="{FF2B5EF4-FFF2-40B4-BE49-F238E27FC236}">
-                <a16:creationId xmlns:a16="http://schemas.microsoft.com/office/drawing/2014/main" id="{43A0A98D-D612-4701-915D-C6859876B3DF}"/>
+                <a16:creationId xmlns:a16="http://schemas.microsoft.com/office/drawing/2014/main" id="{4BFC5A12-F69E-4DDB-9F38-B80ADCAE9A28}"/>
               </a:ext>
             </a:extLst>
           </p:cNvPr>
-          <p:cNvSpPr>
-            <a:spLocks noGrp="1"/>
+          <p:cNvSpPr txBox="1">
+            <a:spLocks/>
           </p:cNvSpPr>
-          <p:nvPr>
-            <p:ph idx="1"/>
-          </p:nvPr>
+          <p:nvPr/>
         </p:nvSpPr>
         <p:spPr>
           <a:xfrm>
-            <a:off x="679508" y="1031969"/>
-            <a:ext cx="10363424" cy="4521543"/>
+            <a:off x="392968" y="1002680"/>
+            <a:ext cx="4095142" cy="419990"/>
           </a:xfrm>
+          <a:prstGeom prst="rect">
+            <a:avLst/>
+          </a:prstGeom>
         </p:spPr>
         <p:txBody>
-          <a:bodyPr>
+          <a:bodyPr vert="horz" lIns="91440" tIns="45720" rIns="91440" bIns="45720" rtlCol="0">
+            <a:normAutofit fontScale="85000" lnSpcReduction="10000"/>
+          </a:bodyPr>
+          <a:lstStyle>
+            <a:lvl1pPr marL="228600" indent="-228600" algn="l" defTabSz="914400" rtl="0" eaLnBrk="1" latinLnBrk="0" hangingPunct="1">
+              <a:lnSpc>
+                <a:spcPct val="90000"/>
+              </a:lnSpc>
+              <a:spcBef>
+                <a:spcPts val="1000"/>
+              </a:spcBef>
+              <a:buFont typeface="Arial" panose="020B0604020202020204" pitchFamily="34" charset="0"/>
+              <a:buChar char="•"/>
+              <a:defRPr sz="2800" kern="1200">
+                <a:solidFill>
+                  <a:schemeClr val="tx1"/>
+                </a:solidFill>
+                <a:latin typeface="+mn-lt"/>
+                <a:ea typeface="+mn-ea"/>
+                <a:cs typeface="+mn-cs"/>
+              </a:defRPr>
+            </a:lvl1pPr>
+            <a:lvl2pPr marL="685800" indent="-228600" algn="l" defTabSz="914400" rtl="0" eaLnBrk="1" latinLnBrk="0" hangingPunct="1">
+              <a:lnSpc>
+                <a:spcPct val="90000"/>
+              </a:lnSpc>
+              <a:spcBef>
+                <a:spcPts val="500"/>
+              </a:spcBef>
+              <a:buFont typeface="Arial" panose="020B0604020202020204" pitchFamily="34" charset="0"/>
+              <a:buChar char="•"/>
+              <a:defRPr sz="2400" kern="1200">
+                <a:solidFill>
+                  <a:schemeClr val="tx1"/>
+                </a:solidFill>
+                <a:latin typeface="+mn-lt"/>
+                <a:ea typeface="+mn-ea"/>
+                <a:cs typeface="+mn-cs"/>
+              </a:defRPr>
+            </a:lvl2pPr>
+            <a:lvl3pPr marL="1143000" indent="-228600" algn="l" defTabSz="914400" rtl="0" eaLnBrk="1" latinLnBrk="0" hangingPunct="1">
+              <a:lnSpc>
+                <a:spcPct val="90000"/>
+              </a:lnSpc>
+              <a:spcBef>
+                <a:spcPts val="500"/>
+              </a:spcBef>
+              <a:buFont typeface="Arial" panose="020B0604020202020204" pitchFamily="34" charset="0"/>
+              <a:buChar char="•"/>
+              <a:defRPr sz="2000" kern="1200">
+                <a:solidFill>
+                  <a:schemeClr val="tx1"/>
+                </a:solidFill>
+                <a:latin typeface="+mn-lt"/>
+                <a:ea typeface="+mn-ea"/>
+                <a:cs typeface="+mn-cs"/>
+              </a:defRPr>
+            </a:lvl3pPr>
+            <a:lvl4pPr marL="1600200" indent="-228600" algn="l" defTabSz="914400" rtl="0" eaLnBrk="1" latinLnBrk="0" hangingPunct="1">
+              <a:lnSpc>
+                <a:spcPct val="90000"/>
+              </a:lnSpc>
+              <a:spcBef>
+                <a:spcPts val="500"/>
+              </a:spcBef>
+              <a:buFont typeface="Arial" panose="020B0604020202020204" pitchFamily="34" charset="0"/>
+              <a:buChar char="•"/>
+              <a:defRPr sz="1800" kern="1200">
+                <a:solidFill>
+                  <a:schemeClr val="tx1"/>
+                </a:solidFill>
+                <a:latin typeface="+mn-lt"/>
+                <a:ea typeface="+mn-ea"/>
+                <a:cs typeface="+mn-cs"/>
+              </a:defRPr>
+            </a:lvl4pPr>
+            <a:lvl5pPr marL="2057400" indent="-228600" algn="l" defTabSz="914400" rtl="0" eaLnBrk="1" latinLnBrk="0" hangingPunct="1">
+              <a:lnSpc>
+                <a:spcPct val="90000"/>
+              </a:lnSpc>
+              <a:spcBef>
+                <a:spcPts val="500"/>
+              </a:spcBef>
+              <a:buFont typeface="Arial" panose="020B0604020202020204" pitchFamily="34" charset="0"/>
+              <a:buChar char="•"/>
+              <a:defRPr sz="1800" kern="1200">
+                <a:solidFill>
+                  <a:schemeClr val="tx1"/>
+                </a:solidFill>
+                <a:latin typeface="+mn-lt"/>
+                <a:ea typeface="+mn-ea"/>
+                <a:cs typeface="+mn-cs"/>
+              </a:defRPr>
+            </a:lvl5pPr>
+            <a:lvl6pPr marL="2514600" indent="-228600" algn="l" defTabSz="914400" rtl="0" eaLnBrk="1" latinLnBrk="0" hangingPunct="1">
+              <a:lnSpc>
+                <a:spcPct val="90000"/>
+              </a:lnSpc>
+              <a:spcBef>
+                <a:spcPts val="500"/>
+              </a:spcBef>
+              <a:buFont typeface="Arial" panose="020B0604020202020204" pitchFamily="34" charset="0"/>
+              <a:buChar char="•"/>
+              <a:defRPr sz="1800" kern="1200">
+                <a:solidFill>
+                  <a:schemeClr val="tx1"/>
+                </a:solidFill>
+                <a:latin typeface="+mn-lt"/>
+                <a:ea typeface="+mn-ea"/>
+                <a:cs typeface="+mn-cs"/>
+              </a:defRPr>
+            </a:lvl6pPr>
+            <a:lvl7pPr marL="2971800" indent="-228600" algn="l" defTabSz="914400" rtl="0" eaLnBrk="1" latinLnBrk="0" hangingPunct="1">
+              <a:lnSpc>
+                <a:spcPct val="90000"/>
+              </a:lnSpc>
+              <a:spcBef>
+                <a:spcPts val="500"/>
+              </a:spcBef>
+              <a:buFont typeface="Arial" panose="020B0604020202020204" pitchFamily="34" charset="0"/>
+              <a:buChar char="•"/>
+              <a:defRPr sz="1800" kern="1200">
+                <a:solidFill>
+                  <a:schemeClr val="tx1"/>
+                </a:solidFill>
+                <a:latin typeface="+mn-lt"/>
+                <a:ea typeface="+mn-ea"/>
+                <a:cs typeface="+mn-cs"/>
+              </a:defRPr>
+            </a:lvl7pPr>
+            <a:lvl8pPr marL="3429000" indent="-228600" algn="l" defTabSz="914400" rtl="0" eaLnBrk="1" latinLnBrk="0" hangingPunct="1">
+              <a:lnSpc>
+                <a:spcPct val="90000"/>
+              </a:lnSpc>
+              <a:spcBef>
+                <a:spcPts val="500"/>
+              </a:spcBef>
+              <a:buFont typeface="Arial" panose="020B0604020202020204" pitchFamily="34" charset="0"/>
+              <a:buChar char="•"/>
+              <a:defRPr sz="1800" kern="1200">
+                <a:solidFill>
+                  <a:schemeClr val="tx1"/>
+                </a:solidFill>
+                <a:latin typeface="+mn-lt"/>
+                <a:ea typeface="+mn-ea"/>
+                <a:cs typeface="+mn-cs"/>
+              </a:defRPr>
+            </a:lvl8pPr>
+            <a:lvl9pPr marL="3886200" indent="-228600" algn="l" defTabSz="914400" rtl="0" eaLnBrk="1" latinLnBrk="0" hangingPunct="1">
+              <a:lnSpc>
+                <a:spcPct val="90000"/>
+              </a:lnSpc>
+              <a:spcBef>
+                <a:spcPts val="500"/>
+              </a:spcBef>
+              <a:buFont typeface="Arial" panose="020B0604020202020204" pitchFamily="34" charset="0"/>
+              <a:buChar char="•"/>
+              <a:defRPr sz="1800" kern="1200">
+                <a:solidFill>
+                  <a:schemeClr val="tx1"/>
+                </a:solidFill>
+                <a:latin typeface="+mn-lt"/>
+                <a:ea typeface="+mn-ea"/>
+                <a:cs typeface="+mn-cs"/>
+              </a:defRPr>
+            </a:lvl9pPr>
+          </a:lstStyle>
+          <a:p>
+            <a:r>
+              <a:rPr lang="en-GB" sz="2000" i="1" dirty="0">
+                <a:solidFill>
+                  <a:schemeClr val="bg1"/>
+                </a:solidFill>
+              </a:rPr>
+              <a:t>Distribution of loans by “</a:t>
+            </a:r>
+            <a:r>
+              <a:rPr lang="en-GB" sz="2000" b="1" i="1" dirty="0">
+                <a:solidFill>
+                  <a:schemeClr val="bg1"/>
+                </a:solidFill>
+              </a:rPr>
+              <a:t>Purpose</a:t>
+            </a:r>
+            <a:r>
+              <a:rPr lang="en-GB" sz="2000" i="1" dirty="0">
+                <a:solidFill>
+                  <a:schemeClr val="bg1"/>
+                </a:solidFill>
+              </a:rPr>
+              <a:t>” </a:t>
+            </a:r>
+            <a:endParaRPr lang="en-GB" sz="1600" i="1" dirty="0">
+              <a:solidFill>
+                <a:schemeClr val="bg1"/>
+              </a:solidFill>
+            </a:endParaRPr>
+          </a:p>
+        </p:txBody>
+      </p:sp>
+      <p:pic>
+        <p:nvPicPr>
+          <p:cNvPr id="22" name="Picture 21">
+            <a:extLst>
+              <a:ext uri="{FF2B5EF4-FFF2-40B4-BE49-F238E27FC236}">
+                <a16:creationId xmlns:a16="http://schemas.microsoft.com/office/drawing/2014/main" id="{F3DE250E-DD9B-44F5-BEF7-73BEF916F1B9}"/>
+              </a:ext>
+            </a:extLst>
+          </p:cNvPr>
+          <p:cNvPicPr>
+            <a:picLocks noChangeAspect="1"/>
+          </p:cNvPicPr>
+          <p:nvPr/>
+        </p:nvPicPr>
+        <p:blipFill>
+          <a:blip r:embed="rId4"/>
+          <a:stretch>
+            <a:fillRect/>
+          </a:stretch>
+        </p:blipFill>
+        <p:spPr>
+          <a:xfrm>
+            <a:off x="6757078" y="910804"/>
+            <a:ext cx="4825191" cy="2977644"/>
+          </a:xfrm>
+          <a:prstGeom prst="rect">
+            <a:avLst/>
+          </a:prstGeom>
+        </p:spPr>
+      </p:pic>
+      <p:sp>
+        <p:nvSpPr>
+          <p:cNvPr id="13" name="Content Placeholder 2">
+            <a:extLst>
+              <a:ext uri="{FF2B5EF4-FFF2-40B4-BE49-F238E27FC236}">
+                <a16:creationId xmlns:a16="http://schemas.microsoft.com/office/drawing/2014/main" id="{4C104AC1-BE6A-4452-AF73-924D929FF696}"/>
+              </a:ext>
+            </a:extLst>
+          </p:cNvPr>
+          <p:cNvSpPr txBox="1">
+            <a:spLocks/>
+          </p:cNvSpPr>
+          <p:nvPr/>
+        </p:nvSpPr>
+        <p:spPr>
+          <a:xfrm>
+            <a:off x="1023554" y="3025628"/>
+            <a:ext cx="2638097" cy="532060"/>
+          </a:xfrm>
+          <a:prstGeom prst="rect">
+            <a:avLst/>
+          </a:prstGeom>
+        </p:spPr>
+        <p:txBody>
+          <a:bodyPr vert="horz" lIns="91440" tIns="45720" rIns="91440" bIns="45720" rtlCol="0">
             <a:normAutofit/>
           </a:bodyPr>
-          <a:lstStyle/>
-          <a:p>
-            <a:r>
-              <a:rPr lang="en-US" sz="2000" i="1" dirty="0"/>
-              <a:t>Raw data size </a:t>
-            </a:r>
-            <a:r>
-              <a:rPr lang="en-US" altLang="en-US" sz="2000" i="1" dirty="0"/>
-              <a:t>(Rows: 39717, Columns: </a:t>
-            </a:r>
-            <a:r>
-              <a:rPr lang="en-US" altLang="en-US" sz="2000" i="1" dirty="0">
-                <a:solidFill>
-                  <a:srgbClr val="FF0000"/>
-                </a:solidFill>
-              </a:rPr>
-              <a:t>111</a:t>
-            </a:r>
-            <a:r>
-              <a:rPr lang="en-US" altLang="en-US" sz="2000" i="1" dirty="0"/>
-              <a:t>) </a:t>
-            </a:r>
-          </a:p>
-          <a:p>
-            <a:pPr marL="914400" lvl="1" indent="-457200">
-              <a:buFont typeface="+mj-lt"/>
-              <a:buAutoNum type="arabicPeriod"/>
+          <a:lstStyle>
+            <a:lvl1pPr marL="228600" indent="-228600" algn="l" defTabSz="914400" rtl="0" eaLnBrk="1" latinLnBrk="0" hangingPunct="1">
+              <a:lnSpc>
+                <a:spcPct val="90000"/>
+              </a:lnSpc>
+              <a:spcBef>
+                <a:spcPts val="1000"/>
+              </a:spcBef>
+              <a:buFont typeface="Arial" panose="020B0604020202020204" pitchFamily="34" charset="0"/>
+              <a:buChar char="•"/>
+              <a:defRPr sz="2800" kern="1200">
+                <a:solidFill>
+                  <a:schemeClr val="tx1"/>
+                </a:solidFill>
+                <a:latin typeface="+mn-lt"/>
+                <a:ea typeface="+mn-ea"/>
+                <a:cs typeface="+mn-cs"/>
+              </a:defRPr>
+            </a:lvl1pPr>
+            <a:lvl2pPr marL="685800" indent="-228600" algn="l" defTabSz="914400" rtl="0" eaLnBrk="1" latinLnBrk="0" hangingPunct="1">
+              <a:lnSpc>
+                <a:spcPct val="90000"/>
+              </a:lnSpc>
+              <a:spcBef>
+                <a:spcPts val="500"/>
+              </a:spcBef>
+              <a:buFont typeface="Arial" panose="020B0604020202020204" pitchFamily="34" charset="0"/>
+              <a:buChar char="•"/>
+              <a:defRPr sz="2400" kern="1200">
+                <a:solidFill>
+                  <a:schemeClr val="tx1"/>
+                </a:solidFill>
+                <a:latin typeface="+mn-lt"/>
+                <a:ea typeface="+mn-ea"/>
+                <a:cs typeface="+mn-cs"/>
+              </a:defRPr>
+            </a:lvl2pPr>
+            <a:lvl3pPr marL="1143000" indent="-228600" algn="l" defTabSz="914400" rtl="0" eaLnBrk="1" latinLnBrk="0" hangingPunct="1">
+              <a:lnSpc>
+                <a:spcPct val="90000"/>
+              </a:lnSpc>
+              <a:spcBef>
+                <a:spcPts val="500"/>
+              </a:spcBef>
+              <a:buFont typeface="Arial" panose="020B0604020202020204" pitchFamily="34" charset="0"/>
+              <a:buChar char="•"/>
+              <a:defRPr sz="2000" kern="1200">
+                <a:solidFill>
+                  <a:schemeClr val="tx1"/>
+                </a:solidFill>
+                <a:latin typeface="+mn-lt"/>
+                <a:ea typeface="+mn-ea"/>
+                <a:cs typeface="+mn-cs"/>
+              </a:defRPr>
+            </a:lvl3pPr>
+            <a:lvl4pPr marL="1600200" indent="-228600" algn="l" defTabSz="914400" rtl="0" eaLnBrk="1" latinLnBrk="0" hangingPunct="1">
+              <a:lnSpc>
+                <a:spcPct val="90000"/>
+              </a:lnSpc>
+              <a:spcBef>
+                <a:spcPts val="500"/>
+              </a:spcBef>
+              <a:buFont typeface="Arial" panose="020B0604020202020204" pitchFamily="34" charset="0"/>
+              <a:buChar char="•"/>
+              <a:defRPr sz="1800" kern="1200">
+                <a:solidFill>
+                  <a:schemeClr val="tx1"/>
+                </a:solidFill>
+                <a:latin typeface="+mn-lt"/>
+                <a:ea typeface="+mn-ea"/>
+                <a:cs typeface="+mn-cs"/>
+              </a:defRPr>
+            </a:lvl4pPr>
+            <a:lvl5pPr marL="2057400" indent="-228600" algn="l" defTabSz="914400" rtl="0" eaLnBrk="1" latinLnBrk="0" hangingPunct="1">
+              <a:lnSpc>
+                <a:spcPct val="90000"/>
+              </a:lnSpc>
+              <a:spcBef>
+                <a:spcPts val="500"/>
+              </a:spcBef>
+              <a:buFont typeface="Arial" panose="020B0604020202020204" pitchFamily="34" charset="0"/>
+              <a:buChar char="•"/>
+              <a:defRPr sz="1800" kern="1200">
+                <a:solidFill>
+                  <a:schemeClr val="tx1"/>
+                </a:solidFill>
+                <a:latin typeface="+mn-lt"/>
+                <a:ea typeface="+mn-ea"/>
+                <a:cs typeface="+mn-cs"/>
+              </a:defRPr>
+            </a:lvl5pPr>
+            <a:lvl6pPr marL="2514600" indent="-228600" algn="l" defTabSz="914400" rtl="0" eaLnBrk="1" latinLnBrk="0" hangingPunct="1">
+              <a:lnSpc>
+                <a:spcPct val="90000"/>
+              </a:lnSpc>
+              <a:spcBef>
+                <a:spcPts val="500"/>
+              </a:spcBef>
+              <a:buFont typeface="Arial" panose="020B0604020202020204" pitchFamily="34" charset="0"/>
+              <a:buChar char="•"/>
+              <a:defRPr sz="1800" kern="1200">
+                <a:solidFill>
+                  <a:schemeClr val="tx1"/>
+                </a:solidFill>
+                <a:latin typeface="+mn-lt"/>
+                <a:ea typeface="+mn-ea"/>
+                <a:cs typeface="+mn-cs"/>
+              </a:defRPr>
+            </a:lvl6pPr>
+            <a:lvl7pPr marL="2971800" indent="-228600" algn="l" defTabSz="914400" rtl="0" eaLnBrk="1" latinLnBrk="0" hangingPunct="1">
+              <a:lnSpc>
+                <a:spcPct val="90000"/>
+              </a:lnSpc>
+              <a:spcBef>
+                <a:spcPts val="500"/>
+              </a:spcBef>
+              <a:buFont typeface="Arial" panose="020B0604020202020204" pitchFamily="34" charset="0"/>
+              <a:buChar char="•"/>
+              <a:defRPr sz="1800" kern="1200">
+                <a:solidFill>
+                  <a:schemeClr val="tx1"/>
+                </a:solidFill>
+                <a:latin typeface="+mn-lt"/>
+                <a:ea typeface="+mn-ea"/>
+                <a:cs typeface="+mn-cs"/>
+              </a:defRPr>
+            </a:lvl7pPr>
+            <a:lvl8pPr marL="3429000" indent="-228600" algn="l" defTabSz="914400" rtl="0" eaLnBrk="1" latinLnBrk="0" hangingPunct="1">
+              <a:lnSpc>
+                <a:spcPct val="90000"/>
+              </a:lnSpc>
+              <a:spcBef>
+                <a:spcPts val="500"/>
+              </a:spcBef>
+              <a:buFont typeface="Arial" panose="020B0604020202020204" pitchFamily="34" charset="0"/>
+              <a:buChar char="•"/>
+              <a:defRPr sz="1800" kern="1200">
+                <a:solidFill>
+                  <a:schemeClr val="tx1"/>
+                </a:solidFill>
+                <a:latin typeface="+mn-lt"/>
+                <a:ea typeface="+mn-ea"/>
+                <a:cs typeface="+mn-cs"/>
+              </a:defRPr>
+            </a:lvl8pPr>
+            <a:lvl9pPr marL="3886200" indent="-228600" algn="l" defTabSz="914400" rtl="0" eaLnBrk="1" latinLnBrk="0" hangingPunct="1">
+              <a:lnSpc>
+                <a:spcPct val="90000"/>
+              </a:lnSpc>
+              <a:spcBef>
+                <a:spcPts val="500"/>
+              </a:spcBef>
+              <a:buFont typeface="Arial" panose="020B0604020202020204" pitchFamily="34" charset="0"/>
+              <a:buChar char="•"/>
+              <a:defRPr sz="1800" kern="1200">
+                <a:solidFill>
+                  <a:schemeClr val="tx1"/>
+                </a:solidFill>
+                <a:latin typeface="+mn-lt"/>
+                <a:ea typeface="+mn-ea"/>
+                <a:cs typeface="+mn-cs"/>
+              </a:defRPr>
+            </a:lvl9pPr>
+          </a:lstStyle>
+          <a:p>
+            <a:pPr marL="0" indent="0" algn="ctr">
+              <a:buNone/>
             </a:pPr>
             <a:r>
-              <a:rPr lang="en-US" altLang="en-US" sz="1600" i="1" dirty="0"/>
-              <a:t>After removing “NA” columns (Columns: </a:t>
-            </a:r>
-            <a:r>
-              <a:rPr lang="en-US" altLang="en-US" sz="1600" i="1" dirty="0">
-                <a:solidFill>
-                  <a:srgbClr val="FF0000"/>
-                </a:solidFill>
-              </a:rPr>
-              <a:t>57</a:t>
-            </a:r>
-            <a:r>
-              <a:rPr lang="en-US" altLang="en-US" sz="1600" i="1" dirty="0"/>
-              <a:t>) </a:t>
-            </a:r>
-          </a:p>
-          <a:p>
-            <a:pPr lvl="2"/>
-            <a:r>
-              <a:rPr lang="en-US" altLang="en-US" sz="1600" i="1" dirty="0"/>
-              <a:t>Effective memory utilization technique as the data set size reduced </a:t>
-            </a:r>
-            <a:r>
-              <a:rPr lang="en-US" altLang="en-US" sz="1600" i="1" dirty="0">
-                <a:solidFill>
-                  <a:srgbClr val="FF0000"/>
-                </a:solidFill>
-              </a:rPr>
-              <a:t>50% </a:t>
-            </a:r>
-            <a:r>
-              <a:rPr lang="en-US" altLang="en-US" sz="1200" i="1" dirty="0"/>
-              <a:t>(34 Mb to 17 Mb) </a:t>
-            </a:r>
-          </a:p>
-          <a:p>
-            <a:pPr marL="914400" lvl="1" indent="-457200">
-              <a:buFont typeface="+mj-lt"/>
-              <a:buAutoNum type="arabicPeriod"/>
-            </a:pPr>
-            <a:r>
-              <a:rPr lang="en-GB" sz="1600" i="1" dirty="0"/>
-              <a:t>After removing descriptive columns </a:t>
-            </a:r>
-            <a:r>
-              <a:rPr lang="en-US" altLang="en-US" sz="1600" i="1" dirty="0"/>
-              <a:t>(Columns: </a:t>
-            </a:r>
-            <a:r>
-              <a:rPr lang="en-US" altLang="en-US" sz="1600" i="1" dirty="0">
-                <a:solidFill>
-                  <a:srgbClr val="FF0000"/>
-                </a:solidFill>
-              </a:rPr>
-              <a:t>50</a:t>
-            </a:r>
-            <a:r>
-              <a:rPr lang="en-US" altLang="en-US" sz="1600" i="1" dirty="0"/>
-              <a:t>) </a:t>
-            </a:r>
-          </a:p>
-          <a:p>
-            <a:pPr marL="914400" lvl="1" indent="-457200">
-              <a:buFont typeface="+mj-lt"/>
-              <a:buAutoNum type="arabicPeriod"/>
-            </a:pPr>
-            <a:r>
-              <a:rPr lang="en-GB" sz="1600" i="1" dirty="0"/>
-              <a:t>After removing </a:t>
-            </a:r>
-            <a:r>
-              <a:rPr lang="en-GB" sz="1600" i="1" dirty="0" err="1"/>
-              <a:t>UniValue</a:t>
-            </a:r>
-            <a:r>
-              <a:rPr lang="en-GB" sz="1600" i="1" dirty="0"/>
-              <a:t> (only 1 value or </a:t>
-            </a:r>
-            <a:r>
-              <a:rPr lang="en-GB" sz="1600" i="1" dirty="0" err="1"/>
-              <a:t>NaN</a:t>
-            </a:r>
-            <a:r>
-              <a:rPr lang="en-GB" sz="1600" i="1" dirty="0"/>
-              <a:t>) columns </a:t>
-            </a:r>
-            <a:r>
-              <a:rPr lang="en-US" altLang="en-US" sz="1600" i="1" dirty="0"/>
-              <a:t>(Columns: </a:t>
-            </a:r>
-            <a:r>
-              <a:rPr lang="en-US" altLang="en-US" sz="1600" i="1" dirty="0">
-                <a:solidFill>
-                  <a:srgbClr val="FF0000"/>
-                </a:solidFill>
-              </a:rPr>
-              <a:t>41</a:t>
-            </a:r>
-            <a:r>
-              <a:rPr lang="en-US" altLang="en-US" sz="1600" i="1" dirty="0"/>
-              <a:t>) </a:t>
-            </a:r>
-          </a:p>
-          <a:p>
-            <a:pPr marL="914400" lvl="1" indent="-457200">
-              <a:buFont typeface="+mj-lt"/>
-              <a:buAutoNum type="arabicPeriod"/>
-            </a:pPr>
-            <a:r>
-              <a:rPr lang="en-GB" sz="1600" i="1" dirty="0"/>
-              <a:t>After removing above80% missing columns </a:t>
-            </a:r>
-            <a:r>
-              <a:rPr lang="en-US" altLang="en-US" sz="1600" i="1" dirty="0"/>
-              <a:t>(Columns: </a:t>
-            </a:r>
-            <a:r>
-              <a:rPr lang="en-US" altLang="en-US" sz="1600" i="1" dirty="0">
-                <a:solidFill>
-                  <a:srgbClr val="FF0000"/>
-                </a:solidFill>
-              </a:rPr>
-              <a:t>38</a:t>
-            </a:r>
-            <a:r>
-              <a:rPr lang="en-US" altLang="en-US" sz="1600" i="1" dirty="0"/>
-              <a:t>) </a:t>
-            </a:r>
-          </a:p>
-          <a:p>
-            <a:r>
-              <a:rPr lang="en-GB" sz="2000" i="1" dirty="0"/>
-              <a:t>Eliminating Current accounts as they don’t authoritatively say whether the borrower is a defaulter or not.</a:t>
-            </a:r>
-          </a:p>
-          <a:p>
-            <a:pPr lvl="1"/>
-            <a:r>
-              <a:rPr lang="en-US" altLang="en-US" sz="1600" i="1" dirty="0"/>
-              <a:t># of Current accounts is </a:t>
-            </a:r>
-            <a:r>
-              <a:rPr lang="en-US" altLang="en-US" sz="1600" i="1" dirty="0">
-                <a:solidFill>
-                  <a:srgbClr val="FF0000"/>
-                </a:solidFill>
-              </a:rPr>
-              <a:t>1140</a:t>
-            </a:r>
-            <a:r>
-              <a:rPr lang="en-US" altLang="en-US" sz="1600" i="1" dirty="0"/>
-              <a:t>, of which only 121 rows show delinquency, and the </a:t>
-            </a:r>
-            <a:r>
-              <a:rPr lang="en-US" altLang="en-US" sz="1600" b="1" i="1" dirty="0"/>
-              <a:t>last</a:t>
-            </a:r>
-            <a:r>
-              <a:rPr lang="en-US" altLang="en-US" sz="1600" i="1" dirty="0"/>
-              <a:t> delinquency is an average 3 Years</a:t>
-            </a:r>
-          </a:p>
-          <a:p>
-            <a:pPr lvl="1"/>
-            <a:r>
-              <a:rPr lang="en-US" altLang="en-US" sz="1600" i="1" dirty="0"/>
-              <a:t>Hence considering this subset of data has insignificant for any concrete decision and removing the “Current” loan accounts. Rows, </a:t>
-            </a:r>
-          </a:p>
-          <a:p>
-            <a:pPr lvl="2"/>
-            <a:r>
-              <a:rPr lang="en-US" altLang="en-US" sz="1600" i="1" dirty="0"/>
-              <a:t>Rows after dropping this subset:(</a:t>
-            </a:r>
-            <a:r>
-              <a:rPr lang="en-US" altLang="en-US" sz="1600" i="1" dirty="0">
-                <a:solidFill>
-                  <a:srgbClr val="FF0000"/>
-                </a:solidFill>
-              </a:rPr>
-              <a:t>38577</a:t>
-            </a:r>
-            <a:r>
-              <a:rPr lang="en-US" altLang="en-US" sz="1600" i="1" dirty="0"/>
-              <a:t>, 38)</a:t>
-            </a:r>
-          </a:p>
-          <a:p>
-            <a:pPr lvl="1"/>
-            <a:r>
-              <a:rPr lang="en-US" altLang="en-US" sz="1600" i="1" dirty="0"/>
-              <a:t>Remove 50 rows with ‘NA’ value for </a:t>
-            </a:r>
-            <a:r>
-              <a:rPr lang="en-US" altLang="en-US" sz="1600" i="1" dirty="0" err="1"/>
-              <a:t>revol_util</a:t>
-            </a:r>
-            <a:r>
-              <a:rPr lang="en-US" altLang="en-US" sz="1600" i="1" dirty="0"/>
-              <a:t> column since we don’t want to impute this ‘Ratio’ field</a:t>
-            </a:r>
-          </a:p>
-          <a:p>
-            <a:pPr lvl="2"/>
-            <a:r>
-              <a:rPr lang="en-US" altLang="en-US" sz="1600" i="1" dirty="0"/>
-              <a:t>Rows after dropping this subset:(</a:t>
-            </a:r>
-            <a:r>
-              <a:rPr lang="en-US" altLang="en-US" sz="1600" i="1" dirty="0">
-                <a:solidFill>
-                  <a:srgbClr val="FF0000"/>
-                </a:solidFill>
-              </a:rPr>
-              <a:t>38527</a:t>
-            </a:r>
-            <a:r>
-              <a:rPr lang="en-US" altLang="en-US" sz="1600" i="1" dirty="0"/>
-              <a:t>, 38)</a:t>
-            </a:r>
-          </a:p>
-          <a:p>
-            <a:pPr lvl="2"/>
-            <a:endParaRPr lang="en-US" altLang="en-US" sz="1600" i="1" dirty="0"/>
-          </a:p>
-          <a:p>
-            <a:pPr lvl="1"/>
-            <a:endParaRPr lang="en-GB" sz="1600" i="1" dirty="0"/>
+              <a:rPr lang="en-GB" sz="1400" b="1" i="1" dirty="0">
+                <a:solidFill>
+                  <a:schemeClr val="bg1"/>
+                </a:solidFill>
+              </a:rPr>
+              <a:t>17% Defaulted loans </a:t>
+            </a:r>
           </a:p>
         </p:txBody>
       </p:sp>
     </p:spTree>
     <p:extLst>
       <p:ext uri="{BB962C8B-B14F-4D97-AF65-F5344CB8AC3E}">
-        <p14:creationId xmlns:p14="http://schemas.microsoft.com/office/powerpoint/2010/main" val="1019213662"/>
+        <p14:creationId xmlns:p14="http://schemas.microsoft.com/office/powerpoint/2010/main" val="88013783"/>
       </p:ext>
     </p:extLst>
   </p:cSld>
@@ -13047,6 +13653,14 @@
 <file path=ppt/slides/slide11.xml><?xml version="1.0" encoding="utf-8"?>
 <p:sld xmlns:a="http://schemas.openxmlformats.org/drawingml/2006/main" xmlns:r="http://schemas.openxmlformats.org/officeDocument/2006/relationships" xmlns:p="http://schemas.openxmlformats.org/presentationml/2006/main">
   <p:cSld>
+    <p:bg>
+      <p:bgPr>
+        <a:solidFill>
+          <a:schemeClr val="tx1"/>
+        </a:solidFill>
+        <a:effectLst/>
+      </p:bgPr>
+    </p:bg>
     <p:spTree>
       <p:nvGrpSpPr>
         <p:cNvPr id="1" name=""/>
@@ -13063,105 +13677,10 @@
       </p:grpSpPr>
       <p:sp>
         <p:nvSpPr>
-          <p:cNvPr id="11" name="Title 1">
+          <p:cNvPr id="6" name="Slide Number Placeholder 5">
             <a:extLst>
               <a:ext uri="{FF2B5EF4-FFF2-40B4-BE49-F238E27FC236}">
-                <a16:creationId xmlns:a16="http://schemas.microsoft.com/office/drawing/2014/main" id="{E78514DD-3FC6-4AEF-9C9C-057CF64C8E2D}"/>
-              </a:ext>
-            </a:extLst>
-          </p:cNvPr>
-          <p:cNvSpPr>
-            <a:spLocks noGrp="1"/>
-          </p:cNvSpPr>
-          <p:nvPr>
-            <p:ph type="title"/>
-          </p:nvPr>
-        </p:nvSpPr>
-        <p:spPr>
-          <a:xfrm>
-            <a:off x="539308" y="365126"/>
-            <a:ext cx="8071292" cy="859668"/>
-          </a:xfrm>
-        </p:spPr>
-        <p:txBody>
-          <a:bodyPr>
-            <a:normAutofit/>
-          </a:bodyPr>
-          <a:lstStyle/>
-          <a:p>
-            <a:r>
-              <a:rPr lang="en-US" dirty="0"/>
-              <a:t>Cleanse Curing the data</a:t>
-            </a:r>
-          </a:p>
-        </p:txBody>
-      </p:sp>
-      <p:sp>
-        <p:nvSpPr>
-          <p:cNvPr id="12" name="Date Placeholder 11">
-            <a:extLst>
-              <a:ext uri="{FF2B5EF4-FFF2-40B4-BE49-F238E27FC236}">
-                <a16:creationId xmlns:a16="http://schemas.microsoft.com/office/drawing/2014/main" id="{BB55F5DE-D801-496C-806A-73E6EF45CB06}"/>
-              </a:ext>
-            </a:extLst>
-          </p:cNvPr>
-          <p:cNvSpPr>
-            <a:spLocks noGrp="1"/>
-          </p:cNvSpPr>
-          <p:nvPr>
-            <p:ph type="dt" sz="half" idx="10"/>
-          </p:nvPr>
-        </p:nvSpPr>
-        <p:spPr/>
-        <p:txBody>
-          <a:bodyPr/>
-          <a:lstStyle/>
-          <a:p>
-            <a:pPr marL="0" marR="0" lvl="0" indent="0" algn="l" defTabSz="914400" rtl="0" eaLnBrk="1" fontAlgn="auto" latinLnBrk="0" hangingPunct="1">
-              <a:lnSpc>
-                <a:spcPct val="100000"/>
-              </a:lnSpc>
-              <a:spcBef>
-                <a:spcPts val="0"/>
-              </a:spcBef>
-              <a:spcAft>
-                <a:spcPts val="0"/>
-              </a:spcAft>
-              <a:buClrTx/>
-              <a:buSzTx/>
-              <a:buFontTx/>
-              <a:buNone/>
-              <a:tabLst/>
-              <a:defRPr/>
-            </a:pPr>
-            <a:r>
-              <a:rPr kumimoji="0" lang="en-US" sz="1200" b="0" i="0" u="none" strike="noStrike" kern="1200" cap="none" spc="0" normalizeH="0" baseline="0" noProof="0" dirty="0">
-                <a:ln>
-                  <a:noFill/>
-                </a:ln>
-                <a:solidFill>
-                  <a:prstClr val="black">
-                    <a:tint val="75000"/>
-                  </a:prstClr>
-                </a:solidFill>
-                <a:effectLst/>
-                <a:uLnTx/>
-                <a:uFillTx/>
-                <a:latin typeface="Calibri" panose="020F0502020204030204"/>
-                <a:ea typeface="+mn-ea"/>
-                <a:cs typeface="+mn-cs"/>
-              </a:rPr>
-              <a:t>9/3/2022</a:t>
-            </a:r>
-          </a:p>
-        </p:txBody>
-      </p:sp>
-      <p:sp>
-        <p:nvSpPr>
-          <p:cNvPr id="14" name="Slide Number Placeholder 13">
-            <a:extLst>
-              <a:ext uri="{FF2B5EF4-FFF2-40B4-BE49-F238E27FC236}">
-                <a16:creationId xmlns:a16="http://schemas.microsoft.com/office/drawing/2014/main" id="{47FB0EFA-9228-4C2B-BC70-5B5C93771274}"/>
+                <a16:creationId xmlns:a16="http://schemas.microsoft.com/office/drawing/2014/main" id="{EC72EE8C-9095-4F12-A2F8-C4C256B1FFA8}"/>
               </a:ext>
             </a:extLst>
           </p:cNvPr>
@@ -13177,84 +13696,38 @@
           <a:bodyPr/>
           <a:lstStyle/>
           <a:p>
-            <a:pPr marL="0" marR="0" lvl="0" indent="0" algn="r" defTabSz="914400" rtl="0" eaLnBrk="1" fontAlgn="auto" latinLnBrk="0" hangingPunct="1">
-              <a:lnSpc>
-                <a:spcPct val="100000"/>
-              </a:lnSpc>
-              <a:spcBef>
-                <a:spcPts val="0"/>
-              </a:spcBef>
-              <a:spcAft>
-                <a:spcPts val="0"/>
-              </a:spcAft>
-              <a:buClrTx/>
-              <a:buSzTx/>
-              <a:buFontTx/>
-              <a:buNone/>
-              <a:tabLst/>
+            <a:pPr>
               <a:defRPr/>
             </a:pPr>
             <a:fld id="{D76B855D-E9CC-4FF8-AD85-6CDC7B89A0DE}" type="slidenum">
-              <a:rPr kumimoji="0" lang="en-US" sz="1200" b="0" i="0" u="none" strike="noStrike" kern="1200" cap="none" spc="0" normalizeH="0" baseline="0" noProof="0" smtClean="0">
-                <a:ln>
-                  <a:noFill/>
-                </a:ln>
+              <a:rPr lang="en-US" smtClean="0">
                 <a:solidFill>
                   <a:prstClr val="black">
                     <a:tint val="75000"/>
                   </a:prstClr>
                 </a:solidFill>
-                <a:effectLst/>
-                <a:uLnTx/>
-                <a:uFillTx/>
-                <a:latin typeface="Calibri" panose="020F0502020204030204"/>
-                <a:ea typeface="+mn-ea"/>
-                <a:cs typeface="+mn-cs"/>
-              </a:rPr>
-              <a:pPr marL="0" marR="0" lvl="0" indent="0" algn="r" defTabSz="914400" rtl="0" eaLnBrk="1" fontAlgn="auto" latinLnBrk="0" hangingPunct="1">
-                <a:lnSpc>
-                  <a:spcPct val="100000"/>
-                </a:lnSpc>
-                <a:spcBef>
-                  <a:spcPts val="0"/>
-                </a:spcBef>
-                <a:spcAft>
-                  <a:spcPts val="0"/>
-                </a:spcAft>
-                <a:buClrTx/>
-                <a:buSzTx/>
-                <a:buFontTx/>
-                <a:buNone/>
-                <a:tabLst/>
+              </a:rPr>
+              <a:pPr>
                 <a:defRPr/>
               </a:pPr>
               <a:t>11</a:t>
             </a:fld>
-            <a:endParaRPr kumimoji="0" lang="en-US" sz="1200" b="0" i="0" u="none" strike="noStrike" kern="1200" cap="none" spc="0" normalizeH="0" baseline="0" noProof="0" dirty="0">
-              <a:ln>
-                <a:noFill/>
-              </a:ln>
+            <a:endParaRPr lang="en-US" dirty="0">
               <a:solidFill>
                 <a:prstClr val="black">
                   <a:tint val="75000"/>
                 </a:prstClr>
               </a:solidFill>
-              <a:effectLst/>
-              <a:uLnTx/>
-              <a:uFillTx/>
-              <a:latin typeface="Calibri" panose="020F0502020204030204"/>
-              <a:ea typeface="+mn-ea"/>
-              <a:cs typeface="+mn-cs"/>
             </a:endParaRPr>
           </a:p>
         </p:txBody>
       </p:sp>
       <p:sp>
         <p:nvSpPr>
-          <p:cNvPr id="3" name="Content Placeholder 2">
+          <p:cNvPr id="8" name="Content Placeholder 7">
             <a:extLst>
               <a:ext uri="{FF2B5EF4-FFF2-40B4-BE49-F238E27FC236}">
-                <a16:creationId xmlns:a16="http://schemas.microsoft.com/office/drawing/2014/main" id="{43A0A98D-D612-4701-915D-C6859876B3DF}"/>
+                <a16:creationId xmlns:a16="http://schemas.microsoft.com/office/drawing/2014/main" id="{28A3D639-F3CE-4994-B72B-1023BDBF506E}"/>
               </a:ext>
             </a:extLst>
           </p:cNvPr>
@@ -13267,266 +13740,746 @@
         </p:nvSpPr>
         <p:spPr>
           <a:xfrm>
-            <a:off x="645952" y="1429352"/>
-            <a:ext cx="10363424" cy="2633041"/>
+            <a:off x="2435192" y="240632"/>
+            <a:ext cx="9289497" cy="6480843"/>
           </a:xfrm>
+          <a:solidFill>
+            <a:schemeClr val="accent2"/>
+          </a:solidFill>
         </p:spPr>
         <p:txBody>
           <a:bodyPr>
-            <a:normAutofit/>
+            <a:normAutofit lnSpcReduction="10000"/>
           </a:bodyPr>
           <a:lstStyle/>
           <a:p>
-            <a:pPr algn="l"/>
-            <a:r>
-              <a:rPr lang="en-GB" sz="1600" b="1" i="1" dirty="0"/>
-              <a:t>Remove</a:t>
-            </a:r>
-            <a:r>
-              <a:rPr lang="en-GB" sz="1600" i="1" dirty="0"/>
-              <a:t> %, + </a:t>
-            </a:r>
-            <a:r>
-              <a:rPr lang="en-GB" sz="1600" b="1" i="1" dirty="0"/>
+            <a:endParaRPr lang="en-US" sz="2000" i="1" dirty="0">
+              <a:solidFill>
+                <a:schemeClr val="bg1"/>
+              </a:solidFill>
+            </a:endParaRPr>
+          </a:p>
+          <a:p>
+            <a:r>
+              <a:rPr lang="en-US" sz="2000" i="1" dirty="0">
+                <a:solidFill>
+                  <a:schemeClr val="bg1"/>
+                </a:solidFill>
+              </a:rPr>
+              <a:t>Raw data size (</a:t>
+            </a:r>
+            <a:r>
+              <a:rPr lang="en-US" altLang="en-US" sz="2000" i="1" dirty="0">
+                <a:solidFill>
+                  <a:schemeClr val="bg1"/>
+                </a:solidFill>
+              </a:rPr>
+              <a:t>Rows: </a:t>
+            </a:r>
+            <a:r>
+              <a:rPr lang="en-US" altLang="en-US" sz="2000" b="1" i="1" dirty="0">
+                <a:solidFill>
+                  <a:schemeClr val="bg1"/>
+                </a:solidFill>
+              </a:rPr>
+              <a:t>39717</a:t>
+            </a:r>
+            <a:r>
+              <a:rPr lang="en-US" altLang="en-US" sz="2000" i="1" dirty="0">
+                <a:solidFill>
+                  <a:schemeClr val="bg1"/>
+                </a:solidFill>
+              </a:rPr>
+              <a:t>, Columns: </a:t>
+            </a:r>
+            <a:r>
+              <a:rPr lang="en-US" altLang="en-US" sz="2000" b="1" i="1" dirty="0">
+                <a:solidFill>
+                  <a:schemeClr val="bg1"/>
+                </a:solidFill>
+              </a:rPr>
+              <a:t>111</a:t>
+            </a:r>
+            <a:r>
+              <a:rPr lang="en-US" altLang="en-US" sz="2000" i="1" dirty="0">
+                <a:solidFill>
+                  <a:schemeClr val="bg1"/>
+                </a:solidFill>
+              </a:rPr>
+              <a:t>) </a:t>
+            </a:r>
+          </a:p>
+          <a:p>
+            <a:endParaRPr lang="en-US" altLang="en-US" sz="2000" i="1" dirty="0">
+              <a:solidFill>
+                <a:schemeClr val="bg1"/>
+              </a:solidFill>
+            </a:endParaRPr>
+          </a:p>
+          <a:p>
+            <a:pPr marL="914400" lvl="1" indent="-457200">
+              <a:buFont typeface="+mj-lt"/>
+              <a:buAutoNum type="arabicPeriod"/>
+            </a:pPr>
+            <a:r>
+              <a:rPr lang="en-US" altLang="en-US" sz="1600" i="1" dirty="0">
+                <a:solidFill>
+                  <a:schemeClr val="bg1"/>
+                </a:solidFill>
+              </a:rPr>
+              <a:t>After removing </a:t>
+            </a:r>
+            <a:r>
+              <a:rPr lang="en-US" altLang="en-US" sz="1600" b="1" i="1" dirty="0">
+                <a:solidFill>
+                  <a:schemeClr val="bg1"/>
+                </a:solidFill>
+              </a:rPr>
+              <a:t>“NA” columns </a:t>
+            </a:r>
+            <a:r>
+              <a:rPr lang="en-US" altLang="en-US" sz="1600" i="1" dirty="0">
+                <a:solidFill>
+                  <a:schemeClr val="bg1"/>
+                </a:solidFill>
+              </a:rPr>
+              <a:t>(Columns: </a:t>
+            </a:r>
+            <a:r>
+              <a:rPr lang="en-US" altLang="en-US" sz="1600" b="1" i="1" dirty="0">
+                <a:solidFill>
+                  <a:schemeClr val="bg1"/>
+                </a:solidFill>
+              </a:rPr>
+              <a:t>57</a:t>
+            </a:r>
+            <a:r>
+              <a:rPr lang="en-US" altLang="en-US" sz="1600" i="1" dirty="0">
+                <a:solidFill>
+                  <a:schemeClr val="bg1"/>
+                </a:solidFill>
+              </a:rPr>
+              <a:t>) </a:t>
+            </a:r>
+          </a:p>
+          <a:p>
+            <a:pPr lvl="3"/>
+            <a:r>
+              <a:rPr lang="en-US" altLang="en-US" sz="1400" i="1" dirty="0">
+                <a:solidFill>
+                  <a:schemeClr val="bg1"/>
+                </a:solidFill>
+              </a:rPr>
+              <a:t>Effective memory utilization technique as the data set size reduced </a:t>
+            </a:r>
+            <a:r>
+              <a:rPr lang="en-US" altLang="en-US" sz="1400" b="1" i="1" dirty="0">
+                <a:solidFill>
+                  <a:schemeClr val="bg1"/>
+                </a:solidFill>
+              </a:rPr>
+              <a:t>50%</a:t>
+            </a:r>
+            <a:r>
+              <a:rPr lang="en-US" altLang="en-US" sz="1400" i="1" dirty="0">
+                <a:solidFill>
+                  <a:schemeClr val="bg1"/>
+                </a:solidFill>
+              </a:rPr>
+              <a:t> </a:t>
+            </a:r>
+            <a:r>
+              <a:rPr lang="en-US" altLang="en-US" sz="1600" i="1" dirty="0">
+                <a:solidFill>
+                  <a:schemeClr val="bg1"/>
+                </a:solidFill>
+              </a:rPr>
+              <a:t>(34 Mb to 17 Mb) </a:t>
+            </a:r>
+          </a:p>
+          <a:p>
+            <a:pPr marL="914400" lvl="1" indent="-457200">
+              <a:buFont typeface="+mj-lt"/>
+              <a:buAutoNum type="arabicPeriod"/>
+            </a:pPr>
+            <a:r>
+              <a:rPr lang="en-GB" sz="1600" i="1" dirty="0">
+                <a:solidFill>
+                  <a:schemeClr val="bg1"/>
+                </a:solidFill>
+              </a:rPr>
+              <a:t>After removing </a:t>
+            </a:r>
+            <a:r>
+              <a:rPr lang="en-GB" sz="1600" b="1" i="1" dirty="0">
+                <a:solidFill>
+                  <a:schemeClr val="bg1"/>
+                </a:solidFill>
+              </a:rPr>
+              <a:t>descriptive columns </a:t>
+            </a:r>
+            <a:r>
+              <a:rPr lang="en-US" altLang="en-US" sz="1600" i="1" dirty="0">
+                <a:solidFill>
+                  <a:schemeClr val="bg1"/>
+                </a:solidFill>
+              </a:rPr>
+              <a:t>(Columns: </a:t>
+            </a:r>
+            <a:r>
+              <a:rPr lang="en-US" altLang="en-US" sz="1600" b="1" i="1" dirty="0">
+                <a:solidFill>
+                  <a:schemeClr val="bg1"/>
+                </a:solidFill>
+              </a:rPr>
+              <a:t>50</a:t>
+            </a:r>
+            <a:r>
+              <a:rPr lang="en-US" altLang="en-US" sz="1600" i="1" dirty="0">
+                <a:solidFill>
+                  <a:schemeClr val="bg1"/>
+                </a:solidFill>
+              </a:rPr>
+              <a:t>) </a:t>
+            </a:r>
+          </a:p>
+          <a:p>
+            <a:pPr marL="914400" lvl="1" indent="-457200">
+              <a:buFont typeface="+mj-lt"/>
+              <a:buAutoNum type="arabicPeriod"/>
+            </a:pPr>
+            <a:r>
+              <a:rPr lang="en-GB" sz="1600" i="1" dirty="0">
+                <a:solidFill>
+                  <a:schemeClr val="bg1"/>
+                </a:solidFill>
+              </a:rPr>
+              <a:t>After removing </a:t>
+            </a:r>
+            <a:r>
+              <a:rPr lang="en-GB" sz="1600" b="1" i="1" dirty="0" err="1">
+                <a:solidFill>
+                  <a:schemeClr val="bg1"/>
+                </a:solidFill>
+              </a:rPr>
+              <a:t>uni</a:t>
+            </a:r>
+            <a:r>
+              <a:rPr lang="en-GB" sz="1600" b="1" i="1" dirty="0">
+                <a:solidFill>
+                  <a:schemeClr val="bg1"/>
+                </a:solidFill>
+              </a:rPr>
+              <a:t>-value columns </a:t>
+            </a:r>
+            <a:r>
+              <a:rPr lang="en-US" altLang="en-US" sz="1600" i="1" dirty="0">
+                <a:solidFill>
+                  <a:schemeClr val="bg1"/>
+                </a:solidFill>
+              </a:rPr>
+              <a:t>(Columns: </a:t>
+            </a:r>
+            <a:r>
+              <a:rPr lang="en-US" altLang="en-US" sz="1600" b="1" i="1" dirty="0">
+                <a:solidFill>
+                  <a:schemeClr val="bg1"/>
+                </a:solidFill>
+              </a:rPr>
+              <a:t>41</a:t>
+            </a:r>
+            <a:r>
+              <a:rPr lang="en-US" altLang="en-US" sz="1600" i="1" dirty="0">
+                <a:solidFill>
+                  <a:schemeClr val="bg1"/>
+                </a:solidFill>
+              </a:rPr>
+              <a:t>) </a:t>
+            </a:r>
+          </a:p>
+          <a:p>
+            <a:pPr marL="914400" lvl="1" indent="-457200">
+              <a:buFont typeface="+mj-lt"/>
+              <a:buAutoNum type="arabicPeriod"/>
+            </a:pPr>
+            <a:r>
+              <a:rPr lang="en-GB" sz="1600" i="1" dirty="0">
+                <a:solidFill>
+                  <a:schemeClr val="bg1"/>
+                </a:solidFill>
+              </a:rPr>
+              <a:t>After removing &gt;80% </a:t>
+            </a:r>
+            <a:r>
+              <a:rPr lang="en-GB" sz="1600" b="1" i="1" dirty="0">
+                <a:solidFill>
+                  <a:schemeClr val="bg1"/>
+                </a:solidFill>
+              </a:rPr>
+              <a:t>missing columns</a:t>
+            </a:r>
+            <a:r>
+              <a:rPr lang="en-GB" sz="1600" i="1" dirty="0">
+                <a:solidFill>
+                  <a:schemeClr val="bg1"/>
+                </a:solidFill>
+              </a:rPr>
+              <a:t> </a:t>
+            </a:r>
+            <a:r>
+              <a:rPr lang="en-US" altLang="en-US" sz="1600" i="1" dirty="0">
+                <a:solidFill>
+                  <a:schemeClr val="bg1"/>
+                </a:solidFill>
+              </a:rPr>
+              <a:t>(Columns: </a:t>
+            </a:r>
+            <a:r>
+              <a:rPr lang="en-US" altLang="en-US" sz="1600" b="1" i="1" dirty="0">
+                <a:solidFill>
+                  <a:schemeClr val="bg1"/>
+                </a:solidFill>
+              </a:rPr>
+              <a:t>38</a:t>
+            </a:r>
+            <a:r>
+              <a:rPr lang="en-US" altLang="en-US" sz="1600" i="1" dirty="0">
+                <a:solidFill>
+                  <a:schemeClr val="bg1"/>
+                </a:solidFill>
+              </a:rPr>
+              <a:t>) </a:t>
+            </a:r>
+          </a:p>
+          <a:p>
+            <a:pPr marL="914400" lvl="1" indent="-457200">
+              <a:buFont typeface="+mj-lt"/>
+              <a:buAutoNum type="arabicPeriod"/>
+            </a:pPr>
+            <a:r>
+              <a:rPr lang="en-GB" sz="1600" i="1" dirty="0">
+                <a:solidFill>
+                  <a:schemeClr val="bg1"/>
+                </a:solidFill>
+              </a:rPr>
+              <a:t>Eliminating </a:t>
+            </a:r>
+            <a:r>
+              <a:rPr lang="en-GB" sz="1600" b="1" i="1" dirty="0">
+                <a:solidFill>
+                  <a:schemeClr val="bg1"/>
+                </a:solidFill>
+              </a:rPr>
+              <a:t>Current accounts </a:t>
+            </a:r>
+            <a:r>
+              <a:rPr lang="en-GB" sz="1600" i="1" dirty="0">
+                <a:solidFill>
+                  <a:schemeClr val="bg1"/>
+                </a:solidFill>
+              </a:rPr>
+              <a:t>as they don’t authoritatively say whether the borrower will be a defaulter or not. </a:t>
+            </a:r>
+            <a:r>
+              <a:rPr lang="en-US" altLang="en-US" sz="1600" i="1" dirty="0">
+                <a:solidFill>
+                  <a:schemeClr val="bg1"/>
+                </a:solidFill>
+              </a:rPr>
+              <a:t>(Rows: </a:t>
+            </a:r>
+            <a:r>
+              <a:rPr lang="en-US" altLang="en-US" sz="1600" b="1" i="1" dirty="0">
+                <a:solidFill>
+                  <a:schemeClr val="bg1"/>
+                </a:solidFill>
+              </a:rPr>
+              <a:t>38577</a:t>
+            </a:r>
+            <a:r>
+              <a:rPr lang="en-US" altLang="en-US" sz="1600" i="1" dirty="0">
+                <a:solidFill>
+                  <a:schemeClr val="bg1"/>
+                </a:solidFill>
+              </a:rPr>
+              <a:t>, 38)</a:t>
+            </a:r>
+            <a:endParaRPr lang="en-GB" sz="1600" i="1" dirty="0">
+              <a:solidFill>
+                <a:schemeClr val="bg1"/>
+              </a:solidFill>
+            </a:endParaRPr>
+          </a:p>
+          <a:p>
+            <a:pPr lvl="3"/>
+            <a:r>
+              <a:rPr lang="en-US" altLang="en-US" sz="1200" i="1" dirty="0">
+                <a:solidFill>
+                  <a:schemeClr val="bg1"/>
+                </a:solidFill>
+              </a:rPr>
+              <a:t># of Current accounts is 1140, of which only 121 rows show delinquency, and the last delinquency is an average 3 Years</a:t>
+            </a:r>
+          </a:p>
+          <a:p>
+            <a:pPr lvl="3"/>
+            <a:r>
+              <a:rPr lang="en-US" altLang="en-US" sz="1200" i="1" dirty="0">
+                <a:solidFill>
+                  <a:schemeClr val="bg1"/>
+                </a:solidFill>
+              </a:rPr>
+              <a:t>Hence considering this subset of data has insignificant for any concrete decision and removing the “Current” loan accounts.</a:t>
+            </a:r>
+          </a:p>
+          <a:p>
+            <a:pPr marL="914400" lvl="1" indent="-457200">
+              <a:buFont typeface="+mj-lt"/>
+              <a:buAutoNum type="arabicPeriod"/>
+            </a:pPr>
+            <a:r>
+              <a:rPr lang="en-US" altLang="en-US" sz="1600" i="1" dirty="0">
+                <a:solidFill>
+                  <a:schemeClr val="bg1"/>
+                </a:solidFill>
+              </a:rPr>
+              <a:t>Remove 50 rows with ‘NA’ value for </a:t>
+            </a:r>
+            <a:r>
+              <a:rPr lang="en-US" altLang="en-US" sz="1600" i="1" dirty="0" err="1">
+                <a:solidFill>
+                  <a:schemeClr val="bg1"/>
+                </a:solidFill>
+              </a:rPr>
+              <a:t>revol_util</a:t>
+            </a:r>
+            <a:r>
+              <a:rPr lang="en-US" altLang="en-US" sz="1600" i="1" dirty="0">
+                <a:solidFill>
+                  <a:schemeClr val="bg1"/>
+                </a:solidFill>
+              </a:rPr>
+              <a:t> column since we don’t want to impute this ‘Ratio’ field (Rows: </a:t>
+            </a:r>
+            <a:r>
+              <a:rPr lang="en-US" altLang="en-US" sz="1600" b="1" i="1" dirty="0">
+                <a:solidFill>
+                  <a:schemeClr val="bg1"/>
+                </a:solidFill>
+              </a:rPr>
+              <a:t>38527</a:t>
+            </a:r>
+            <a:r>
+              <a:rPr lang="en-US" altLang="en-US" sz="1600" i="1" dirty="0">
+                <a:solidFill>
+                  <a:schemeClr val="bg1"/>
+                </a:solidFill>
+              </a:rPr>
+              <a:t>, 38)</a:t>
+            </a:r>
+          </a:p>
+          <a:p>
+            <a:pPr marL="800100" lvl="1" indent="-342900">
+              <a:buFont typeface="+mj-lt"/>
+              <a:buAutoNum type="arabicPeriod"/>
+            </a:pPr>
+            <a:r>
+              <a:rPr lang="en-GB" sz="1600" i="1" dirty="0">
+                <a:solidFill>
+                  <a:schemeClr val="bg1"/>
+                </a:solidFill>
+              </a:rPr>
+              <a:t>Remove %, + </a:t>
+            </a:r>
+            <a:r>
+              <a:rPr lang="en-GB" sz="1600" b="1" i="1" dirty="0">
+                <a:solidFill>
+                  <a:schemeClr val="bg1"/>
+                </a:solidFill>
+              </a:rPr>
               <a:t>symbols</a:t>
             </a:r>
             <a:r>
-              <a:rPr lang="en-GB" sz="1600" i="1" dirty="0"/>
+              <a:rPr lang="en-GB" sz="1600" i="1" dirty="0">
+                <a:solidFill>
+                  <a:schemeClr val="bg1"/>
+                </a:solidFill>
+              </a:rPr>
               <a:t>, String objects which could potentially be Numeric data after removing the unwanted text suffixing the number value</a:t>
             </a:r>
           </a:p>
           <a:p>
-            <a:pPr algn="l"/>
-            <a:r>
-              <a:rPr lang="en-GB" sz="1600" b="1" i="1" dirty="0"/>
-              <a:t>Add</a:t>
-            </a:r>
-            <a:r>
-              <a:rPr lang="en-GB" sz="1600" i="1" dirty="0"/>
-              <a:t> 2 derived attributes/categories like Year/Month </a:t>
-            </a:r>
-          </a:p>
-          <a:p>
-            <a:pPr algn="l"/>
-            <a:r>
-              <a:rPr lang="en-GB" sz="1600" b="1" i="1" dirty="0"/>
-              <a:t>Add</a:t>
-            </a:r>
-            <a:r>
-              <a:rPr lang="en-GB" sz="1600" i="1" dirty="0"/>
-              <a:t> derived metrics like ‘</a:t>
-            </a:r>
-            <a:r>
-              <a:rPr lang="en-GB" sz="1600" i="1" dirty="0" err="1"/>
-              <a:t>Annual_</a:t>
-            </a:r>
-            <a:r>
-              <a:rPr lang="en-GB" sz="1600" b="1" i="1" dirty="0" err="1"/>
-              <a:t>Installment</a:t>
-            </a:r>
-            <a:r>
-              <a:rPr lang="en-GB" sz="1600" i="1" dirty="0"/>
-              <a:t> Amount’ to ‘Annual </a:t>
-            </a:r>
-            <a:r>
-              <a:rPr lang="en-GB" sz="1600" b="1" i="1" dirty="0"/>
-              <a:t>Income</a:t>
-            </a:r>
-            <a:r>
-              <a:rPr lang="en-GB" sz="1600" i="1" dirty="0"/>
-              <a:t>’ ratio (i2i) for analysis</a:t>
-            </a:r>
-          </a:p>
-          <a:p>
-            <a:pPr algn="l"/>
-            <a:r>
-              <a:rPr lang="en-GB" sz="1600" b="1" i="1" dirty="0"/>
-              <a:t>Add</a:t>
-            </a:r>
-            <a:r>
-              <a:rPr lang="en-GB" sz="1600" i="1" dirty="0"/>
-              <a:t> fields to dataset by casting </a:t>
-            </a:r>
-            <a:r>
-              <a:rPr lang="en-GB" sz="1600" i="1" dirty="0" err="1"/>
+            <a:pPr marL="914400" lvl="1" indent="-457200">
+              <a:buFont typeface="+mj-lt"/>
+              <a:buAutoNum type="arabicPeriod"/>
+            </a:pPr>
+            <a:r>
+              <a:rPr lang="en-GB" sz="1600" i="1" dirty="0">
+                <a:solidFill>
+                  <a:schemeClr val="bg1"/>
+                </a:solidFill>
+              </a:rPr>
+              <a:t>Add 2 </a:t>
+            </a:r>
+            <a:r>
+              <a:rPr lang="en-GB" sz="1600" b="1" i="1" dirty="0">
+                <a:solidFill>
+                  <a:schemeClr val="bg1"/>
+                </a:solidFill>
+              </a:rPr>
+              <a:t>derived</a:t>
+            </a:r>
+            <a:r>
+              <a:rPr lang="en-GB" sz="1600" i="1" dirty="0">
+                <a:solidFill>
+                  <a:schemeClr val="bg1"/>
+                </a:solidFill>
+              </a:rPr>
+              <a:t> attributes/</a:t>
+            </a:r>
+            <a:r>
+              <a:rPr lang="en-GB" sz="1600" b="1" i="1" dirty="0">
+                <a:solidFill>
+                  <a:schemeClr val="bg1"/>
+                </a:solidFill>
+              </a:rPr>
+              <a:t>categories</a:t>
+            </a:r>
+            <a:r>
+              <a:rPr lang="en-GB" sz="1600" i="1" dirty="0">
+                <a:solidFill>
+                  <a:schemeClr val="bg1"/>
+                </a:solidFill>
+              </a:rPr>
+              <a:t> like Year/Month </a:t>
+            </a:r>
+          </a:p>
+          <a:p>
+            <a:pPr marL="914400" lvl="1" indent="-457200">
+              <a:buFont typeface="+mj-lt"/>
+              <a:buAutoNum type="arabicPeriod"/>
+            </a:pPr>
+            <a:r>
+              <a:rPr lang="en-GB" sz="1600" i="1" dirty="0">
+                <a:solidFill>
+                  <a:schemeClr val="bg1"/>
+                </a:solidFill>
+              </a:rPr>
+              <a:t>Add </a:t>
+            </a:r>
+            <a:r>
+              <a:rPr lang="en-GB" sz="1600" b="1" i="1" dirty="0">
+                <a:solidFill>
+                  <a:schemeClr val="bg1"/>
+                </a:solidFill>
+              </a:rPr>
+              <a:t>derived</a:t>
+            </a:r>
+            <a:r>
+              <a:rPr lang="en-GB" sz="1600" i="1" dirty="0">
+                <a:solidFill>
+                  <a:schemeClr val="bg1"/>
+                </a:solidFill>
+              </a:rPr>
+              <a:t> </a:t>
+            </a:r>
+            <a:r>
+              <a:rPr lang="en-GB" sz="1600" b="1" i="1" dirty="0">
+                <a:solidFill>
+                  <a:schemeClr val="bg1"/>
+                </a:solidFill>
+              </a:rPr>
+              <a:t>metrics</a:t>
+            </a:r>
+            <a:r>
+              <a:rPr lang="en-GB" sz="1600" i="1" dirty="0">
+                <a:solidFill>
+                  <a:schemeClr val="bg1"/>
+                </a:solidFill>
+              </a:rPr>
+              <a:t> like ‘</a:t>
+            </a:r>
+            <a:r>
+              <a:rPr lang="en-GB" sz="1600" i="1" dirty="0" err="1">
+                <a:solidFill>
+                  <a:schemeClr val="bg1"/>
+                </a:solidFill>
+              </a:rPr>
+              <a:t>Annual_Installment</a:t>
+            </a:r>
+            <a:r>
+              <a:rPr lang="en-GB" sz="1600" i="1" dirty="0">
+                <a:solidFill>
+                  <a:schemeClr val="bg1"/>
+                </a:solidFill>
+              </a:rPr>
+              <a:t> Amount’ to ‘Annual Income’ ratio (i2i) for analysis</a:t>
+            </a:r>
+          </a:p>
+          <a:p>
+            <a:pPr marL="914400" lvl="1" indent="-457200">
+              <a:buFont typeface="+mj-lt"/>
+              <a:buAutoNum type="arabicPeriod"/>
+            </a:pPr>
+            <a:r>
+              <a:rPr lang="en-GB" sz="1600" i="1" dirty="0">
+                <a:solidFill>
+                  <a:schemeClr val="bg1"/>
+                </a:solidFill>
+              </a:rPr>
+              <a:t>Add fields to dataset by casting </a:t>
+            </a:r>
+            <a:r>
+              <a:rPr lang="en-GB" sz="1600" i="1" dirty="0" err="1">
+                <a:solidFill>
+                  <a:schemeClr val="bg1"/>
+                </a:solidFill>
+              </a:rPr>
               <a:t>AlphaNumeric</a:t>
             </a:r>
             <a:r>
-              <a:rPr lang="en-GB" sz="1600" i="1" dirty="0"/>
-              <a:t> Codes in ‘grade’, ‘subgrade’ columns as “</a:t>
-            </a:r>
-            <a:r>
-              <a:rPr lang="en-GB" sz="1600" b="1" i="1" dirty="0"/>
-              <a:t>Int</a:t>
-            </a:r>
-            <a:r>
-              <a:rPr lang="en-GB" sz="1600" i="1" dirty="0"/>
-              <a:t>” for correlation analysis</a:t>
-            </a:r>
-          </a:p>
-          <a:p>
-            <a:pPr algn="l"/>
-            <a:r>
-              <a:rPr lang="en-GB" sz="1600" b="1" i="1" dirty="0"/>
-              <a:t>Impute</a:t>
-            </a:r>
-            <a:r>
-              <a:rPr lang="en-GB" sz="1600" i="1" dirty="0"/>
-              <a:t> Employment Length of borrower with “</a:t>
-            </a:r>
-            <a:r>
-              <a:rPr lang="en-GB" sz="1600" b="1" i="1" dirty="0"/>
-              <a:t>mode</a:t>
-            </a:r>
-            <a:r>
-              <a:rPr lang="en-GB" sz="1600" i="1" dirty="0"/>
-              <a:t>” value for </a:t>
-            </a:r>
-            <a:r>
               <a:rPr lang="en-GB" sz="1600" i="1" dirty="0">
                 <a:solidFill>
-                  <a:srgbClr val="FF0000"/>
-                </a:solidFill>
-              </a:rPr>
-              <a:t>~1000 rows </a:t>
-            </a:r>
-            <a:r>
-              <a:rPr lang="en-GB" sz="1600" i="1" dirty="0"/>
-              <a:t>which have </a:t>
-            </a:r>
-            <a:r>
-              <a:rPr lang="en-GB" sz="1600" i="1" dirty="0" err="1"/>
+                  <a:schemeClr val="bg1"/>
+                </a:solidFill>
+              </a:rPr>
+              <a:t> Codes in ‘grade’, ‘subgrade’ columns as “Int” for correlation analysis</a:t>
+            </a:r>
+          </a:p>
+          <a:p>
+            <a:pPr marL="914400" lvl="1" indent="-457200">
+              <a:buFont typeface="+mj-lt"/>
+              <a:buAutoNum type="arabicPeriod"/>
+            </a:pPr>
+            <a:r>
+              <a:rPr lang="en-GB" sz="1600" i="1" dirty="0">
+                <a:solidFill>
+                  <a:schemeClr val="bg1"/>
+                </a:solidFill>
+              </a:rPr>
+              <a:t>Impute Employment Length of borrower with “mode” value for ~1000 rows which have </a:t>
+            </a:r>
+            <a:r>
+              <a:rPr lang="en-GB" sz="1600" i="1" dirty="0" err="1">
+                <a:solidFill>
+                  <a:schemeClr val="bg1"/>
+                </a:solidFill>
+              </a:rPr>
               <a:t>NaN</a:t>
             </a:r>
-            <a:endParaRPr lang="en-GB" sz="1600" i="1" dirty="0"/>
-          </a:p>
-          <a:p>
-            <a:pPr algn="l"/>
-            <a:r>
-              <a:rPr lang="en-GB" sz="1600" b="1" i="1" dirty="0"/>
-              <a:t>Manual Reassign </a:t>
-            </a:r>
-            <a:r>
-              <a:rPr lang="en-GB" sz="1600" i="1" dirty="0"/>
-              <a:t>Home Ownership from one bin to another to reduce the # of categories</a:t>
-            </a:r>
-          </a:p>
-          <a:p>
-            <a:pPr algn="l"/>
-            <a:endParaRPr lang="en-GB" sz="1600" i="1" dirty="0"/>
+            <a:endParaRPr lang="en-GB" sz="1600" i="1" dirty="0">
+              <a:solidFill>
+                <a:schemeClr val="bg1"/>
+              </a:solidFill>
+            </a:endParaRPr>
+          </a:p>
+          <a:p>
+            <a:pPr marL="914400" lvl="1" indent="-457200">
+              <a:buFont typeface="+mj-lt"/>
+              <a:buAutoNum type="arabicPeriod"/>
+            </a:pPr>
+            <a:r>
+              <a:rPr lang="en-GB" sz="1600" i="1" dirty="0">
+                <a:solidFill>
+                  <a:schemeClr val="bg1"/>
+                </a:solidFill>
+              </a:rPr>
+              <a:t>Manual Reassign Home Ownership from one bin to another to reduce the # of categories</a:t>
+            </a:r>
+          </a:p>
+          <a:p>
+            <a:pPr marL="914400" lvl="1" indent="-457200">
+              <a:buFont typeface="+mj-lt"/>
+              <a:buAutoNum type="arabicPeriod"/>
+            </a:pPr>
+            <a:endParaRPr lang="en-US" altLang="en-US" sz="1600" i="1" dirty="0">
+              <a:solidFill>
+                <a:schemeClr val="bg1"/>
+              </a:solidFill>
+            </a:endParaRPr>
           </a:p>
         </p:txBody>
       </p:sp>
-      <p:pic>
-        <p:nvPicPr>
-          <p:cNvPr id="4" name="Picture 3">
+      <p:sp>
+        <p:nvSpPr>
+          <p:cNvPr id="7" name="Title 1">
             <a:extLst>
               <a:ext uri="{FF2B5EF4-FFF2-40B4-BE49-F238E27FC236}">
-                <a16:creationId xmlns:a16="http://schemas.microsoft.com/office/drawing/2014/main" id="{E3938B9A-EC26-4F78-984B-3F2DF62B23F1}"/>
+                <a16:creationId xmlns:a16="http://schemas.microsoft.com/office/drawing/2014/main" id="{BA12BAB9-BC11-4236-B174-FB129E17A56C}"/>
               </a:ext>
             </a:extLst>
           </p:cNvPr>
-          <p:cNvPicPr>
-            <a:picLocks noChangeAspect="1"/>
-          </p:cNvPicPr>
+          <p:cNvSpPr txBox="1">
+            <a:spLocks/>
+          </p:cNvSpPr>
           <p:nvPr/>
-        </p:nvPicPr>
-        <p:blipFill>
-          <a:blip r:embed="rId2"/>
-          <a:stretch>
-            <a:fillRect/>
-          </a:stretch>
-        </p:blipFill>
+        </p:nvSpPr>
         <p:spPr>
           <a:xfrm>
-            <a:off x="1341580" y="4133608"/>
-            <a:ext cx="3886200" cy="1962150"/>
+            <a:off x="467311" y="3204246"/>
+            <a:ext cx="2247013" cy="867241"/>
           </a:xfrm>
           <a:prstGeom prst="rect">
             <a:avLst/>
           </a:prstGeom>
         </p:spPr>
-      </p:pic>
-      <p:pic>
-        <p:nvPicPr>
-          <p:cNvPr id="8" name="Picture 7">
-            <a:extLst>
-              <a:ext uri="{FF2B5EF4-FFF2-40B4-BE49-F238E27FC236}">
-                <a16:creationId xmlns:a16="http://schemas.microsoft.com/office/drawing/2014/main" id="{FC68ED08-BA16-48C9-85E0-50062DEE0066}"/>
-              </a:ext>
-            </a:extLst>
-          </p:cNvPr>
-          <p:cNvPicPr>
-            <a:picLocks noChangeAspect="1"/>
-          </p:cNvPicPr>
-          <p:nvPr/>
-        </p:nvPicPr>
-        <p:blipFill>
-          <a:blip r:embed="rId3"/>
-          <a:stretch>
-            <a:fillRect/>
-          </a:stretch>
-        </p:blipFill>
-        <p:spPr>
-          <a:xfrm>
-            <a:off x="6813220" y="4214570"/>
-            <a:ext cx="3886200" cy="1800225"/>
-          </a:xfrm>
-          <a:prstGeom prst="rect">
-            <a:avLst/>
-          </a:prstGeom>
-        </p:spPr>
-      </p:pic>
-      <p:sp>
-        <p:nvSpPr>
-          <p:cNvPr id="9" name="Arrow: Right 8">
-            <a:extLst>
-              <a:ext uri="{FF2B5EF4-FFF2-40B4-BE49-F238E27FC236}">
-                <a16:creationId xmlns:a16="http://schemas.microsoft.com/office/drawing/2014/main" id="{626A8931-1819-400A-A36E-B6D72E598736}"/>
-              </a:ext>
-            </a:extLst>
-          </p:cNvPr>
-          <p:cNvSpPr/>
-          <p:nvPr/>
-        </p:nvSpPr>
-        <p:spPr>
-          <a:xfrm>
-            <a:off x="5827664" y="5282463"/>
-            <a:ext cx="621262" cy="146185"/>
-          </a:xfrm>
-          <a:prstGeom prst="rightArrow">
-            <a:avLst/>
-          </a:prstGeom>
-        </p:spPr>
-        <p:style>
-          <a:lnRef idx="2">
-            <a:schemeClr val="accent1">
-              <a:shade val="50000"/>
-            </a:schemeClr>
-          </a:lnRef>
-          <a:fillRef idx="1">
-            <a:schemeClr val="accent1"/>
-          </a:fillRef>
-          <a:effectRef idx="0">
-            <a:schemeClr val="accent1"/>
-          </a:effectRef>
-          <a:fontRef idx="minor">
-            <a:schemeClr val="lt1"/>
-          </a:fontRef>
-        </p:style>
         <p:txBody>
-          <a:bodyPr rtlCol="0" anchor="ctr"/>
-          <a:lstStyle/>
-          <a:p>
-            <a:pPr algn="ctr"/>
-            <a:endParaRPr lang="en-GB"/>
+          <a:bodyPr vert="horz" lIns="91440" tIns="45720" rIns="91440" bIns="45720" rtlCol="0" anchor="ctr">
+            <a:normAutofit fontScale="52500" lnSpcReduction="20000"/>
+          </a:bodyPr>
+          <a:lstStyle>
+            <a:lvl1pPr algn="ctr" defTabSz="914400" rtl="0" eaLnBrk="1" latinLnBrk="0" hangingPunct="1">
+              <a:lnSpc>
+                <a:spcPct val="90000"/>
+              </a:lnSpc>
+              <a:spcBef>
+                <a:spcPct val="0"/>
+              </a:spcBef>
+              <a:buNone/>
+              <a:defRPr sz="4400" kern="1200">
+                <a:solidFill>
+                  <a:schemeClr val="bg1"/>
+                </a:solidFill>
+                <a:latin typeface="+mj-lt"/>
+                <a:ea typeface="+mj-ea"/>
+                <a:cs typeface="+mj-cs"/>
+              </a:defRPr>
+            </a:lvl1pPr>
+          </a:lstStyle>
+          <a:p>
+            <a:r>
+              <a:rPr lang="en-US" dirty="0">
+                <a:solidFill>
+                  <a:srgbClr val="FFFFFF"/>
+                </a:solidFill>
+              </a:rPr>
+              <a:t>Technical Prep </a:t>
+            </a:r>
+          </a:p>
+          <a:p>
+            <a:endParaRPr lang="en-US" dirty="0">
+              <a:solidFill>
+                <a:srgbClr val="FFFFFF"/>
+              </a:solidFill>
+            </a:endParaRPr>
+          </a:p>
+          <a:p>
+            <a:r>
+              <a:rPr lang="en-US" dirty="0">
+                <a:solidFill>
+                  <a:srgbClr val="FFFFFF"/>
+                </a:solidFill>
+              </a:rPr>
+              <a:t>Summary</a:t>
+            </a:r>
+            <a:endParaRPr lang="en-US" dirty="0"/>
           </a:p>
         </p:txBody>
       </p:sp>
     </p:spTree>
     <p:extLst>
       <p:ext uri="{BB962C8B-B14F-4D97-AF65-F5344CB8AC3E}">
-        <p14:creationId xmlns:p14="http://schemas.microsoft.com/office/powerpoint/2010/main" val="621561736"/>
+        <p14:creationId xmlns:p14="http://schemas.microsoft.com/office/powerpoint/2010/main" val="2185352860"/>
       </p:ext>
     </p:extLst>
   </p:cSld>
@@ -13661,6 +14614,401 @@
 <file path=ppt/slides/slide2.xml><?xml version="1.0" encoding="utf-8"?>
 <p:sld xmlns:a="http://schemas.openxmlformats.org/drawingml/2006/main" xmlns:r="http://schemas.openxmlformats.org/officeDocument/2006/relationships" xmlns:p="http://schemas.openxmlformats.org/presentationml/2006/main">
   <p:cSld>
+    <p:bg>
+      <p:bgPr>
+        <a:solidFill>
+          <a:schemeClr val="tx1"/>
+        </a:solidFill>
+        <a:effectLst/>
+      </p:bgPr>
+    </p:bg>
+    <p:spTree>
+      <p:nvGrpSpPr>
+        <p:cNvPr id="1" name=""/>
+        <p:cNvGrpSpPr/>
+        <p:nvPr/>
+      </p:nvGrpSpPr>
+      <p:grpSpPr>
+        <a:xfrm>
+          <a:off x="0" y="0"/>
+          <a:ext cx="0" cy="0"/>
+          <a:chOff x="0" y="0"/>
+          <a:chExt cx="0" cy="0"/>
+        </a:xfrm>
+      </p:grpSpPr>
+      <p:sp>
+        <p:nvSpPr>
+          <p:cNvPr id="6" name="Slide Number Placeholder 5">
+            <a:extLst>
+              <a:ext uri="{FF2B5EF4-FFF2-40B4-BE49-F238E27FC236}">
+                <a16:creationId xmlns:a16="http://schemas.microsoft.com/office/drawing/2014/main" id="{EC72EE8C-9095-4F12-A2F8-C4C256B1FFA8}"/>
+              </a:ext>
+            </a:extLst>
+          </p:cNvPr>
+          <p:cNvSpPr>
+            <a:spLocks noGrp="1"/>
+          </p:cNvSpPr>
+          <p:nvPr>
+            <p:ph type="sldNum" sz="quarter" idx="12"/>
+          </p:nvPr>
+        </p:nvSpPr>
+        <p:spPr/>
+        <p:txBody>
+          <a:bodyPr/>
+          <a:lstStyle/>
+          <a:p>
+            <a:pPr>
+              <a:defRPr/>
+            </a:pPr>
+            <a:fld id="{D76B855D-E9CC-4FF8-AD85-6CDC7B89A0DE}" type="slidenum">
+              <a:rPr lang="en-US" smtClean="0">
+                <a:solidFill>
+                  <a:prstClr val="black">
+                    <a:tint val="75000"/>
+                  </a:prstClr>
+                </a:solidFill>
+              </a:rPr>
+              <a:pPr>
+                <a:defRPr/>
+              </a:pPr>
+              <a:t>2</a:t>
+            </a:fld>
+            <a:endParaRPr lang="en-US" dirty="0">
+              <a:solidFill>
+                <a:prstClr val="black">
+                  <a:tint val="75000"/>
+                </a:prstClr>
+              </a:solidFill>
+            </a:endParaRPr>
+          </a:p>
+        </p:txBody>
+      </p:sp>
+      <p:sp>
+        <p:nvSpPr>
+          <p:cNvPr id="8" name="Content Placeholder 7">
+            <a:extLst>
+              <a:ext uri="{FF2B5EF4-FFF2-40B4-BE49-F238E27FC236}">
+                <a16:creationId xmlns:a16="http://schemas.microsoft.com/office/drawing/2014/main" id="{28A3D639-F3CE-4994-B72B-1023BDBF506E}"/>
+              </a:ext>
+            </a:extLst>
+          </p:cNvPr>
+          <p:cNvSpPr>
+            <a:spLocks noGrp="1"/>
+          </p:cNvSpPr>
+          <p:nvPr>
+            <p:ph idx="1"/>
+          </p:nvPr>
+        </p:nvSpPr>
+        <p:spPr>
+          <a:xfrm>
+            <a:off x="2444817" y="253157"/>
+            <a:ext cx="9288379" cy="6243895"/>
+          </a:xfrm>
+          <a:solidFill>
+            <a:schemeClr val="accent2"/>
+          </a:solidFill>
+        </p:spPr>
+        <p:txBody>
+          <a:bodyPr>
+            <a:normAutofit/>
+          </a:bodyPr>
+          <a:lstStyle/>
+          <a:p>
+            <a:pPr marL="457200" indent="-457200">
+              <a:buFont typeface="Arial" panose="020B0604020202020204" pitchFamily="34" charset="0"/>
+              <a:buChar char="•"/>
+            </a:pPr>
+            <a:r>
+              <a:rPr lang="en-GB" sz="1600" dirty="0">
+                <a:solidFill>
+                  <a:schemeClr val="bg1"/>
+                </a:solidFill>
+              </a:rPr>
+              <a:t>Applicants who applied and defaulted have no significant difference in </a:t>
+            </a:r>
+            <a:r>
+              <a:rPr lang="en-GB" sz="1600" dirty="0" err="1">
+                <a:solidFill>
+                  <a:schemeClr val="bg1"/>
+                </a:solidFill>
+              </a:rPr>
+              <a:t>loan_amounts</a:t>
+            </a:r>
+            <a:r>
+              <a:rPr lang="en-GB" sz="1600" dirty="0">
+                <a:solidFill>
+                  <a:schemeClr val="bg1"/>
+                </a:solidFill>
+              </a:rPr>
+              <a:t>.</a:t>
+            </a:r>
+          </a:p>
+          <a:p>
+            <a:pPr marL="457200" indent="-457200">
+              <a:buFont typeface="Arial" panose="020B0604020202020204" pitchFamily="34" charset="0"/>
+              <a:buChar char="•"/>
+            </a:pPr>
+            <a:r>
+              <a:rPr lang="en-GB" sz="1600" dirty="0">
+                <a:solidFill>
+                  <a:schemeClr val="bg1"/>
+                </a:solidFill>
+              </a:rPr>
+              <a:t>Which means that applicants applying for long term has applied for more loan.</a:t>
+            </a:r>
+          </a:p>
+          <a:p>
+            <a:pPr marL="457200" indent="-457200">
+              <a:buFont typeface="Arial" panose="020B0604020202020204" pitchFamily="34" charset="0"/>
+              <a:buChar char="•"/>
+            </a:pPr>
+            <a:r>
+              <a:rPr lang="en-GB" sz="1600" dirty="0">
+                <a:solidFill>
+                  <a:schemeClr val="bg1"/>
+                </a:solidFill>
+              </a:rPr>
+              <a:t>Observations</a:t>
+            </a:r>
+          </a:p>
+          <a:p>
+            <a:pPr marL="457200" indent="-457200">
+              <a:buFont typeface="Arial" panose="020B0604020202020204" pitchFamily="34" charset="0"/>
+              <a:buChar char="•"/>
+            </a:pPr>
+            <a:r>
+              <a:rPr lang="en-GB" sz="1600" dirty="0">
+                <a:solidFill>
+                  <a:schemeClr val="bg1"/>
+                </a:solidFill>
+              </a:rPr>
+              <a:t>The above analysis with respect to the charged off loans. There is a more probability of defaulting when :</a:t>
+            </a:r>
+          </a:p>
+          <a:p>
+            <a:pPr marL="457200" indent="-457200">
+              <a:buFont typeface="Arial" panose="020B0604020202020204" pitchFamily="34" charset="0"/>
+              <a:buChar char="•"/>
+            </a:pPr>
+            <a:r>
+              <a:rPr lang="en-GB" sz="1600" dirty="0">
+                <a:solidFill>
+                  <a:schemeClr val="bg1"/>
+                </a:solidFill>
+              </a:rPr>
+              <a:t>Applicants taking loan for 'home improvement' and have income of 60k -70k</a:t>
+            </a:r>
+          </a:p>
+          <a:p>
+            <a:pPr marL="457200" indent="-457200">
+              <a:buFont typeface="Arial" panose="020B0604020202020204" pitchFamily="34" charset="0"/>
+              <a:buChar char="•"/>
+            </a:pPr>
+            <a:r>
+              <a:rPr lang="en-GB" sz="1600" dirty="0">
+                <a:solidFill>
+                  <a:schemeClr val="bg1"/>
+                </a:solidFill>
+              </a:rPr>
+              <a:t>Applicants whose home ownership is 'MORTGAGE and have income of 60-70k</a:t>
+            </a:r>
+          </a:p>
+          <a:p>
+            <a:pPr marL="457200" indent="-457200">
+              <a:buFont typeface="Arial" panose="020B0604020202020204" pitchFamily="34" charset="0"/>
+              <a:buChar char="•"/>
+            </a:pPr>
+            <a:r>
+              <a:rPr lang="en-GB" sz="1600" dirty="0">
+                <a:solidFill>
+                  <a:schemeClr val="bg1"/>
+                </a:solidFill>
+              </a:rPr>
+              <a:t>Applicants who receive interest at the rate of 21-24% and have an income of 70k-80k</a:t>
+            </a:r>
+          </a:p>
+          <a:p>
+            <a:pPr marL="457200" indent="-457200">
+              <a:buFont typeface="Arial" panose="020B0604020202020204" pitchFamily="34" charset="0"/>
+              <a:buChar char="•"/>
+            </a:pPr>
+            <a:r>
+              <a:rPr lang="en-GB" sz="1600" dirty="0">
+                <a:solidFill>
+                  <a:schemeClr val="bg1"/>
+                </a:solidFill>
+              </a:rPr>
+              <a:t>Applicants who have taken a loan in the range 30k - 35k and are charged interest rate of 15-17.5 %</a:t>
+            </a:r>
+          </a:p>
+          <a:p>
+            <a:pPr marL="457200" indent="-457200">
+              <a:buFont typeface="Arial" panose="020B0604020202020204" pitchFamily="34" charset="0"/>
+              <a:buChar char="•"/>
+            </a:pPr>
+            <a:r>
+              <a:rPr lang="en-GB" sz="1600" dirty="0">
+                <a:solidFill>
+                  <a:schemeClr val="bg1"/>
+                </a:solidFill>
+              </a:rPr>
+              <a:t>Applicants who have taken a loan for small business and the loan amount is greater than 14k</a:t>
+            </a:r>
+          </a:p>
+          <a:p>
+            <a:pPr marL="457200" indent="-457200">
+              <a:buFont typeface="Arial" panose="020B0604020202020204" pitchFamily="34" charset="0"/>
+              <a:buChar char="•"/>
+            </a:pPr>
+            <a:r>
+              <a:rPr lang="en-GB" sz="1600" dirty="0">
+                <a:solidFill>
+                  <a:schemeClr val="bg1"/>
+                </a:solidFill>
+              </a:rPr>
+              <a:t>Applicants whose home ownership is 'MORTGAGE and have loan of 14-16k</a:t>
+            </a:r>
+          </a:p>
+          <a:p>
+            <a:pPr marL="457200" indent="-457200">
+              <a:buFont typeface="Arial" panose="020B0604020202020204" pitchFamily="34" charset="0"/>
+              <a:buChar char="•"/>
+            </a:pPr>
+            <a:r>
+              <a:rPr lang="en-GB" sz="1600" dirty="0">
+                <a:solidFill>
+                  <a:schemeClr val="bg1"/>
+                </a:solidFill>
+              </a:rPr>
+              <a:t>When grade is F and loan amount is between 15k-20k</a:t>
+            </a:r>
+          </a:p>
+          <a:p>
+            <a:pPr marL="457200" indent="-457200">
+              <a:buFont typeface="Arial" panose="020B0604020202020204" pitchFamily="34" charset="0"/>
+              <a:buChar char="•"/>
+            </a:pPr>
+            <a:r>
+              <a:rPr lang="en-GB" sz="1600" dirty="0">
+                <a:solidFill>
+                  <a:schemeClr val="bg1"/>
+                </a:solidFill>
+              </a:rPr>
+              <a:t>When employment length is 10yrs and loan amount is 12k-14k</a:t>
+            </a:r>
+          </a:p>
+          <a:p>
+            <a:pPr marL="457200" indent="-457200">
+              <a:buFont typeface="Arial" panose="020B0604020202020204" pitchFamily="34" charset="0"/>
+              <a:buChar char="•"/>
+            </a:pPr>
+            <a:r>
+              <a:rPr lang="en-GB" sz="1600" dirty="0">
+                <a:solidFill>
+                  <a:schemeClr val="bg1"/>
+                </a:solidFill>
+              </a:rPr>
+              <a:t>When the loan is verified and loan amount is above 16k</a:t>
+            </a:r>
+          </a:p>
+          <a:p>
+            <a:pPr marL="457200" indent="-457200">
+              <a:buFont typeface="Arial" panose="020B0604020202020204" pitchFamily="34" charset="0"/>
+              <a:buChar char="•"/>
+            </a:pPr>
+            <a:r>
+              <a:rPr lang="en-GB" sz="1600" dirty="0">
+                <a:solidFill>
+                  <a:schemeClr val="bg1"/>
+                </a:solidFill>
+              </a:rPr>
+              <a:t>For grade G and interest rate above 20%</a:t>
+            </a:r>
+          </a:p>
+        </p:txBody>
+      </p:sp>
+      <p:sp>
+        <p:nvSpPr>
+          <p:cNvPr id="7" name="Title 1">
+            <a:extLst>
+              <a:ext uri="{FF2B5EF4-FFF2-40B4-BE49-F238E27FC236}">
+                <a16:creationId xmlns:a16="http://schemas.microsoft.com/office/drawing/2014/main" id="{BA12BAB9-BC11-4236-B174-FB129E17A56C}"/>
+              </a:ext>
+            </a:extLst>
+          </p:cNvPr>
+          <p:cNvSpPr txBox="1">
+            <a:spLocks/>
+          </p:cNvSpPr>
+          <p:nvPr/>
+        </p:nvSpPr>
+        <p:spPr>
+          <a:xfrm>
+            <a:off x="163629" y="2780733"/>
+            <a:ext cx="2521819" cy="1627637"/>
+          </a:xfrm>
+          <a:prstGeom prst="rect">
+            <a:avLst/>
+          </a:prstGeom>
+        </p:spPr>
+        <p:txBody>
+          <a:bodyPr vert="horz" lIns="91440" tIns="45720" rIns="91440" bIns="45720" rtlCol="0" anchor="ctr">
+            <a:normAutofit fontScale="97500"/>
+          </a:bodyPr>
+          <a:lstStyle>
+            <a:lvl1pPr algn="ctr" defTabSz="914400" rtl="0" eaLnBrk="1" latinLnBrk="0" hangingPunct="1">
+              <a:lnSpc>
+                <a:spcPct val="90000"/>
+              </a:lnSpc>
+              <a:spcBef>
+                <a:spcPct val="0"/>
+              </a:spcBef>
+              <a:buNone/>
+              <a:defRPr sz="4400" kern="1200">
+                <a:solidFill>
+                  <a:schemeClr val="bg1"/>
+                </a:solidFill>
+                <a:latin typeface="+mj-lt"/>
+                <a:ea typeface="+mj-ea"/>
+                <a:cs typeface="+mj-cs"/>
+              </a:defRPr>
+            </a:lvl1pPr>
+          </a:lstStyle>
+          <a:p>
+            <a:r>
+              <a:rPr lang="en-US" dirty="0">
+                <a:solidFill>
+                  <a:srgbClr val="FFFFFF"/>
+                </a:solidFill>
+              </a:rPr>
+              <a:t>Business Findings</a:t>
+            </a:r>
+          </a:p>
+        </p:txBody>
+      </p:sp>
+    </p:spTree>
+    <p:extLst>
+      <p:ext uri="{BB962C8B-B14F-4D97-AF65-F5344CB8AC3E}">
+        <p14:creationId xmlns:p14="http://schemas.microsoft.com/office/powerpoint/2010/main" val="563059779"/>
+      </p:ext>
+    </p:extLst>
+  </p:cSld>
+  <p:clrMapOvr>
+    <a:masterClrMapping/>
+  </p:clrMapOvr>
+</p:sld>
+</file>
+
+<file path=ppt/slides/slide3.xml><?xml version="1.0" encoding="utf-8"?>
+<p:sld xmlns:a="http://schemas.openxmlformats.org/drawingml/2006/main" xmlns:r="http://schemas.openxmlformats.org/officeDocument/2006/relationships" xmlns:p="http://schemas.openxmlformats.org/presentationml/2006/main">
+  <p:cSld>
+    <p:bg>
+      <p:bgPr>
+        <a:solidFill>
+          <a:schemeClr val="tx1"/>
+        </a:solidFill>
+        <a:effectLst/>
+      </p:bgPr>
+    </p:bg>
     <p:spTree>
       <p:nvGrpSpPr>
         <p:cNvPr id="1" name=""/>
@@ -13680,7 +15028,7 @@
           <p:cNvPr id="2" name="Title 1">
             <a:extLst>
               <a:ext uri="{FF2B5EF4-FFF2-40B4-BE49-F238E27FC236}">
-                <a16:creationId xmlns:a16="http://schemas.microsoft.com/office/drawing/2014/main" id="{F4BED4F6-E8E2-4AE0-AEF7-E288657820D8}"/>
+                <a16:creationId xmlns:a16="http://schemas.microsoft.com/office/drawing/2014/main" id="{69762995-CCA4-468E-AA6D-53F57972B2EB}"/>
               </a:ext>
             </a:extLst>
           </p:cNvPr>
@@ -13693,87 +15041,55 @@
         </p:nvSpPr>
         <p:spPr>
           <a:xfrm>
-            <a:off x="539496" y="365125"/>
-            <a:ext cx="10515600" cy="960459"/>
+            <a:off x="314587" y="307374"/>
+            <a:ext cx="10515600" cy="1325563"/>
           </a:xfrm>
         </p:spPr>
         <p:txBody>
           <a:bodyPr>
-            <a:normAutofit/>
+            <a:normAutofit fontScale="90000"/>
           </a:bodyPr>
           <a:lstStyle/>
           <a:p>
-            <a:r>
-              <a:rPr lang="en-US" sz="2400" dirty="0"/>
-              <a:t>Observation - 1</a:t>
-            </a:r>
-            <a:endParaRPr lang="en-GB" sz="2400" dirty="0"/>
-          </a:p>
-        </p:txBody>
-      </p:sp>
-      <p:pic>
-        <p:nvPicPr>
-          <p:cNvPr id="8" name="Content Placeholder 7">
-            <a:extLst>
-              <a:ext uri="{FF2B5EF4-FFF2-40B4-BE49-F238E27FC236}">
-                <a16:creationId xmlns:a16="http://schemas.microsoft.com/office/drawing/2014/main" id="{DB7C8AEB-6A60-4755-8456-6B61DB6A8A96}"/>
-              </a:ext>
-            </a:extLst>
-          </p:cNvPr>
-          <p:cNvPicPr>
-            <a:picLocks noGrp="1" noChangeAspect="1"/>
-          </p:cNvPicPr>
-          <p:nvPr>
-            <p:ph idx="1"/>
-          </p:nvPr>
-        </p:nvPicPr>
-        <p:blipFill>
-          <a:blip r:embed="rId2"/>
-          <a:stretch>
-            <a:fillRect/>
-          </a:stretch>
-        </p:blipFill>
-        <p:spPr>
-          <a:xfrm>
-            <a:off x="5434595" y="2989132"/>
-            <a:ext cx="5982282" cy="2916238"/>
-          </a:xfrm>
-        </p:spPr>
-      </p:pic>
-      <p:sp>
-        <p:nvSpPr>
-          <p:cNvPr id="4" name="Date Placeholder 3">
-            <a:extLst>
-              <a:ext uri="{FF2B5EF4-FFF2-40B4-BE49-F238E27FC236}">
-                <a16:creationId xmlns:a16="http://schemas.microsoft.com/office/drawing/2014/main" id="{8E0EDB26-2EFA-4ECA-A495-ADE42D4212ED}"/>
-              </a:ext>
-            </a:extLst>
-          </p:cNvPr>
-          <p:cNvSpPr>
-            <a:spLocks noGrp="1"/>
-          </p:cNvSpPr>
-          <p:nvPr>
-            <p:ph type="dt" sz="half" idx="10"/>
-          </p:nvPr>
-        </p:nvSpPr>
-        <p:spPr/>
-        <p:txBody>
-          <a:bodyPr/>
-          <a:lstStyle/>
-          <a:p>
             <a:pPr>
-              <a:defRPr/>
+              <a:lnSpc>
+                <a:spcPct val="150000"/>
+              </a:lnSpc>
             </a:pPr>
             <a:r>
+              <a:rPr lang="en-US" sz="2400" dirty="0">
+                <a:solidFill>
+                  <a:schemeClr val="bg1"/>
+                </a:solidFill>
+              </a:rPr>
+              <a:t>Recommendation : </a:t>
+            </a:r>
+            <a:br>
               <a:rPr lang="en-US" dirty="0">
                 <a:solidFill>
-                  <a:prstClr val="black">
-                    <a:tint val="75000"/>
-                  </a:prstClr>
-                </a:solidFill>
-              </a:rPr>
-              <a:t>9/3/2022</a:t>
-            </a:r>
+                  <a:schemeClr val="bg1"/>
+                </a:solidFill>
+              </a:rPr>
+            </a:br>
+            <a:r>
+              <a:rPr lang="en-US" sz="2200" i="1" dirty="0">
+                <a:solidFill>
+                  <a:schemeClr val="bg1"/>
+                </a:solidFill>
+                <a:latin typeface="+mn-lt"/>
+                <a:ea typeface="+mn-ea"/>
+                <a:cs typeface="+mn-cs"/>
+              </a:rPr>
+              <a:t>When borrower’s annual income is below USD 60K and the purpose is for renewable energy, there is a high chance of default</a:t>
+            </a:r>
+            <a:endParaRPr lang="en-GB" sz="2200" i="1" dirty="0">
+              <a:solidFill>
+                <a:schemeClr val="bg1"/>
+              </a:solidFill>
+              <a:latin typeface="+mn-lt"/>
+              <a:ea typeface="+mn-ea"/>
+              <a:cs typeface="+mn-cs"/>
+            </a:endParaRPr>
           </a:p>
         </p:txBody>
       </p:sp>
@@ -13782,7 +15098,7 @@
           <p:cNvPr id="6" name="Slide Number Placeholder 5">
             <a:extLst>
               <a:ext uri="{FF2B5EF4-FFF2-40B4-BE49-F238E27FC236}">
-                <a16:creationId xmlns:a16="http://schemas.microsoft.com/office/drawing/2014/main" id="{FF11E48F-02D3-4592-9112-69B020E44146}"/>
+                <a16:creationId xmlns:a16="http://schemas.microsoft.com/office/drawing/2014/main" id="{9E2A2BE6-73F0-4A7C-B9E2-E81920378CF9}"/>
               </a:ext>
             </a:extLst>
           </p:cNvPr>
@@ -13812,7 +15128,7 @@
               <a:pPr>
                 <a:defRPr/>
               </a:pPr>
-              <a:t>2</a:t>
+              <a:t>3</a:t>
             </a:fld>
             <a:endParaRPr lang="en-US" dirty="0">
               <a:solidFill>
@@ -13824,276 +15140,118 @@
           </a:p>
         </p:txBody>
       </p:sp>
-      <p:sp>
-        <p:nvSpPr>
-          <p:cNvPr id="18" name="Content Placeholder 2">
+      <p:grpSp>
+        <p:nvGrpSpPr>
+          <p:cNvPr id="12" name="Group 11">
             <a:extLst>
               <a:ext uri="{FF2B5EF4-FFF2-40B4-BE49-F238E27FC236}">
-                <a16:creationId xmlns:a16="http://schemas.microsoft.com/office/drawing/2014/main" id="{533E9049-1E77-4741-807B-E9F13595F4FD}"/>
+                <a16:creationId xmlns:a16="http://schemas.microsoft.com/office/drawing/2014/main" id="{B442D4D7-EBBB-4E8B-ADE0-EDBFF22E0F12}"/>
               </a:ext>
             </a:extLst>
           </p:cNvPr>
-          <p:cNvSpPr txBox="1">
-            <a:spLocks/>
-          </p:cNvSpPr>
+          <p:cNvGrpSpPr/>
           <p:nvPr/>
-        </p:nvSpPr>
-        <p:spPr>
+        </p:nvGrpSpPr>
+        <p:grpSpPr>
           <a:xfrm>
-            <a:off x="645952" y="1429352"/>
-            <a:ext cx="10363424" cy="2633041"/>
+            <a:off x="3765464" y="1814508"/>
+            <a:ext cx="8181707" cy="4965032"/>
+            <a:chOff x="3765464" y="1814508"/>
+            <a:chExt cx="8181707" cy="4965032"/>
           </a:xfrm>
-          <a:prstGeom prst="rect">
-            <a:avLst/>
-          </a:prstGeom>
-        </p:spPr>
-        <p:txBody>
-          <a:bodyPr vert="horz" lIns="91440" tIns="45720" rIns="91440" bIns="45720" rtlCol="0">
-            <a:normAutofit/>
-          </a:bodyPr>
-          <a:lstStyle>
-            <a:lvl1pPr marL="228600" indent="-228600" algn="l" defTabSz="914400" rtl="0" eaLnBrk="1" latinLnBrk="0" hangingPunct="1">
-              <a:lnSpc>
-                <a:spcPct val="90000"/>
-              </a:lnSpc>
-              <a:spcBef>
-                <a:spcPts val="1000"/>
-              </a:spcBef>
-              <a:buFont typeface="Arial" panose="020B0604020202020204" pitchFamily="34" charset="0"/>
-              <a:buChar char="•"/>
-              <a:defRPr sz="2800" kern="1200">
-                <a:solidFill>
-                  <a:schemeClr val="tx1"/>
-                </a:solidFill>
-                <a:latin typeface="+mn-lt"/>
-                <a:ea typeface="+mn-ea"/>
-                <a:cs typeface="+mn-cs"/>
-              </a:defRPr>
-            </a:lvl1pPr>
-            <a:lvl2pPr marL="685800" indent="-228600" algn="l" defTabSz="914400" rtl="0" eaLnBrk="1" latinLnBrk="0" hangingPunct="1">
-              <a:lnSpc>
-                <a:spcPct val="90000"/>
-              </a:lnSpc>
-              <a:spcBef>
-                <a:spcPts val="500"/>
-              </a:spcBef>
-              <a:buFont typeface="Arial" panose="020B0604020202020204" pitchFamily="34" charset="0"/>
-              <a:buChar char="•"/>
-              <a:defRPr sz="2400" kern="1200">
-                <a:solidFill>
-                  <a:schemeClr val="tx1"/>
-                </a:solidFill>
-                <a:latin typeface="+mn-lt"/>
-                <a:ea typeface="+mn-ea"/>
-                <a:cs typeface="+mn-cs"/>
-              </a:defRPr>
-            </a:lvl2pPr>
-            <a:lvl3pPr marL="1143000" indent="-228600" algn="l" defTabSz="914400" rtl="0" eaLnBrk="1" latinLnBrk="0" hangingPunct="1">
-              <a:lnSpc>
-                <a:spcPct val="90000"/>
-              </a:lnSpc>
-              <a:spcBef>
-                <a:spcPts val="500"/>
-              </a:spcBef>
-              <a:buFont typeface="Arial" panose="020B0604020202020204" pitchFamily="34" charset="0"/>
-              <a:buChar char="•"/>
-              <a:defRPr sz="2000" kern="1200">
-                <a:solidFill>
-                  <a:schemeClr val="tx1"/>
-                </a:solidFill>
-                <a:latin typeface="+mn-lt"/>
-                <a:ea typeface="+mn-ea"/>
-                <a:cs typeface="+mn-cs"/>
-              </a:defRPr>
-            </a:lvl3pPr>
-            <a:lvl4pPr marL="1600200" indent="-228600" algn="l" defTabSz="914400" rtl="0" eaLnBrk="1" latinLnBrk="0" hangingPunct="1">
-              <a:lnSpc>
-                <a:spcPct val="90000"/>
-              </a:lnSpc>
-              <a:spcBef>
-                <a:spcPts val="500"/>
-              </a:spcBef>
-              <a:buFont typeface="Arial" panose="020B0604020202020204" pitchFamily="34" charset="0"/>
-              <a:buChar char="•"/>
-              <a:defRPr sz="1800" kern="1200">
-                <a:solidFill>
-                  <a:schemeClr val="tx1"/>
-                </a:solidFill>
-                <a:latin typeface="+mn-lt"/>
-                <a:ea typeface="+mn-ea"/>
-                <a:cs typeface="+mn-cs"/>
-              </a:defRPr>
-            </a:lvl4pPr>
-            <a:lvl5pPr marL="2057400" indent="-228600" algn="l" defTabSz="914400" rtl="0" eaLnBrk="1" latinLnBrk="0" hangingPunct="1">
-              <a:lnSpc>
-                <a:spcPct val="90000"/>
-              </a:lnSpc>
-              <a:spcBef>
-                <a:spcPts val="500"/>
-              </a:spcBef>
-              <a:buFont typeface="Arial" panose="020B0604020202020204" pitchFamily="34" charset="0"/>
-              <a:buChar char="•"/>
-              <a:defRPr sz="1800" kern="1200">
-                <a:solidFill>
-                  <a:schemeClr val="tx1"/>
-                </a:solidFill>
-                <a:latin typeface="+mn-lt"/>
-                <a:ea typeface="+mn-ea"/>
-                <a:cs typeface="+mn-cs"/>
-              </a:defRPr>
-            </a:lvl5pPr>
-            <a:lvl6pPr marL="2514600" indent="-228600" algn="l" defTabSz="914400" rtl="0" eaLnBrk="1" latinLnBrk="0" hangingPunct="1">
-              <a:lnSpc>
-                <a:spcPct val="90000"/>
-              </a:lnSpc>
-              <a:spcBef>
-                <a:spcPts val="500"/>
-              </a:spcBef>
-              <a:buFont typeface="Arial" panose="020B0604020202020204" pitchFamily="34" charset="0"/>
-              <a:buChar char="•"/>
-              <a:defRPr sz="1800" kern="1200">
-                <a:solidFill>
-                  <a:schemeClr val="tx1"/>
-                </a:solidFill>
-                <a:latin typeface="+mn-lt"/>
-                <a:ea typeface="+mn-ea"/>
-                <a:cs typeface="+mn-cs"/>
-              </a:defRPr>
-            </a:lvl6pPr>
-            <a:lvl7pPr marL="2971800" indent="-228600" algn="l" defTabSz="914400" rtl="0" eaLnBrk="1" latinLnBrk="0" hangingPunct="1">
-              <a:lnSpc>
-                <a:spcPct val="90000"/>
-              </a:lnSpc>
-              <a:spcBef>
-                <a:spcPts val="500"/>
-              </a:spcBef>
-              <a:buFont typeface="Arial" panose="020B0604020202020204" pitchFamily="34" charset="0"/>
-              <a:buChar char="•"/>
-              <a:defRPr sz="1800" kern="1200">
-                <a:solidFill>
-                  <a:schemeClr val="tx1"/>
-                </a:solidFill>
-                <a:latin typeface="+mn-lt"/>
-                <a:ea typeface="+mn-ea"/>
-                <a:cs typeface="+mn-cs"/>
-              </a:defRPr>
-            </a:lvl7pPr>
-            <a:lvl8pPr marL="3429000" indent="-228600" algn="l" defTabSz="914400" rtl="0" eaLnBrk="1" latinLnBrk="0" hangingPunct="1">
-              <a:lnSpc>
-                <a:spcPct val="90000"/>
-              </a:lnSpc>
-              <a:spcBef>
-                <a:spcPts val="500"/>
-              </a:spcBef>
-              <a:buFont typeface="Arial" panose="020B0604020202020204" pitchFamily="34" charset="0"/>
-              <a:buChar char="•"/>
-              <a:defRPr sz="1800" kern="1200">
-                <a:solidFill>
-                  <a:schemeClr val="tx1"/>
-                </a:solidFill>
-                <a:latin typeface="+mn-lt"/>
-                <a:ea typeface="+mn-ea"/>
-                <a:cs typeface="+mn-cs"/>
-              </a:defRPr>
-            </a:lvl8pPr>
-            <a:lvl9pPr marL="3886200" indent="-228600" algn="l" defTabSz="914400" rtl="0" eaLnBrk="1" latinLnBrk="0" hangingPunct="1">
-              <a:lnSpc>
-                <a:spcPct val="90000"/>
-              </a:lnSpc>
-              <a:spcBef>
-                <a:spcPts val="500"/>
-              </a:spcBef>
-              <a:buFont typeface="Arial" panose="020B0604020202020204" pitchFamily="34" charset="0"/>
-              <a:buChar char="•"/>
-              <a:defRPr sz="1800" kern="1200">
-                <a:solidFill>
-                  <a:schemeClr val="tx1"/>
-                </a:solidFill>
-                <a:latin typeface="+mn-lt"/>
-                <a:ea typeface="+mn-ea"/>
-                <a:cs typeface="+mn-cs"/>
-              </a:defRPr>
-            </a:lvl9pPr>
-          </a:lstStyle>
-          <a:p>
-            <a:r>
-              <a:rPr lang="en-GB" sz="2000" i="1" dirty="0"/>
-              <a:t>There are couple of borrower's Annual Income values that are very high but it doesn't skew the mean or median. Hence those values were </a:t>
-            </a:r>
-            <a:r>
-              <a:rPr lang="en-GB" sz="2000" b="1" i="1" dirty="0"/>
-              <a:t>not considered as outliers</a:t>
-            </a:r>
-          </a:p>
-          <a:p>
-            <a:endParaRPr lang="en-GB" sz="1600" i="1" dirty="0"/>
-          </a:p>
-        </p:txBody>
-      </p:sp>
-      <p:pic>
-        <p:nvPicPr>
-          <p:cNvPr id="14" name="Picture 13">
-            <a:extLst>
-              <a:ext uri="{FF2B5EF4-FFF2-40B4-BE49-F238E27FC236}">
-                <a16:creationId xmlns:a16="http://schemas.microsoft.com/office/drawing/2014/main" id="{4660D372-F53D-43B1-81AA-2CF6264A3DB6}"/>
-              </a:ext>
-            </a:extLst>
-          </p:cNvPr>
-          <p:cNvPicPr>
-            <a:picLocks noChangeAspect="1"/>
-          </p:cNvPicPr>
-          <p:nvPr/>
-        </p:nvPicPr>
-        <p:blipFill>
-          <a:blip r:embed="rId3"/>
-          <a:stretch>
-            <a:fillRect/>
-          </a:stretch>
-        </p:blipFill>
-        <p:spPr>
-          <a:xfrm>
-            <a:off x="775123" y="2166918"/>
-            <a:ext cx="5810250" cy="1895475"/>
-          </a:xfrm>
-          <a:prstGeom prst="rect">
-            <a:avLst/>
-          </a:prstGeom>
-        </p:spPr>
-      </p:pic>
-      <p:pic>
-        <p:nvPicPr>
-          <p:cNvPr id="20" name="Picture 19">
-            <a:extLst>
-              <a:ext uri="{FF2B5EF4-FFF2-40B4-BE49-F238E27FC236}">
-                <a16:creationId xmlns:a16="http://schemas.microsoft.com/office/drawing/2014/main" id="{B177AA8C-27C4-4EDC-A16E-35FEE30CBE32}"/>
-              </a:ext>
-            </a:extLst>
-          </p:cNvPr>
-          <p:cNvPicPr>
-            <a:picLocks noChangeAspect="1"/>
-          </p:cNvPicPr>
-          <p:nvPr/>
-        </p:nvPicPr>
-        <p:blipFill>
-          <a:blip r:embed="rId4"/>
-          <a:stretch>
-            <a:fillRect/>
-          </a:stretch>
-        </p:blipFill>
-        <p:spPr>
-          <a:xfrm>
-            <a:off x="775123" y="4062393"/>
-            <a:ext cx="5438775" cy="1790700"/>
-          </a:xfrm>
-          <a:prstGeom prst="rect">
-            <a:avLst/>
-          </a:prstGeom>
-        </p:spPr>
-      </p:pic>
+        </p:grpSpPr>
+        <p:pic>
+          <p:nvPicPr>
+            <p:cNvPr id="8" name="Picture 7">
+              <a:extLst>
+                <a:ext uri="{FF2B5EF4-FFF2-40B4-BE49-F238E27FC236}">
+                  <a16:creationId xmlns:a16="http://schemas.microsoft.com/office/drawing/2014/main" id="{F380C0F1-348D-4A31-B9EB-8F9E1F7DEF93}"/>
+                </a:ext>
+              </a:extLst>
+            </p:cNvPr>
+            <p:cNvPicPr>
+              <a:picLocks noChangeAspect="1"/>
+            </p:cNvPicPr>
+            <p:nvPr/>
+          </p:nvPicPr>
+          <p:blipFill>
+            <a:blip r:embed="rId2"/>
+            <a:stretch>
+              <a:fillRect/>
+            </a:stretch>
+          </p:blipFill>
+          <p:spPr>
+            <a:xfrm>
+              <a:off x="3765464" y="1814508"/>
+              <a:ext cx="8181707" cy="4965032"/>
+            </a:xfrm>
+            <a:prstGeom prst="rect">
+              <a:avLst/>
+            </a:prstGeom>
+            <a:ln>
+              <a:solidFill>
+                <a:schemeClr val="bg1"/>
+              </a:solidFill>
+            </a:ln>
+          </p:spPr>
+        </p:pic>
+        <p:sp>
+          <p:nvSpPr>
+            <p:cNvPr id="9" name="Oval 8">
+              <a:extLst>
+                <a:ext uri="{FF2B5EF4-FFF2-40B4-BE49-F238E27FC236}">
+                  <a16:creationId xmlns:a16="http://schemas.microsoft.com/office/drawing/2014/main" id="{F03A2095-68FC-4241-9619-8F6FB4136F2F}"/>
+                </a:ext>
+              </a:extLst>
+            </p:cNvPr>
+            <p:cNvSpPr/>
+            <p:nvPr/>
+          </p:nvSpPr>
+          <p:spPr>
+            <a:xfrm>
+              <a:off x="8321879" y="5659655"/>
+              <a:ext cx="2508308" cy="696695"/>
+            </a:xfrm>
+            <a:prstGeom prst="ellipse">
+              <a:avLst/>
+            </a:prstGeom>
+            <a:noFill/>
+            <a:ln w="38100">
+              <a:solidFill>
+                <a:srgbClr val="86F686"/>
+              </a:solidFill>
+            </a:ln>
+          </p:spPr>
+          <p:style>
+            <a:lnRef idx="2">
+              <a:schemeClr val="accent1">
+                <a:shade val="50000"/>
+              </a:schemeClr>
+            </a:lnRef>
+            <a:fillRef idx="1">
+              <a:schemeClr val="accent1"/>
+            </a:fillRef>
+            <a:effectRef idx="0">
+              <a:schemeClr val="accent1"/>
+            </a:effectRef>
+            <a:fontRef idx="minor">
+              <a:schemeClr val="lt1"/>
+            </a:fontRef>
+          </p:style>
+          <p:txBody>
+            <a:bodyPr rtlCol="0" anchor="ctr"/>
+            <a:lstStyle/>
+            <a:p>
+              <a:pPr algn="ctr"/>
+              <a:endParaRPr lang="en-GB"/>
+            </a:p>
+          </p:txBody>
+        </p:sp>
+      </p:grpSp>
     </p:spTree>
     <p:extLst>
       <p:ext uri="{BB962C8B-B14F-4D97-AF65-F5344CB8AC3E}">
-        <p14:creationId xmlns:p14="http://schemas.microsoft.com/office/powerpoint/2010/main" val="3120864094"/>
+        <p14:creationId xmlns:p14="http://schemas.microsoft.com/office/powerpoint/2010/main" val="289033743"/>
       </p:ext>
     </p:extLst>
   </p:cSld>
@@ -14103,9 +15261,17 @@
 </p:sld>
 </file>
 
-<file path=ppt/slides/slide3.xml><?xml version="1.0" encoding="utf-8"?>
+<file path=ppt/slides/slide4.xml><?xml version="1.0" encoding="utf-8"?>
 <p:sld xmlns:a="http://schemas.openxmlformats.org/drawingml/2006/main" xmlns:r="http://schemas.openxmlformats.org/officeDocument/2006/relationships" xmlns:p="http://schemas.openxmlformats.org/presentationml/2006/main">
   <p:cSld>
+    <p:bg>
+      <p:bgPr>
+        <a:solidFill>
+          <a:schemeClr val="tx1"/>
+        </a:solidFill>
+        <a:effectLst/>
+      </p:bgPr>
+    </p:bg>
     <p:spTree>
       <p:nvGrpSpPr>
         <p:cNvPr id="1" name=""/>
@@ -14192,395 +15358,6 @@
               <a:pPr>
                 <a:defRPr/>
               </a:pPr>
-              <a:t>3</a:t>
-            </a:fld>
-            <a:endParaRPr lang="en-US" dirty="0">
-              <a:solidFill>
-                <a:prstClr val="black">
-                  <a:tint val="75000"/>
-                </a:prstClr>
-              </a:solidFill>
-            </a:endParaRPr>
-          </a:p>
-        </p:txBody>
-      </p:sp>
-      <p:sp>
-        <p:nvSpPr>
-          <p:cNvPr id="18" name="Content Placeholder 2">
-            <a:extLst>
-              <a:ext uri="{FF2B5EF4-FFF2-40B4-BE49-F238E27FC236}">
-                <a16:creationId xmlns:a16="http://schemas.microsoft.com/office/drawing/2014/main" id="{533E9049-1E77-4741-807B-E9F13595F4FD}"/>
-              </a:ext>
-            </a:extLst>
-          </p:cNvPr>
-          <p:cNvSpPr txBox="1">
-            <a:spLocks/>
-          </p:cNvSpPr>
-          <p:nvPr/>
-        </p:nvSpPr>
-        <p:spPr>
-          <a:xfrm>
-            <a:off x="763398" y="1249287"/>
-            <a:ext cx="10363424" cy="637563"/>
-          </a:xfrm>
-          <a:prstGeom prst="rect">
-            <a:avLst/>
-          </a:prstGeom>
-        </p:spPr>
-        <p:txBody>
-          <a:bodyPr vert="horz" lIns="91440" tIns="45720" rIns="91440" bIns="45720" rtlCol="0">
-            <a:normAutofit/>
-          </a:bodyPr>
-          <a:lstStyle>
-            <a:lvl1pPr marL="228600" indent="-228600" algn="l" defTabSz="914400" rtl="0" eaLnBrk="1" latinLnBrk="0" hangingPunct="1">
-              <a:lnSpc>
-                <a:spcPct val="90000"/>
-              </a:lnSpc>
-              <a:spcBef>
-                <a:spcPts val="1000"/>
-              </a:spcBef>
-              <a:buFont typeface="Arial" panose="020B0604020202020204" pitchFamily="34" charset="0"/>
-              <a:buChar char="•"/>
-              <a:defRPr sz="2800" kern="1200">
-                <a:solidFill>
-                  <a:schemeClr val="tx1"/>
-                </a:solidFill>
-                <a:latin typeface="+mn-lt"/>
-                <a:ea typeface="+mn-ea"/>
-                <a:cs typeface="+mn-cs"/>
-              </a:defRPr>
-            </a:lvl1pPr>
-            <a:lvl2pPr marL="685800" indent="-228600" algn="l" defTabSz="914400" rtl="0" eaLnBrk="1" latinLnBrk="0" hangingPunct="1">
-              <a:lnSpc>
-                <a:spcPct val="90000"/>
-              </a:lnSpc>
-              <a:spcBef>
-                <a:spcPts val="500"/>
-              </a:spcBef>
-              <a:buFont typeface="Arial" panose="020B0604020202020204" pitchFamily="34" charset="0"/>
-              <a:buChar char="•"/>
-              <a:defRPr sz="2400" kern="1200">
-                <a:solidFill>
-                  <a:schemeClr val="tx1"/>
-                </a:solidFill>
-                <a:latin typeface="+mn-lt"/>
-                <a:ea typeface="+mn-ea"/>
-                <a:cs typeface="+mn-cs"/>
-              </a:defRPr>
-            </a:lvl2pPr>
-            <a:lvl3pPr marL="1143000" indent="-228600" algn="l" defTabSz="914400" rtl="0" eaLnBrk="1" latinLnBrk="0" hangingPunct="1">
-              <a:lnSpc>
-                <a:spcPct val="90000"/>
-              </a:lnSpc>
-              <a:spcBef>
-                <a:spcPts val="500"/>
-              </a:spcBef>
-              <a:buFont typeface="Arial" panose="020B0604020202020204" pitchFamily="34" charset="0"/>
-              <a:buChar char="•"/>
-              <a:defRPr sz="2000" kern="1200">
-                <a:solidFill>
-                  <a:schemeClr val="tx1"/>
-                </a:solidFill>
-                <a:latin typeface="+mn-lt"/>
-                <a:ea typeface="+mn-ea"/>
-                <a:cs typeface="+mn-cs"/>
-              </a:defRPr>
-            </a:lvl3pPr>
-            <a:lvl4pPr marL="1600200" indent="-228600" algn="l" defTabSz="914400" rtl="0" eaLnBrk="1" latinLnBrk="0" hangingPunct="1">
-              <a:lnSpc>
-                <a:spcPct val="90000"/>
-              </a:lnSpc>
-              <a:spcBef>
-                <a:spcPts val="500"/>
-              </a:spcBef>
-              <a:buFont typeface="Arial" panose="020B0604020202020204" pitchFamily="34" charset="0"/>
-              <a:buChar char="•"/>
-              <a:defRPr sz="1800" kern="1200">
-                <a:solidFill>
-                  <a:schemeClr val="tx1"/>
-                </a:solidFill>
-                <a:latin typeface="+mn-lt"/>
-                <a:ea typeface="+mn-ea"/>
-                <a:cs typeface="+mn-cs"/>
-              </a:defRPr>
-            </a:lvl4pPr>
-            <a:lvl5pPr marL="2057400" indent="-228600" algn="l" defTabSz="914400" rtl="0" eaLnBrk="1" latinLnBrk="0" hangingPunct="1">
-              <a:lnSpc>
-                <a:spcPct val="90000"/>
-              </a:lnSpc>
-              <a:spcBef>
-                <a:spcPts val="500"/>
-              </a:spcBef>
-              <a:buFont typeface="Arial" panose="020B0604020202020204" pitchFamily="34" charset="0"/>
-              <a:buChar char="•"/>
-              <a:defRPr sz="1800" kern="1200">
-                <a:solidFill>
-                  <a:schemeClr val="tx1"/>
-                </a:solidFill>
-                <a:latin typeface="+mn-lt"/>
-                <a:ea typeface="+mn-ea"/>
-                <a:cs typeface="+mn-cs"/>
-              </a:defRPr>
-            </a:lvl5pPr>
-            <a:lvl6pPr marL="2514600" indent="-228600" algn="l" defTabSz="914400" rtl="0" eaLnBrk="1" latinLnBrk="0" hangingPunct="1">
-              <a:lnSpc>
-                <a:spcPct val="90000"/>
-              </a:lnSpc>
-              <a:spcBef>
-                <a:spcPts val="500"/>
-              </a:spcBef>
-              <a:buFont typeface="Arial" panose="020B0604020202020204" pitchFamily="34" charset="0"/>
-              <a:buChar char="•"/>
-              <a:defRPr sz="1800" kern="1200">
-                <a:solidFill>
-                  <a:schemeClr val="tx1"/>
-                </a:solidFill>
-                <a:latin typeface="+mn-lt"/>
-                <a:ea typeface="+mn-ea"/>
-                <a:cs typeface="+mn-cs"/>
-              </a:defRPr>
-            </a:lvl6pPr>
-            <a:lvl7pPr marL="2971800" indent="-228600" algn="l" defTabSz="914400" rtl="0" eaLnBrk="1" latinLnBrk="0" hangingPunct="1">
-              <a:lnSpc>
-                <a:spcPct val="90000"/>
-              </a:lnSpc>
-              <a:spcBef>
-                <a:spcPts val="500"/>
-              </a:spcBef>
-              <a:buFont typeface="Arial" panose="020B0604020202020204" pitchFamily="34" charset="0"/>
-              <a:buChar char="•"/>
-              <a:defRPr sz="1800" kern="1200">
-                <a:solidFill>
-                  <a:schemeClr val="tx1"/>
-                </a:solidFill>
-                <a:latin typeface="+mn-lt"/>
-                <a:ea typeface="+mn-ea"/>
-                <a:cs typeface="+mn-cs"/>
-              </a:defRPr>
-            </a:lvl7pPr>
-            <a:lvl8pPr marL="3429000" indent="-228600" algn="l" defTabSz="914400" rtl="0" eaLnBrk="1" latinLnBrk="0" hangingPunct="1">
-              <a:lnSpc>
-                <a:spcPct val="90000"/>
-              </a:lnSpc>
-              <a:spcBef>
-                <a:spcPts val="500"/>
-              </a:spcBef>
-              <a:buFont typeface="Arial" panose="020B0604020202020204" pitchFamily="34" charset="0"/>
-              <a:buChar char="•"/>
-              <a:defRPr sz="1800" kern="1200">
-                <a:solidFill>
-                  <a:schemeClr val="tx1"/>
-                </a:solidFill>
-                <a:latin typeface="+mn-lt"/>
-                <a:ea typeface="+mn-ea"/>
-                <a:cs typeface="+mn-cs"/>
-              </a:defRPr>
-            </a:lvl8pPr>
-            <a:lvl9pPr marL="3886200" indent="-228600" algn="l" defTabSz="914400" rtl="0" eaLnBrk="1" latinLnBrk="0" hangingPunct="1">
-              <a:lnSpc>
-                <a:spcPct val="90000"/>
-              </a:lnSpc>
-              <a:spcBef>
-                <a:spcPts val="500"/>
-              </a:spcBef>
-              <a:buFont typeface="Arial" panose="020B0604020202020204" pitchFamily="34" charset="0"/>
-              <a:buChar char="•"/>
-              <a:defRPr sz="1800" kern="1200">
-                <a:solidFill>
-                  <a:schemeClr val="tx1"/>
-                </a:solidFill>
-                <a:latin typeface="+mn-lt"/>
-                <a:ea typeface="+mn-ea"/>
-                <a:cs typeface="+mn-cs"/>
-              </a:defRPr>
-            </a:lvl9pPr>
-          </a:lstStyle>
-          <a:p>
-            <a:r>
-              <a:rPr lang="en-GB" sz="2000" i="1" dirty="0"/>
-              <a:t>There is no correlation between Borrower's Income &amp; Grade/Sub Grade </a:t>
-            </a:r>
-            <a:r>
-              <a:rPr lang="en-GB" sz="1600" i="1" dirty="0"/>
-              <a:t>(Financial Rating)</a:t>
-            </a:r>
-          </a:p>
-          <a:p>
-            <a:endParaRPr lang="en-GB" sz="2000" i="1" dirty="0"/>
-          </a:p>
-          <a:p>
-            <a:endParaRPr lang="en-GB" sz="1600" i="1" dirty="0"/>
-          </a:p>
-        </p:txBody>
-      </p:sp>
-      <p:pic>
-        <p:nvPicPr>
-          <p:cNvPr id="10" name="Picture 9">
-            <a:extLst>
-              <a:ext uri="{FF2B5EF4-FFF2-40B4-BE49-F238E27FC236}">
-                <a16:creationId xmlns:a16="http://schemas.microsoft.com/office/drawing/2014/main" id="{E128C16B-A36F-4697-81FF-5AE57AF258F7}"/>
-              </a:ext>
-            </a:extLst>
-          </p:cNvPr>
-          <p:cNvPicPr>
-            <a:picLocks noChangeAspect="1"/>
-          </p:cNvPicPr>
-          <p:nvPr/>
-        </p:nvPicPr>
-        <p:blipFill>
-          <a:blip r:embed="rId2"/>
-          <a:stretch>
-            <a:fillRect/>
-          </a:stretch>
-        </p:blipFill>
-        <p:spPr>
-          <a:xfrm>
-            <a:off x="838201" y="1831212"/>
-            <a:ext cx="4396530" cy="1437807"/>
-          </a:xfrm>
-          <a:prstGeom prst="rect">
-            <a:avLst/>
-          </a:prstGeom>
-        </p:spPr>
-      </p:pic>
-      <p:sp>
-        <p:nvSpPr>
-          <p:cNvPr id="19" name="Title 1">
-            <a:extLst>
-              <a:ext uri="{FF2B5EF4-FFF2-40B4-BE49-F238E27FC236}">
-                <a16:creationId xmlns:a16="http://schemas.microsoft.com/office/drawing/2014/main" id="{1C662E59-D267-4107-9038-8138ECF4D409}"/>
-              </a:ext>
-            </a:extLst>
-          </p:cNvPr>
-          <p:cNvSpPr>
-            <a:spLocks noGrp="1"/>
-          </p:cNvSpPr>
-          <p:nvPr>
-            <p:ph type="title"/>
-          </p:nvPr>
-        </p:nvSpPr>
-        <p:spPr>
-          <a:xfrm>
-            <a:off x="539496" y="365125"/>
-            <a:ext cx="10515600" cy="960459"/>
-          </a:xfrm>
-        </p:spPr>
-        <p:txBody>
-          <a:bodyPr>
-            <a:normAutofit/>
-          </a:bodyPr>
-          <a:lstStyle/>
-          <a:p>
-            <a:r>
-              <a:rPr lang="en-US" sz="2400" dirty="0"/>
-              <a:t>Observation – 2</a:t>
-            </a:r>
-            <a:endParaRPr lang="en-GB" sz="2400" dirty="0"/>
-          </a:p>
-        </p:txBody>
-      </p:sp>
-    </p:spTree>
-    <p:extLst>
-      <p:ext uri="{BB962C8B-B14F-4D97-AF65-F5344CB8AC3E}">
-        <p14:creationId xmlns:p14="http://schemas.microsoft.com/office/powerpoint/2010/main" val="551560048"/>
-      </p:ext>
-    </p:extLst>
-  </p:cSld>
-  <p:clrMapOvr>
-    <a:masterClrMapping/>
-  </p:clrMapOvr>
-</p:sld>
-</file>
-
-<file path=ppt/slides/slide4.xml><?xml version="1.0" encoding="utf-8"?>
-<p:sld xmlns:a="http://schemas.openxmlformats.org/drawingml/2006/main" xmlns:r="http://schemas.openxmlformats.org/officeDocument/2006/relationships" xmlns:p="http://schemas.openxmlformats.org/presentationml/2006/main">
-  <p:cSld>
-    <p:spTree>
-      <p:nvGrpSpPr>
-        <p:cNvPr id="1" name=""/>
-        <p:cNvGrpSpPr/>
-        <p:nvPr/>
-      </p:nvGrpSpPr>
-      <p:grpSpPr>
-        <a:xfrm>
-          <a:off x="0" y="0"/>
-          <a:ext cx="0" cy="0"/>
-          <a:chOff x="0" y="0"/>
-          <a:chExt cx="0" cy="0"/>
-        </a:xfrm>
-      </p:grpSpPr>
-      <p:sp>
-        <p:nvSpPr>
-          <p:cNvPr id="4" name="Date Placeholder 3">
-            <a:extLst>
-              <a:ext uri="{FF2B5EF4-FFF2-40B4-BE49-F238E27FC236}">
-                <a16:creationId xmlns:a16="http://schemas.microsoft.com/office/drawing/2014/main" id="{8E0EDB26-2EFA-4ECA-A495-ADE42D4212ED}"/>
-              </a:ext>
-            </a:extLst>
-          </p:cNvPr>
-          <p:cNvSpPr>
-            <a:spLocks noGrp="1"/>
-          </p:cNvSpPr>
-          <p:nvPr>
-            <p:ph type="dt" sz="half" idx="10"/>
-          </p:nvPr>
-        </p:nvSpPr>
-        <p:spPr/>
-        <p:txBody>
-          <a:bodyPr/>
-          <a:lstStyle/>
-          <a:p>
-            <a:pPr>
-              <a:defRPr/>
-            </a:pPr>
-            <a:r>
-              <a:rPr lang="en-US" dirty="0">
-                <a:solidFill>
-                  <a:prstClr val="black">
-                    <a:tint val="75000"/>
-                  </a:prstClr>
-                </a:solidFill>
-              </a:rPr>
-              <a:t>9/3/2022</a:t>
-            </a:r>
-          </a:p>
-        </p:txBody>
-      </p:sp>
-      <p:sp>
-        <p:nvSpPr>
-          <p:cNvPr id="6" name="Slide Number Placeholder 5">
-            <a:extLst>
-              <a:ext uri="{FF2B5EF4-FFF2-40B4-BE49-F238E27FC236}">
-                <a16:creationId xmlns:a16="http://schemas.microsoft.com/office/drawing/2014/main" id="{FF11E48F-02D3-4592-9112-69B020E44146}"/>
-              </a:ext>
-            </a:extLst>
-          </p:cNvPr>
-          <p:cNvSpPr>
-            <a:spLocks noGrp="1"/>
-          </p:cNvSpPr>
-          <p:nvPr>
-            <p:ph type="sldNum" sz="quarter" idx="12"/>
-          </p:nvPr>
-        </p:nvSpPr>
-        <p:spPr/>
-        <p:txBody>
-          <a:bodyPr/>
-          <a:lstStyle/>
-          <a:p>
-            <a:pPr>
-              <a:defRPr/>
-            </a:pPr>
-            <a:fld id="{D76B855D-E9CC-4FF8-AD85-6CDC7B89A0DE}" type="slidenum">
-              <a:rPr lang="en-US" smtClean="0">
-                <a:solidFill>
-                  <a:prstClr val="black">
-                    <a:tint val="75000"/>
-                  </a:prstClr>
-                </a:solidFill>
-              </a:rPr>
-              <a:pPr>
-                <a:defRPr/>
-              </a:pPr>
               <a:t>4</a:t>
             </a:fld>
             <a:endParaRPr lang="en-US" dirty="0">
@@ -14609,7 +15386,7 @@
         </p:nvSpPr>
         <p:spPr>
           <a:xfrm>
-            <a:off x="763398" y="1249287"/>
+            <a:off x="850827" y="1519294"/>
             <a:ext cx="10363424" cy="637563"/>
           </a:xfrm>
           <a:prstGeom prst="rect">
@@ -14786,24 +15563,28 @@
           </a:lstStyle>
           <a:p>
             <a:r>
-              <a:rPr lang="en-GB" sz="2000" i="1" dirty="0"/>
+              <a:rPr lang="en-GB" sz="2000" i="1" dirty="0">
+                <a:solidFill>
+                  <a:schemeClr val="bg1"/>
+                </a:solidFill>
+              </a:rPr>
               <a:t>“Fully Paid” Category has borrowers in grade A &amp; B predominantly</a:t>
             </a:r>
           </a:p>
           <a:p>
             <a:r>
-              <a:rPr lang="en-GB" sz="2000" i="1" dirty="0"/>
+              <a:rPr lang="en-GB" sz="2000" i="1" dirty="0">
+                <a:solidFill>
+                  <a:schemeClr val="bg1"/>
+                </a:solidFill>
+              </a:rPr>
               <a:t>“Charged Off” Category borrowers shift towards grade B &amp; C</a:t>
             </a:r>
-          </a:p>
-          <a:p>
-            <a:endParaRPr lang="en-GB" sz="1600" i="1" dirty="0"/>
-          </a:p>
-          <a:p>
-            <a:endParaRPr lang="en-GB" sz="2000" i="1" dirty="0"/>
-          </a:p>
-          <a:p>
-            <a:endParaRPr lang="en-GB" sz="1600" i="1" dirty="0"/>
+            <a:endParaRPr lang="en-GB" sz="1600" i="1" dirty="0">
+              <a:solidFill>
+                <a:schemeClr val="bg1"/>
+              </a:solidFill>
+            </a:endParaRPr>
           </a:p>
         </p:txBody>
       </p:sp>
@@ -14825,30 +15606,68 @@
         </p:nvSpPr>
         <p:spPr>
           <a:xfrm>
-            <a:off x="539496" y="365125"/>
+            <a:off x="337366" y="384496"/>
             <a:ext cx="10515600" cy="960459"/>
           </a:xfrm>
         </p:spPr>
         <p:txBody>
           <a:bodyPr>
-            <a:normAutofit/>
+            <a:normAutofit fontScale="90000"/>
           </a:bodyPr>
           <a:lstStyle/>
           <a:p>
             <a:r>
-              <a:rPr lang="en-US" sz="2400" dirty="0"/>
-              <a:t>Observation – 3</a:t>
-            </a:r>
-            <a:endParaRPr lang="en-GB" sz="2400" dirty="0"/>
+              <a:rPr lang="en-US" sz="2400" dirty="0">
+                <a:solidFill>
+                  <a:schemeClr val="bg1"/>
+                </a:solidFill>
+              </a:rPr>
+              <a:t>Recommendation:</a:t>
+            </a:r>
+            <a:br>
+              <a:rPr lang="en-US" sz="2400" dirty="0">
+                <a:solidFill>
+                  <a:schemeClr val="bg1"/>
+                </a:solidFill>
+              </a:rPr>
+            </a:br>
+            <a:br>
+              <a:rPr lang="en-US" sz="2400" dirty="0">
+                <a:solidFill>
+                  <a:schemeClr val="bg1"/>
+                </a:solidFill>
+              </a:rPr>
+            </a:br>
+            <a:r>
+              <a:rPr lang="en-US" sz="2400" dirty="0">
+                <a:solidFill>
+                  <a:schemeClr val="bg1"/>
+                </a:solidFill>
+              </a:rPr>
+              <a:t>Grade ‘A5’ is only as good as ‘B1’ – Default percentage raises in Subgrade5 </a:t>
+            </a:r>
+            <a:r>
+              <a:rPr lang="en-US" sz="1600" dirty="0">
+                <a:solidFill>
+                  <a:schemeClr val="bg1"/>
+                </a:solidFill>
+              </a:rPr>
+              <a:t>(Grade A)</a:t>
+            </a:r>
+            <a:endParaRPr lang="en-GB" sz="2400" dirty="0">
+              <a:solidFill>
+                <a:schemeClr val="bg1"/>
+              </a:solidFill>
+            </a:endParaRPr>
           </a:p>
         </p:txBody>
       </p:sp>
       <p:grpSp>
         <p:nvGrpSpPr>
-          <p:cNvPr id="16" name="Group 15">
+          <p:cNvPr id="9" name="Group 8">
             <a:extLst>
               <a:ext uri="{FF2B5EF4-FFF2-40B4-BE49-F238E27FC236}">
-                <a16:creationId xmlns:a16="http://schemas.microsoft.com/office/drawing/2014/main" id="{1E62E5BB-91F0-4913-B5F9-50696B81AE15}"/>
+                <a16:creationId xmlns:a16="http://schemas.microsoft.com/office/drawing/2014/main" id="{EA2B3DEF-4582-4063-BC88-B9192D00E35F}"/>
               </a:ext>
             </a:extLst>
           </p:cNvPr>
@@ -14857,18 +15676,18 @@
         </p:nvGrpSpPr>
         <p:grpSpPr>
           <a:xfrm>
-            <a:off x="2283293" y="3277502"/>
-            <a:ext cx="9648825" cy="3215373"/>
-            <a:chOff x="2283293" y="3277502"/>
-            <a:chExt cx="9648825" cy="3215373"/>
+            <a:off x="2564774" y="3277502"/>
+            <a:ext cx="9295429" cy="3215373"/>
+            <a:chOff x="2564774" y="3277502"/>
+            <a:chExt cx="9295429" cy="3215373"/>
           </a:xfrm>
         </p:grpSpPr>
         <p:pic>
           <p:nvPicPr>
-            <p:cNvPr id="3" name="Picture 2">
+            <p:cNvPr id="7" name="Picture 6">
               <a:extLst>
                 <a:ext uri="{FF2B5EF4-FFF2-40B4-BE49-F238E27FC236}">
-                  <a16:creationId xmlns:a16="http://schemas.microsoft.com/office/drawing/2014/main" id="{16690191-81B2-4B8C-831C-329F94F73F38}"/>
+                  <a16:creationId xmlns:a16="http://schemas.microsoft.com/office/drawing/2014/main" id="{18ED12A0-F82B-49CB-B4CE-3AA2C54C36D4}"/>
                 </a:ext>
               </a:extLst>
             </p:cNvPr>
@@ -14885,8 +15704,8 @@
           </p:blipFill>
           <p:spPr>
             <a:xfrm>
-              <a:off x="2283293" y="3556688"/>
-              <a:ext cx="9648825" cy="2828925"/>
+              <a:off x="2564774" y="3411828"/>
+              <a:ext cx="9295429" cy="2927350"/>
             </a:xfrm>
             <a:prstGeom prst="rect">
               <a:avLst/>
@@ -14914,10 +15733,10 @@
               <a:avLst/>
             </a:prstGeom>
             <a:noFill/>
-            <a:ln w="12700" cap="flat" cmpd="sng" algn="ctr">
+            <a:ln w="38100" cap="flat" cmpd="sng" algn="ctr">
               <a:solidFill>
-                <a:schemeClr val="accent1">
-                  <a:shade val="50000"/>
+                <a:schemeClr val="bg2">
+                  <a:lumMod val="50000"/>
                 </a:schemeClr>
               </a:solidFill>
               <a:prstDash val="solid"/>
@@ -14980,10 +15799,10 @@
               <a:avLst/>
             </a:prstGeom>
             <a:noFill/>
-            <a:ln w="12700" cap="flat" cmpd="sng" algn="ctr">
+            <a:ln w="38100" cap="flat" cmpd="sng" algn="ctr">
               <a:solidFill>
-                <a:schemeClr val="accent1">
-                  <a:shade val="50000"/>
+                <a:schemeClr val="bg2">
+                  <a:lumMod val="50000"/>
                 </a:schemeClr>
               </a:solidFill>
               <a:prstDash val="solid"/>
@@ -15026,36 +15845,6 @@
           </p:txBody>
         </p:sp>
       </p:grpSp>
-      <p:pic>
-        <p:nvPicPr>
-          <p:cNvPr id="14" name="Picture 13">
-            <a:extLst>
-              <a:ext uri="{FF2B5EF4-FFF2-40B4-BE49-F238E27FC236}">
-                <a16:creationId xmlns:a16="http://schemas.microsoft.com/office/drawing/2014/main" id="{DF1E5AFE-6793-4B97-A42B-21B3CC7A7B25}"/>
-              </a:ext>
-            </a:extLst>
-          </p:cNvPr>
-          <p:cNvPicPr>
-            <a:picLocks noChangeAspect="1"/>
-          </p:cNvPicPr>
-          <p:nvPr/>
-        </p:nvPicPr>
-        <p:blipFill>
-          <a:blip r:embed="rId3"/>
-          <a:stretch>
-            <a:fillRect/>
-          </a:stretch>
-        </p:blipFill>
-        <p:spPr>
-          <a:xfrm>
-            <a:off x="67112" y="2062570"/>
-            <a:ext cx="12192000" cy="1146412"/>
-          </a:xfrm>
-          <a:prstGeom prst="rect">
-            <a:avLst/>
-          </a:prstGeom>
-        </p:spPr>
-      </p:pic>
     </p:spTree>
     <p:extLst>
       <p:ext uri="{BB962C8B-B14F-4D97-AF65-F5344CB8AC3E}">
@@ -15075,7 +15864,7 @@
     <p:bg>
       <p:bgPr>
         <a:solidFill>
-          <a:schemeClr val="bg1"/>
+          <a:schemeClr val="tx1"/>
         </a:solidFill>
         <a:effectLst/>
       </p:bgPr>
@@ -15094,528 +15883,12 @@
           <a:chExt cx="0" cy="0"/>
         </a:xfrm>
       </p:grpSpPr>
-      <p:sp useBgFill="1">
-        <p:nvSpPr>
-          <p:cNvPr id="24" name="Rectangle 23">
-            <a:extLst>
-              <a:ext uri="{FF2B5EF4-FFF2-40B4-BE49-F238E27FC236}">
-                <a16:creationId xmlns:a16="http://schemas.microsoft.com/office/drawing/2014/main" id="{4AC6B390-BC59-4F1D-A0EE-D71A92F0A0B2}"/>
-              </a:ext>
-              <a:ext uri="{C183D7F6-B498-43B3-948B-1728B52AA6E4}">
-                <adec:decorative xmlns:adec="http://schemas.microsoft.com/office/drawing/2017/decorative" val="1"/>
-              </a:ext>
-            </a:extLst>
-          </p:cNvPr>
-          <p:cNvSpPr>
-            <a:spLocks noGrp="1" noRot="1" noChangeAspect="1" noMove="1" noResize="1" noEditPoints="1" noAdjustHandles="1" noChangeArrowheads="1" noChangeShapeType="1" noTextEdit="1"/>
-          </p:cNvSpPr>
-          <p:nvPr>
-            <p:extLst>
-              <p:ext uri="{386F3935-93C4-4BCD-93E2-E3B085C9AB24}">
-                <p16:designElem xmlns:p16="http://schemas.microsoft.com/office/powerpoint/2015/main" val="1"/>
-              </p:ext>
-            </p:extLst>
-          </p:nvPr>
-        </p:nvSpPr>
-        <p:spPr bwMode="white">
-          <a:xfrm>
-            <a:off x="0" y="0"/>
-            <a:ext cx="12192000" cy="6858000"/>
-          </a:xfrm>
-          <a:prstGeom prst="rect">
-            <a:avLst/>
-          </a:prstGeom>
-          <a:ln>
-            <a:noFill/>
-          </a:ln>
-        </p:spPr>
-        <p:style>
-          <a:lnRef idx="2">
-            <a:schemeClr val="accent1">
-              <a:shade val="50000"/>
-            </a:schemeClr>
-          </a:lnRef>
-          <a:fillRef idx="1">
-            <a:schemeClr val="accent1"/>
-          </a:fillRef>
-          <a:effectRef idx="0">
-            <a:schemeClr val="accent1"/>
-          </a:effectRef>
-          <a:fontRef idx="minor">
-            <a:schemeClr val="lt1"/>
-          </a:fontRef>
-        </p:style>
-        <p:txBody>
-          <a:bodyPr rtlCol="0" anchor="ctr"/>
-          <a:lstStyle>
-            <a:defPPr>
-              <a:defRPr lang="en-US"/>
-            </a:defPPr>
-            <a:lvl1pPr marL="0" algn="l" defTabSz="914400" rtl="0" eaLnBrk="1" latinLnBrk="0" hangingPunct="1">
-              <a:defRPr sz="1800" kern="1200">
-                <a:solidFill>
-                  <a:schemeClr val="lt1"/>
-                </a:solidFill>
-                <a:latin typeface="+mn-lt"/>
-                <a:ea typeface="+mn-ea"/>
-                <a:cs typeface="+mn-cs"/>
-              </a:defRPr>
-            </a:lvl1pPr>
-            <a:lvl2pPr marL="457200" algn="l" defTabSz="914400" rtl="0" eaLnBrk="1" latinLnBrk="0" hangingPunct="1">
-              <a:defRPr sz="1800" kern="1200">
-                <a:solidFill>
-                  <a:schemeClr val="lt1"/>
-                </a:solidFill>
-                <a:latin typeface="+mn-lt"/>
-                <a:ea typeface="+mn-ea"/>
-                <a:cs typeface="+mn-cs"/>
-              </a:defRPr>
-            </a:lvl2pPr>
-            <a:lvl3pPr marL="914400" algn="l" defTabSz="914400" rtl="0" eaLnBrk="1" latinLnBrk="0" hangingPunct="1">
-              <a:defRPr sz="1800" kern="1200">
-                <a:solidFill>
-                  <a:schemeClr val="lt1"/>
-                </a:solidFill>
-                <a:latin typeface="+mn-lt"/>
-                <a:ea typeface="+mn-ea"/>
-                <a:cs typeface="+mn-cs"/>
-              </a:defRPr>
-            </a:lvl3pPr>
-            <a:lvl4pPr marL="1371600" algn="l" defTabSz="914400" rtl="0" eaLnBrk="1" latinLnBrk="0" hangingPunct="1">
-              <a:defRPr sz="1800" kern="1200">
-                <a:solidFill>
-                  <a:schemeClr val="lt1"/>
-                </a:solidFill>
-                <a:latin typeface="+mn-lt"/>
-                <a:ea typeface="+mn-ea"/>
-                <a:cs typeface="+mn-cs"/>
-              </a:defRPr>
-            </a:lvl4pPr>
-            <a:lvl5pPr marL="1828800" algn="l" defTabSz="914400" rtl="0" eaLnBrk="1" latinLnBrk="0" hangingPunct="1">
-              <a:defRPr sz="1800" kern="1200">
-                <a:solidFill>
-                  <a:schemeClr val="lt1"/>
-                </a:solidFill>
-                <a:latin typeface="+mn-lt"/>
-                <a:ea typeface="+mn-ea"/>
-                <a:cs typeface="+mn-cs"/>
-              </a:defRPr>
-            </a:lvl5pPr>
-            <a:lvl6pPr marL="2286000" algn="l" defTabSz="914400" rtl="0" eaLnBrk="1" latinLnBrk="0" hangingPunct="1">
-              <a:defRPr sz="1800" kern="1200">
-                <a:solidFill>
-                  <a:schemeClr val="lt1"/>
-                </a:solidFill>
-                <a:latin typeface="+mn-lt"/>
-                <a:ea typeface="+mn-ea"/>
-                <a:cs typeface="+mn-cs"/>
-              </a:defRPr>
-            </a:lvl6pPr>
-            <a:lvl7pPr marL="2743200" algn="l" defTabSz="914400" rtl="0" eaLnBrk="1" latinLnBrk="0" hangingPunct="1">
-              <a:defRPr sz="1800" kern="1200">
-                <a:solidFill>
-                  <a:schemeClr val="lt1"/>
-                </a:solidFill>
-                <a:latin typeface="+mn-lt"/>
-                <a:ea typeface="+mn-ea"/>
-                <a:cs typeface="+mn-cs"/>
-              </a:defRPr>
-            </a:lvl7pPr>
-            <a:lvl8pPr marL="3200400" algn="l" defTabSz="914400" rtl="0" eaLnBrk="1" latinLnBrk="0" hangingPunct="1">
-              <a:defRPr sz="1800" kern="1200">
-                <a:solidFill>
-                  <a:schemeClr val="lt1"/>
-                </a:solidFill>
-                <a:latin typeface="+mn-lt"/>
-                <a:ea typeface="+mn-ea"/>
-                <a:cs typeface="+mn-cs"/>
-              </a:defRPr>
-            </a:lvl8pPr>
-            <a:lvl9pPr marL="3657600" algn="l" defTabSz="914400" rtl="0" eaLnBrk="1" latinLnBrk="0" hangingPunct="1">
-              <a:defRPr sz="1800" kern="1200">
-                <a:solidFill>
-                  <a:schemeClr val="lt1"/>
-                </a:solidFill>
-                <a:latin typeface="+mn-lt"/>
-                <a:ea typeface="+mn-ea"/>
-                <a:cs typeface="+mn-cs"/>
-              </a:defRPr>
-            </a:lvl9pPr>
-          </a:lstStyle>
-          <a:p>
-            <a:pPr marL="0" marR="0" lvl="0" indent="0" algn="ctr" defTabSz="914400" rtl="0" eaLnBrk="1" fontAlgn="auto" latinLnBrk="0" hangingPunct="1">
-              <a:lnSpc>
-                <a:spcPct val="100000"/>
-              </a:lnSpc>
-              <a:spcBef>
-                <a:spcPts val="0"/>
-              </a:spcBef>
-              <a:spcAft>
-                <a:spcPts val="0"/>
-              </a:spcAft>
-              <a:buClrTx/>
-              <a:buSzTx/>
-              <a:buFontTx/>
-              <a:buNone/>
-              <a:tabLst/>
-              <a:defRPr/>
-            </a:pPr>
-            <a:endParaRPr kumimoji="0" lang="en-US" sz="1800" b="0" i="0" u="none" strike="noStrike" kern="1200" cap="none" spc="0" normalizeH="0" baseline="0" noProof="0">
-              <a:ln>
-                <a:noFill/>
-              </a:ln>
-              <a:solidFill>
-                <a:prstClr val="white"/>
-              </a:solidFill>
-              <a:effectLst/>
-              <a:uLnTx/>
-              <a:uFillTx/>
-              <a:latin typeface="Calibri" panose="020F0502020204030204"/>
-              <a:ea typeface="+mn-ea"/>
-              <a:cs typeface="+mn-cs"/>
-            </a:endParaRPr>
-          </a:p>
-        </p:txBody>
-      </p:sp>
       <p:sp>
         <p:nvSpPr>
-          <p:cNvPr id="26" name="Freeform: Shape 25">
+          <p:cNvPr id="6" name="Slide Number Placeholder 5">
             <a:extLst>
               <a:ext uri="{FF2B5EF4-FFF2-40B4-BE49-F238E27FC236}">
-                <a16:creationId xmlns:a16="http://schemas.microsoft.com/office/drawing/2014/main" id="{B6C60D79-16F1-4C4B-B7E3-7634E7069CDE}"/>
-              </a:ext>
-              <a:ext uri="{C183D7F6-B498-43B3-948B-1728B52AA6E4}">
-                <adec:decorative xmlns:adec="http://schemas.microsoft.com/office/drawing/2017/decorative" val="1"/>
-              </a:ext>
-            </a:extLst>
-          </p:cNvPr>
-          <p:cNvSpPr>
-            <a:spLocks noGrp="1" noRot="1" noChangeAspect="1" noMove="1" noResize="1" noEditPoints="1" noAdjustHandles="1" noChangeArrowheads="1" noChangeShapeType="1" noTextEdit="1"/>
-          </p:cNvSpPr>
-          <p:nvPr>
-            <p:extLst>
-              <p:ext uri="{386F3935-93C4-4BCD-93E2-E3B085C9AB24}">
-                <p16:designElem xmlns:p16="http://schemas.microsoft.com/office/powerpoint/2015/main" val="1"/>
-              </p:ext>
-            </p:extLst>
-          </p:nvPr>
-        </p:nvSpPr>
-        <p:spPr>
-          <a:xfrm>
-            <a:off x="9519137" y="5486400"/>
-            <a:ext cx="2672863" cy="1371600"/>
-          </a:xfrm>
-          <a:custGeom>
-            <a:avLst/>
-            <a:gdLst>
-              <a:gd name="connsiteX0" fmla="*/ 1721734 w 2672863"/>
-              <a:gd name="connsiteY0" fmla="*/ 0 h 1371600"/>
-              <a:gd name="connsiteX1" fmla="*/ 2564444 w 2672863"/>
-              <a:gd name="connsiteY1" fmla="*/ 213382 h 1371600"/>
-              <a:gd name="connsiteX2" fmla="*/ 2672863 w 2672863"/>
-              <a:gd name="connsiteY2" fmla="*/ 279248 h 1371600"/>
-              <a:gd name="connsiteX3" fmla="*/ 2672863 w 2672863"/>
-              <a:gd name="connsiteY3" fmla="*/ 1371600 h 1371600"/>
-              <a:gd name="connsiteX4" fmla="*/ 0 w 2672863"/>
-              <a:gd name="connsiteY4" fmla="*/ 1371600 h 1371600"/>
-              <a:gd name="connsiteX5" fmla="*/ 33268 w 2672863"/>
-              <a:gd name="connsiteY5" fmla="*/ 1242216 h 1371600"/>
-              <a:gd name="connsiteX6" fmla="*/ 1721734 w 2672863"/>
-              <a:gd name="connsiteY6" fmla="*/ 0 h 1371600"/>
-            </a:gdLst>
-            <a:ahLst/>
-            <a:cxnLst>
-              <a:cxn ang="0">
-                <a:pos x="connsiteX0" y="connsiteY0"/>
-              </a:cxn>
-              <a:cxn ang="0">
-                <a:pos x="connsiteX1" y="connsiteY1"/>
-              </a:cxn>
-              <a:cxn ang="0">
-                <a:pos x="connsiteX2" y="connsiteY2"/>
-              </a:cxn>
-              <a:cxn ang="0">
-                <a:pos x="connsiteX3" y="connsiteY3"/>
-              </a:cxn>
-              <a:cxn ang="0">
-                <a:pos x="connsiteX4" y="connsiteY4"/>
-              </a:cxn>
-              <a:cxn ang="0">
-                <a:pos x="connsiteX5" y="connsiteY5"/>
-              </a:cxn>
-              <a:cxn ang="0">
-                <a:pos x="connsiteX6" y="connsiteY6"/>
-              </a:cxn>
-            </a:cxnLst>
-            <a:rect l="l" t="t" r="r" b="b"/>
-            <a:pathLst>
-              <a:path w="2672863" h="1371600">
-                <a:moveTo>
-                  <a:pt x="1721734" y="0"/>
-                </a:moveTo>
-                <a:cubicBezTo>
-                  <a:pt x="2026863" y="0"/>
-                  <a:pt x="2313937" y="77299"/>
-                  <a:pt x="2564444" y="213382"/>
-                </a:cubicBezTo>
-                <a:lnTo>
-                  <a:pt x="2672863" y="279248"/>
-                </a:lnTo>
-                <a:lnTo>
-                  <a:pt x="2672863" y="1371600"/>
-                </a:lnTo>
-                <a:lnTo>
-                  <a:pt x="0" y="1371600"/>
-                </a:lnTo>
-                <a:lnTo>
-                  <a:pt x="33268" y="1242216"/>
-                </a:lnTo>
-                <a:cubicBezTo>
-                  <a:pt x="257110" y="522539"/>
-                  <a:pt x="928399" y="0"/>
-                  <a:pt x="1721734" y="0"/>
-                </a:cubicBezTo>
-                <a:close/>
-              </a:path>
-            </a:pathLst>
-          </a:custGeom>
-          <a:solidFill>
-            <a:schemeClr val="accent4"/>
-          </a:solidFill>
-          <a:ln>
-            <a:noFill/>
-          </a:ln>
-        </p:spPr>
-        <p:style>
-          <a:lnRef idx="2">
-            <a:schemeClr val="accent1">
-              <a:shade val="50000"/>
-            </a:schemeClr>
-          </a:lnRef>
-          <a:fillRef idx="1">
-            <a:schemeClr val="accent1"/>
-          </a:fillRef>
-          <a:effectRef idx="0">
-            <a:schemeClr val="accent1"/>
-          </a:effectRef>
-          <a:fontRef idx="minor">
-            <a:schemeClr val="lt1"/>
-          </a:fontRef>
-        </p:style>
-        <p:txBody>
-          <a:bodyPr wrap="square" rtlCol="0" anchor="ctr">
-            <a:noAutofit/>
-          </a:bodyPr>
-          <a:lstStyle/>
-          <a:p>
-            <a:pPr marL="0" marR="0" lvl="0" indent="0" algn="ctr" defTabSz="914400" rtl="0" eaLnBrk="1" fontAlgn="auto" latinLnBrk="0" hangingPunct="1">
-              <a:lnSpc>
-                <a:spcPct val="100000"/>
-              </a:lnSpc>
-              <a:spcBef>
-                <a:spcPts val="0"/>
-              </a:spcBef>
-              <a:spcAft>
-                <a:spcPts val="0"/>
-              </a:spcAft>
-              <a:buClrTx/>
-              <a:buSzTx/>
-              <a:buFontTx/>
-              <a:buNone/>
-              <a:tabLst/>
-              <a:defRPr/>
-            </a:pPr>
-            <a:endParaRPr kumimoji="0" lang="en-US" sz="1800" b="0" i="0" u="none" strike="noStrike" kern="1200" cap="none" spc="0" normalizeH="0" baseline="0" noProof="0">
-              <a:ln>
-                <a:noFill/>
-              </a:ln>
-              <a:solidFill>
-                <a:prstClr val="white"/>
-              </a:solidFill>
-              <a:effectLst/>
-              <a:uLnTx/>
-              <a:uFillTx/>
-              <a:latin typeface="Calibri" panose="020F0502020204030204"/>
-              <a:ea typeface="+mn-ea"/>
-              <a:cs typeface="+mn-cs"/>
-            </a:endParaRPr>
-          </a:p>
-        </p:txBody>
-      </p:sp>
-      <p:pic>
-        <p:nvPicPr>
-          <p:cNvPr id="5" name="Picture 4">
-            <a:extLst>
-              <a:ext uri="{FF2B5EF4-FFF2-40B4-BE49-F238E27FC236}">
-                <a16:creationId xmlns:a16="http://schemas.microsoft.com/office/drawing/2014/main" id="{68258199-ED37-45BB-AB20-5DCE48204EBF}"/>
-              </a:ext>
-            </a:extLst>
-          </p:cNvPr>
-          <p:cNvPicPr>
-            <a:picLocks noChangeAspect="1"/>
-          </p:cNvPicPr>
-          <p:nvPr/>
-        </p:nvPicPr>
-        <p:blipFill>
-          <a:blip r:embed="rId2"/>
-          <a:stretch>
-            <a:fillRect/>
-          </a:stretch>
-        </p:blipFill>
-        <p:spPr>
-          <a:xfrm>
-            <a:off x="4833918" y="2871681"/>
-            <a:ext cx="6948317" cy="2223460"/>
-          </a:xfrm>
-          <a:custGeom>
-            <a:avLst/>
-            <a:gdLst/>
-            <a:ahLst/>
-            <a:cxnLst/>
-            <a:rect l="l" t="t" r="r" b="b"/>
-            <a:pathLst>
-              <a:path w="4777381" h="5643794">
-                <a:moveTo>
-                  <a:pt x="143704" y="0"/>
-                </a:moveTo>
-                <a:lnTo>
-                  <a:pt x="4633677" y="0"/>
-                </a:lnTo>
-                <a:cubicBezTo>
-                  <a:pt x="4713043" y="0"/>
-                  <a:pt x="4777381" y="64338"/>
-                  <a:pt x="4777381" y="143704"/>
-                </a:cubicBezTo>
-                <a:lnTo>
-                  <a:pt x="4777381" y="5500090"/>
-                </a:lnTo>
-                <a:cubicBezTo>
-                  <a:pt x="4777381" y="5579456"/>
-                  <a:pt x="4713043" y="5643794"/>
-                  <a:pt x="4633677" y="5643794"/>
-                </a:cubicBezTo>
-                <a:lnTo>
-                  <a:pt x="143704" y="5643794"/>
-                </a:lnTo>
-                <a:cubicBezTo>
-                  <a:pt x="64338" y="5643794"/>
-                  <a:pt x="0" y="5579456"/>
-                  <a:pt x="0" y="5500090"/>
-                </a:cubicBezTo>
-                <a:lnTo>
-                  <a:pt x="0" y="143704"/>
-                </a:lnTo>
-                <a:cubicBezTo>
-                  <a:pt x="0" y="64338"/>
-                  <a:pt x="64338" y="0"/>
-                  <a:pt x="143704" y="0"/>
-                </a:cubicBezTo>
-                <a:close/>
-              </a:path>
-            </a:pathLst>
-          </a:custGeom>
-        </p:spPr>
-      </p:pic>
-      <p:sp>
-        <p:nvSpPr>
-          <p:cNvPr id="28" name="Arc 27">
-            <a:extLst>
-              <a:ext uri="{FF2B5EF4-FFF2-40B4-BE49-F238E27FC236}">
-                <a16:creationId xmlns:a16="http://schemas.microsoft.com/office/drawing/2014/main" id="{426B127E-6498-4C77-9C9D-4553A5113B80}"/>
-              </a:ext>
-              <a:ext uri="{C183D7F6-B498-43B3-948B-1728B52AA6E4}">
-                <adec:decorative xmlns:adec="http://schemas.microsoft.com/office/drawing/2017/decorative" val="1"/>
-              </a:ext>
-            </a:extLst>
-          </p:cNvPr>
-          <p:cNvSpPr>
-            <a:spLocks noGrp="1" noRot="1" noChangeAspect="1" noMove="1" noResize="1" noEditPoints="1" noAdjustHandles="1" noChangeArrowheads="1" noChangeShapeType="1" noTextEdit="1"/>
-          </p:cNvSpPr>
-          <p:nvPr>
-            <p:extLst>
-              <p:ext uri="{386F3935-93C4-4BCD-93E2-E3B085C9AB24}">
-                <p16:designElem xmlns:p16="http://schemas.microsoft.com/office/powerpoint/2015/main" val="1"/>
-              </p:ext>
-            </p:extLst>
-          </p:nvPr>
-        </p:nvSpPr>
-        <p:spPr>
-          <a:xfrm>
-            <a:off x="4602050" y="650160"/>
-            <a:ext cx="2987899" cy="2987899"/>
-          </a:xfrm>
-          <a:prstGeom prst="arc">
-            <a:avLst>
-              <a:gd name="adj1" fmla="val 14441841"/>
-              <a:gd name="adj2" fmla="val 0"/>
-            </a:avLst>
-          </a:prstGeom>
-          <a:ln w="127000" cap="rnd">
-            <a:solidFill>
-              <a:schemeClr val="accent4"/>
-            </a:solidFill>
-            <a:prstDash val="dash"/>
-            <a:miter lim="800000"/>
-          </a:ln>
-        </p:spPr>
-        <p:style>
-          <a:lnRef idx="1">
-            <a:schemeClr val="accent1"/>
-          </a:lnRef>
-          <a:fillRef idx="0">
-            <a:schemeClr val="accent1"/>
-          </a:fillRef>
-          <a:effectRef idx="0">
-            <a:schemeClr val="accent1"/>
-          </a:effectRef>
-          <a:fontRef idx="minor">
-            <a:schemeClr val="tx1"/>
-          </a:fontRef>
-        </p:style>
-        <p:txBody>
-          <a:bodyPr rtlCol="0" anchor="ctr"/>
-          <a:lstStyle/>
-          <a:p>
-            <a:pPr marL="0" marR="0" lvl="0" indent="0" algn="ctr" defTabSz="914400" rtl="0" eaLnBrk="1" fontAlgn="auto" latinLnBrk="0" hangingPunct="1">
-              <a:lnSpc>
-                <a:spcPct val="100000"/>
-              </a:lnSpc>
-              <a:spcBef>
-                <a:spcPts val="0"/>
-              </a:spcBef>
-              <a:spcAft>
-                <a:spcPts val="0"/>
-              </a:spcAft>
-              <a:buClrTx/>
-              <a:buSzTx/>
-              <a:buFontTx/>
-              <a:buNone/>
-              <a:tabLst/>
-              <a:defRPr/>
-            </a:pPr>
-            <a:endParaRPr kumimoji="0" lang="en-US" sz="1800" b="0" i="0" u="none" strike="noStrike" kern="1200" cap="none" spc="0" normalizeH="0" baseline="0" noProof="0">
-              <a:ln>
-                <a:noFill/>
-              </a:ln>
-              <a:solidFill>
-                <a:srgbClr val="000000"/>
-              </a:solidFill>
-              <a:effectLst/>
-              <a:uLnTx/>
-              <a:uFillTx/>
-              <a:latin typeface="Calibri" panose="020F0502020204030204"/>
-              <a:ea typeface="+mn-ea"/>
-              <a:cs typeface="+mn-cs"/>
-            </a:endParaRPr>
-          </a:p>
-        </p:txBody>
-      </p:sp>
-      <p:sp>
-        <p:nvSpPr>
-          <p:cNvPr id="19" name="Title 1">
-            <a:extLst>
-              <a:ext uri="{FF2B5EF4-FFF2-40B4-BE49-F238E27FC236}">
-                <a16:creationId xmlns:a16="http://schemas.microsoft.com/office/drawing/2014/main" id="{1C662E59-D267-4107-9038-8138ECF4D409}"/>
+                <a16:creationId xmlns:a16="http://schemas.microsoft.com/office/drawing/2014/main" id="{FF11E48F-02D3-4592-9112-69B020E44146}"/>
               </a:ext>
             </a:extLst>
           </p:cNvPr>
@@ -15623,25 +15896,37 @@
             <a:spLocks noGrp="1"/>
           </p:cNvSpPr>
           <p:nvPr>
-            <p:ph type="title"/>
+            <p:ph type="sldNum" sz="quarter" idx="12"/>
           </p:nvPr>
         </p:nvSpPr>
-        <p:spPr>
-          <a:xfrm>
-            <a:off x="838201" y="479494"/>
-            <a:ext cx="5257800" cy="791042"/>
-          </a:xfrm>
-        </p:spPr>
+        <p:spPr/>
         <p:txBody>
-          <a:bodyPr vert="horz" lIns="91440" tIns="45720" rIns="91440" bIns="45720" rtlCol="0" anchor="ctr">
-            <a:normAutofit/>
-          </a:bodyPr>
+          <a:bodyPr/>
           <a:lstStyle/>
           <a:p>
-            <a:r>
-              <a:rPr lang="en-US" sz="2400" dirty="0"/>
-              <a:t>Observation – 4</a:t>
-            </a:r>
+            <a:pPr>
+              <a:defRPr/>
+            </a:pPr>
+            <a:fld id="{D76B855D-E9CC-4FF8-AD85-6CDC7B89A0DE}" type="slidenum">
+              <a:rPr lang="en-US" smtClean="0">
+                <a:solidFill>
+                  <a:prstClr val="black">
+                    <a:tint val="75000"/>
+                  </a:prstClr>
+                </a:solidFill>
+              </a:rPr>
+              <a:pPr>
+                <a:defRPr/>
+              </a:pPr>
+              <a:t>5</a:t>
+            </a:fld>
+            <a:endParaRPr lang="en-US" dirty="0">
+              <a:solidFill>
+                <a:prstClr val="black">
+                  <a:tint val="75000"/>
+                </a:prstClr>
+              </a:solidFill>
+            </a:endParaRPr>
           </a:p>
         </p:txBody>
       </p:sp>
@@ -15661,8 +15946,8 @@
         </p:nvSpPr>
         <p:spPr>
           <a:xfrm>
-            <a:off x="838199" y="1601145"/>
-            <a:ext cx="5257800" cy="1085928"/>
+            <a:off x="838200" y="1317939"/>
+            <a:ext cx="10363424" cy="637563"/>
           </a:xfrm>
           <a:prstGeom prst="rect">
             <a:avLst/>
@@ -15837,28 +16122,19 @@
             </a:lvl9pPr>
           </a:lstStyle>
           <a:p>
-            <a:r>
-              <a:rPr lang="en-US" sz="2400" i="1" dirty="0"/>
-              <a:t>Home Ownership Pattern doesn't signify the risk of loan default as there is hardly any difference</a:t>
-            </a:r>
-          </a:p>
-          <a:p>
-            <a:endParaRPr lang="en-US" sz="2400" i="1" dirty="0"/>
-          </a:p>
-          <a:p>
-            <a:endParaRPr lang="en-US" sz="2400" i="1" dirty="0"/>
-          </a:p>
-          <a:p>
-            <a:endParaRPr lang="en-US" sz="2400" i="1" dirty="0"/>
+            <a:pPr marL="0" indent="0">
+              <a:buNone/>
+            </a:pPr>
+            <a:endParaRPr lang="en-GB" sz="1600" i="1" dirty="0"/>
           </a:p>
         </p:txBody>
       </p:sp>
       <p:sp>
         <p:nvSpPr>
-          <p:cNvPr id="4" name="Date Placeholder 3">
+          <p:cNvPr id="19" name="Title 1">
             <a:extLst>
               <a:ext uri="{FF2B5EF4-FFF2-40B4-BE49-F238E27FC236}">
-                <a16:creationId xmlns:a16="http://schemas.microsoft.com/office/drawing/2014/main" id="{8E0EDB26-2EFA-4ECA-A495-ADE42D4212ED}"/>
+                <a16:creationId xmlns:a16="http://schemas.microsoft.com/office/drawing/2014/main" id="{1C662E59-D267-4107-9038-8138ECF4D409}"/>
               </a:ext>
             </a:extLst>
           </p:cNvPr>
@@ -15866,104 +16142,260 @@
             <a:spLocks noGrp="1"/>
           </p:cNvSpPr>
           <p:nvPr>
-            <p:ph type="dt" sz="half" idx="10"/>
+            <p:ph type="title"/>
           </p:nvPr>
         </p:nvSpPr>
         <p:spPr>
           <a:xfrm>
-            <a:off x="838200" y="6356350"/>
-            <a:ext cx="2743200" cy="365125"/>
+            <a:off x="337366" y="524199"/>
+            <a:ext cx="10515600" cy="1274472"/>
           </a:xfrm>
         </p:spPr>
         <p:txBody>
-          <a:bodyPr vert="horz" lIns="91440" tIns="45720" rIns="91440" bIns="45720" rtlCol="0" anchor="ctr">
-            <a:normAutofit/>
+          <a:bodyPr>
+            <a:normAutofit fontScale="90000"/>
           </a:bodyPr>
           <a:lstStyle/>
           <a:p>
-            <a:pPr>
-              <a:spcAft>
-                <a:spcPts val="600"/>
-              </a:spcAft>
-              <a:defRPr/>
-            </a:pPr>
-            <a:r>
-              <a:rPr lang="en-US">
-                <a:solidFill>
-                  <a:prstClr val="black">
-                    <a:tint val="75000"/>
-                  </a:prstClr>
-                </a:solidFill>
-              </a:rPr>
-              <a:t>9/3/2022</a:t>
-            </a:r>
+            <a:r>
+              <a:rPr lang="en-US" sz="2400" dirty="0">
+                <a:solidFill>
+                  <a:schemeClr val="bg1"/>
+                </a:solidFill>
+              </a:rPr>
+              <a:t>Recommendation:</a:t>
+            </a:r>
+            <a:br>
+              <a:rPr lang="en-US" sz="2400" dirty="0">
+                <a:solidFill>
+                  <a:schemeClr val="bg1"/>
+                </a:solidFill>
+              </a:rPr>
+            </a:br>
+            <a:br>
+              <a:rPr lang="en-US" sz="2400" dirty="0">
+                <a:solidFill>
+                  <a:schemeClr val="bg1"/>
+                </a:solidFill>
+              </a:rPr>
+            </a:br>
+            <a:r>
+              <a:rPr lang="en-GB" sz="2200" i="1" dirty="0">
+                <a:solidFill>
+                  <a:schemeClr val="bg1"/>
+                </a:solidFill>
+                <a:latin typeface="+mn-lt"/>
+                <a:ea typeface="+mn-ea"/>
+                <a:cs typeface="+mn-cs"/>
+              </a:rPr>
+              <a:t>Wedding and Medical loans have higher default rate</a:t>
+            </a:r>
+            <a:br>
+              <a:rPr lang="en-GB" sz="2200" i="1" dirty="0">
+                <a:solidFill>
+                  <a:schemeClr val="bg1"/>
+                </a:solidFill>
+                <a:latin typeface="+mn-lt"/>
+                <a:ea typeface="+mn-ea"/>
+                <a:cs typeface="+mn-cs"/>
+              </a:rPr>
+            </a:br>
+            <a:r>
+              <a:rPr lang="en-GB" sz="2200" i="1" dirty="0">
+                <a:solidFill>
+                  <a:schemeClr val="bg1"/>
+                </a:solidFill>
+                <a:latin typeface="+mn-lt"/>
+                <a:ea typeface="+mn-ea"/>
+                <a:cs typeface="+mn-cs"/>
+              </a:rPr>
+              <a:t>Vacation, Car and Moving loans have No defaulters</a:t>
+            </a:r>
+            <a:br>
+              <a:rPr lang="en-GB" sz="2400" dirty="0">
+                <a:solidFill>
+                  <a:schemeClr val="bg1"/>
+                </a:solidFill>
+              </a:rPr>
+            </a:br>
+            <a:r>
+              <a:rPr lang="en-GB" sz="2400" b="1" dirty="0">
+                <a:solidFill>
+                  <a:schemeClr val="bg1"/>
+                </a:solidFill>
+              </a:rPr>
+              <a:t>	* </a:t>
+            </a:r>
+            <a:r>
+              <a:rPr lang="en-GB" sz="1300" i="1" dirty="0">
+                <a:solidFill>
+                  <a:schemeClr val="bg1"/>
+                </a:solidFill>
+                <a:latin typeface="+mn-lt"/>
+                <a:ea typeface="+mn-ea"/>
+                <a:cs typeface="+mn-cs"/>
+              </a:rPr>
+              <a:t>Considering only the loan amounts above 25K USD</a:t>
+            </a:r>
+            <a:endParaRPr lang="en-GB" sz="2400" dirty="0">
+              <a:solidFill>
+                <a:schemeClr val="bg1"/>
+              </a:solidFill>
+            </a:endParaRPr>
           </a:p>
         </p:txBody>
       </p:sp>
-      <p:sp>
-        <p:nvSpPr>
-          <p:cNvPr id="6" name="Slide Number Placeholder 5">
+      <p:grpSp>
+        <p:nvGrpSpPr>
+          <p:cNvPr id="17" name="Group 16">
             <a:extLst>
               <a:ext uri="{FF2B5EF4-FFF2-40B4-BE49-F238E27FC236}">
-                <a16:creationId xmlns:a16="http://schemas.microsoft.com/office/drawing/2014/main" id="{FF11E48F-02D3-4592-9112-69B020E44146}"/>
+                <a16:creationId xmlns:a16="http://schemas.microsoft.com/office/drawing/2014/main" id="{242168F7-6DCD-43E0-8343-BC8C908FF322}"/>
               </a:ext>
             </a:extLst>
           </p:cNvPr>
-          <p:cNvSpPr>
-            <a:spLocks noGrp="1"/>
-          </p:cNvSpPr>
-          <p:nvPr>
-            <p:ph type="sldNum" sz="quarter" idx="12"/>
-          </p:nvPr>
-        </p:nvSpPr>
-        <p:spPr>
+          <p:cNvGrpSpPr/>
+          <p:nvPr/>
+        </p:nvGrpSpPr>
+        <p:grpSpPr>
           <a:xfrm>
-            <a:off x="8610600" y="6356350"/>
-            <a:ext cx="2743200" cy="365125"/>
+            <a:off x="528506" y="2298583"/>
+            <a:ext cx="11501607" cy="4046167"/>
+            <a:chOff x="1762163" y="2830025"/>
+            <a:chExt cx="10267950" cy="3514725"/>
           </a:xfrm>
-        </p:spPr>
-        <p:txBody>
-          <a:bodyPr vert="horz" lIns="91440" tIns="45720" rIns="91440" bIns="45720" rtlCol="0" anchor="ctr">
-            <a:normAutofit/>
-          </a:bodyPr>
-          <a:lstStyle/>
-          <a:p>
-            <a:pPr>
-              <a:spcAft>
-                <a:spcPts val="600"/>
-              </a:spcAft>
-              <a:defRPr/>
-            </a:pPr>
-            <a:fld id="{D76B855D-E9CC-4FF8-AD85-6CDC7B89A0DE}" type="slidenum">
-              <a:rPr lang="en-US" smtClean="0">
-                <a:solidFill>
-                  <a:prstClr val="black">
-                    <a:tint val="75000"/>
-                  </a:prstClr>
-                </a:solidFill>
-              </a:rPr>
-              <a:pPr>
-                <a:spcAft>
-                  <a:spcPts val="600"/>
-                </a:spcAft>
-                <a:defRPr/>
-              </a:pPr>
-              <a:t>5</a:t>
-            </a:fld>
-            <a:endParaRPr lang="en-US">
-              <a:solidFill>
-                <a:prstClr val="black">
-                  <a:tint val="75000"/>
-                </a:prstClr>
-              </a:solidFill>
-            </a:endParaRPr>
-          </a:p>
-        </p:txBody>
-      </p:sp>
+        </p:grpSpPr>
+        <p:pic>
+          <p:nvPicPr>
+            <p:cNvPr id="13" name="Picture 12">
+              <a:extLst>
+                <a:ext uri="{FF2B5EF4-FFF2-40B4-BE49-F238E27FC236}">
+                  <a16:creationId xmlns:a16="http://schemas.microsoft.com/office/drawing/2014/main" id="{3567D91D-F5F7-4E55-9F8F-625BE1ED716E}"/>
+                </a:ext>
+              </a:extLst>
+            </p:cNvPr>
+            <p:cNvPicPr>
+              <a:picLocks noChangeAspect="1"/>
+            </p:cNvPicPr>
+            <p:nvPr/>
+          </p:nvPicPr>
+          <p:blipFill>
+            <a:blip r:embed="rId2"/>
+            <a:stretch>
+              <a:fillRect/>
+            </a:stretch>
+          </p:blipFill>
+          <p:spPr>
+            <a:xfrm>
+              <a:off x="1762163" y="2830025"/>
+              <a:ext cx="10267950" cy="3514725"/>
+            </a:xfrm>
+            <a:prstGeom prst="rect">
+              <a:avLst/>
+            </a:prstGeom>
+          </p:spPr>
+        </p:pic>
+        <p:sp>
+          <p:nvSpPr>
+            <p:cNvPr id="11" name="Oval 10">
+              <a:extLst>
+                <a:ext uri="{FF2B5EF4-FFF2-40B4-BE49-F238E27FC236}">
+                  <a16:creationId xmlns:a16="http://schemas.microsoft.com/office/drawing/2014/main" id="{54EA104D-0BB7-47B6-9B28-1B27EAEBB7E0}"/>
+                </a:ext>
+              </a:extLst>
+            </p:cNvPr>
+            <p:cNvSpPr/>
+            <p:nvPr/>
+          </p:nvSpPr>
+          <p:spPr>
+            <a:xfrm>
+              <a:off x="9638950" y="4731391"/>
+              <a:ext cx="2055303" cy="808670"/>
+            </a:xfrm>
+            <a:prstGeom prst="ellipse">
+              <a:avLst/>
+            </a:prstGeom>
+            <a:noFill/>
+            <a:ln w="38100"/>
+          </p:spPr>
+          <p:style>
+            <a:lnRef idx="2">
+              <a:schemeClr val="accent1">
+                <a:shade val="50000"/>
+              </a:schemeClr>
+            </a:lnRef>
+            <a:fillRef idx="1">
+              <a:schemeClr val="accent1"/>
+            </a:fillRef>
+            <a:effectRef idx="0">
+              <a:schemeClr val="accent1"/>
+            </a:effectRef>
+            <a:fontRef idx="minor">
+              <a:schemeClr val="lt1"/>
+            </a:fontRef>
+          </p:style>
+          <p:txBody>
+            <a:bodyPr rtlCol="0" anchor="ctr"/>
+            <a:lstStyle/>
+            <a:p>
+              <a:pPr algn="ctr"/>
+              <a:endParaRPr lang="en-GB"/>
+            </a:p>
+          </p:txBody>
+        </p:sp>
+        <p:sp>
+          <p:nvSpPr>
+            <p:cNvPr id="20" name="Oval 19">
+              <a:extLst>
+                <a:ext uri="{FF2B5EF4-FFF2-40B4-BE49-F238E27FC236}">
+                  <a16:creationId xmlns:a16="http://schemas.microsoft.com/office/drawing/2014/main" id="{493256BE-3BAD-4018-9CF1-C372B03A1F72}"/>
+                </a:ext>
+              </a:extLst>
+            </p:cNvPr>
+            <p:cNvSpPr/>
+            <p:nvPr/>
+          </p:nvSpPr>
+          <p:spPr>
+            <a:xfrm>
+              <a:off x="2996269" y="4587387"/>
+              <a:ext cx="896224" cy="1419590"/>
+            </a:xfrm>
+            <a:prstGeom prst="ellipse">
+              <a:avLst/>
+            </a:prstGeom>
+            <a:noFill/>
+            <a:ln w="38100"/>
+          </p:spPr>
+          <p:style>
+            <a:lnRef idx="2">
+              <a:schemeClr val="accent1">
+                <a:shade val="50000"/>
+              </a:schemeClr>
+            </a:lnRef>
+            <a:fillRef idx="1">
+              <a:schemeClr val="accent1"/>
+            </a:fillRef>
+            <a:effectRef idx="0">
+              <a:schemeClr val="accent1"/>
+            </a:effectRef>
+            <a:fontRef idx="minor">
+              <a:schemeClr val="lt1"/>
+            </a:fontRef>
+          </p:style>
+          <p:txBody>
+            <a:bodyPr rtlCol="0" anchor="ctr"/>
+            <a:lstStyle/>
+            <a:p>
+              <a:pPr algn="ctr"/>
+              <a:endParaRPr lang="en-GB"/>
+            </a:p>
+          </p:txBody>
+        </p:sp>
+      </p:grpSp>
     </p:spTree>
     <p:extLst>
       <p:ext uri="{BB962C8B-B14F-4D97-AF65-F5344CB8AC3E}">
-        <p14:creationId xmlns:p14="http://schemas.microsoft.com/office/powerpoint/2010/main" val="1794262696"/>
+        <p14:creationId xmlns:p14="http://schemas.microsoft.com/office/powerpoint/2010/main" val="623746011"/>
       </p:ext>
     </p:extLst>
   </p:cSld>
@@ -15976,6 +16408,14 @@
 <file path=ppt/slides/slide6.xml><?xml version="1.0" encoding="utf-8"?>
 <p:sld xmlns:a="http://schemas.openxmlformats.org/drawingml/2006/main" xmlns:r="http://schemas.openxmlformats.org/officeDocument/2006/relationships" xmlns:p="http://schemas.openxmlformats.org/presentationml/2006/main">
   <p:cSld>
+    <p:bg>
+      <p:bgPr>
+        <a:solidFill>
+          <a:schemeClr val="tx1"/>
+        </a:solidFill>
+        <a:effectLst/>
+      </p:bgPr>
+    </p:bg>
     <p:spTree>
       <p:nvGrpSpPr>
         <p:cNvPr id="1" name=""/>
@@ -15992,43 +16432,6 @@
       </p:grpSpPr>
       <p:sp>
         <p:nvSpPr>
-          <p:cNvPr id="4" name="Date Placeholder 3">
-            <a:extLst>
-              <a:ext uri="{FF2B5EF4-FFF2-40B4-BE49-F238E27FC236}">
-                <a16:creationId xmlns:a16="http://schemas.microsoft.com/office/drawing/2014/main" id="{8E0EDB26-2EFA-4ECA-A495-ADE42D4212ED}"/>
-              </a:ext>
-            </a:extLst>
-          </p:cNvPr>
-          <p:cNvSpPr>
-            <a:spLocks noGrp="1"/>
-          </p:cNvSpPr>
-          <p:nvPr>
-            <p:ph type="dt" sz="half" idx="10"/>
-          </p:nvPr>
-        </p:nvSpPr>
-        <p:spPr/>
-        <p:txBody>
-          <a:bodyPr/>
-          <a:lstStyle/>
-          <a:p>
-            <a:pPr>
-              <a:defRPr/>
-            </a:pPr>
-            <a:r>
-              <a:rPr lang="en-US" dirty="0">
-                <a:solidFill>
-                  <a:prstClr val="black">
-                    <a:tint val="75000"/>
-                  </a:prstClr>
-                </a:solidFill>
-              </a:rPr>
-              <a:t>9/3/2022</a:t>
-            </a:r>
-          </a:p>
-        </p:txBody>
-      </p:sp>
-      <p:sp>
-        <p:nvSpPr>
           <p:cNvPr id="6" name="Slide Number Placeholder 5">
             <a:extLst>
               <a:ext uri="{FF2B5EF4-FFF2-40B4-BE49-F238E27FC236}">
@@ -16090,8 +16493,8 @@
         </p:nvSpPr>
         <p:spPr>
           <a:xfrm>
-            <a:off x="220613" y="939976"/>
-            <a:ext cx="5987240" cy="1551554"/>
+            <a:off x="220613" y="1068122"/>
+            <a:ext cx="5747860" cy="1836781"/>
           </a:xfrm>
           <a:prstGeom prst="rect">
             <a:avLst/>
@@ -16099,7 +16502,7 @@
         </p:spPr>
         <p:txBody>
           <a:bodyPr vert="horz" lIns="91440" tIns="45720" rIns="91440" bIns="45720" rtlCol="0" anchor="ctr">
-            <a:normAutofit/>
+            <a:normAutofit fontScale="92500"/>
           </a:bodyPr>
           <a:lstStyle>
             <a:lvl1pPr algn="l" defTabSz="914400" rtl="0" eaLnBrk="1" latinLnBrk="0" hangingPunct="1">
@@ -16127,11 +16530,55 @@
             </a:pPr>
             <a:r>
               <a:rPr lang="en-GB" sz="2000" i="1" dirty="0">
+                <a:solidFill>
+                  <a:schemeClr val="bg1"/>
+                </a:solidFill>
                 <a:latin typeface="+mn-lt"/>
                 <a:ea typeface="+mn-ea"/>
                 <a:cs typeface="+mn-cs"/>
               </a:rPr>
-              <a:t>Longer the term, higher the loan amount taken</a:t>
+              <a:t>Longer the term, higher the loan amount taken </a:t>
+            </a:r>
+          </a:p>
+          <a:p>
+            <a:endParaRPr lang="en-GB" sz="100" i="1" dirty="0">
+              <a:solidFill>
+                <a:schemeClr val="bg1"/>
+              </a:solidFill>
+              <a:latin typeface="+mn-lt"/>
+              <a:ea typeface="+mn-ea"/>
+              <a:cs typeface="+mn-cs"/>
+            </a:endParaRPr>
+          </a:p>
+          <a:p>
+            <a:pPr marL="800100" lvl="1" indent="-342900">
+              <a:buFont typeface="Arial" panose="020B0604020202020204" pitchFamily="34" charset="0"/>
+              <a:buChar char="•"/>
+            </a:pPr>
+            <a:endParaRPr lang="en-GB" sz="100" i="1" dirty="0">
+              <a:solidFill>
+                <a:schemeClr val="bg1"/>
+              </a:solidFill>
+              <a:latin typeface="+mn-lt"/>
+              <a:ea typeface="+mn-ea"/>
+              <a:cs typeface="+mn-cs"/>
+            </a:endParaRPr>
+          </a:p>
+          <a:p>
+            <a:pPr marL="800100" lvl="1" indent="-342900">
+              <a:buFont typeface="Arial" panose="020B0604020202020204" pitchFamily="34" charset="0"/>
+              <a:buChar char="•"/>
+            </a:pPr>
+            <a:r>
+              <a:rPr lang="en-GB" sz="100" i="1" dirty="0">
+                <a:solidFill>
+                  <a:schemeClr val="bg1"/>
+                </a:solidFill>
+                <a:latin typeface="+mn-lt"/>
+                <a:ea typeface="+mn-ea"/>
+                <a:cs typeface="+mn-cs"/>
+              </a:rPr>
+              <a:t>a</a:t>
             </a:r>
           </a:p>
           <a:p>
@@ -16140,12 +16587,87 @@
               <a:buChar char="•"/>
             </a:pPr>
             <a:r>
-              <a:rPr lang="en-GB" sz="2000" i="1" dirty="0">
+              <a:rPr lang="en-GB" sz="2100" i="1" dirty="0">
+                <a:solidFill>
+                  <a:schemeClr val="bg1"/>
+                </a:solidFill>
                 <a:latin typeface="+mn-lt"/>
                 <a:ea typeface="+mn-ea"/>
                 <a:cs typeface="+mn-cs"/>
               </a:rPr>
-              <a:t>Higher loan amounts are predominantly taken for Debt Consolidation, Home Improvement &amp; Credit Card</a:t>
+              <a:t>A large portion of </a:t>
+            </a:r>
+            <a:r>
+              <a:rPr lang="en-GB" sz="2100" b="1" i="1" dirty="0">
+                <a:solidFill>
+                  <a:schemeClr val="bg1"/>
+                </a:solidFill>
+                <a:latin typeface="+mn-lt"/>
+                <a:ea typeface="+mn-ea"/>
+                <a:cs typeface="+mn-cs"/>
+              </a:rPr>
+              <a:t>high</a:t>
+            </a:r>
+            <a:r>
+              <a:rPr lang="en-GB" sz="2100" i="1" dirty="0">
+                <a:solidFill>
+                  <a:schemeClr val="bg1"/>
+                </a:solidFill>
+                <a:latin typeface="+mn-lt"/>
+                <a:ea typeface="+mn-ea"/>
+                <a:cs typeface="+mn-cs"/>
+              </a:rPr>
+              <a:t> loan amounts are for Debt Consolidation, Credit Card &amp; Home Improvement</a:t>
+            </a:r>
+          </a:p>
+          <a:p>
+            <a:pPr marL="342900" indent="-342900">
+              <a:buFont typeface="Arial" panose="020B0604020202020204" pitchFamily="34" charset="0"/>
+              <a:buChar char="•"/>
+            </a:pPr>
+            <a:r>
+              <a:rPr lang="en-GB" sz="2100" b="1" i="1" dirty="0">
+                <a:solidFill>
+                  <a:schemeClr val="bg1"/>
+                </a:solidFill>
+                <a:latin typeface="+mn-lt"/>
+                <a:ea typeface="+mn-ea"/>
+                <a:cs typeface="+mn-cs"/>
+              </a:rPr>
+              <a:t>3/4</a:t>
+            </a:r>
+            <a:r>
+              <a:rPr lang="en-GB" sz="2100" b="1" i="1" baseline="30000" dirty="0">
+                <a:solidFill>
+                  <a:schemeClr val="bg1"/>
+                </a:solidFill>
+                <a:latin typeface="+mn-lt"/>
+                <a:ea typeface="+mn-ea"/>
+                <a:cs typeface="+mn-cs"/>
+              </a:rPr>
+              <a:t>th</a:t>
+            </a:r>
+            <a:r>
+              <a:rPr lang="en-GB" sz="2100" b="1" i="1" dirty="0">
+                <a:solidFill>
+                  <a:schemeClr val="bg1"/>
+                </a:solidFill>
+                <a:latin typeface="+mn-lt"/>
+                <a:ea typeface="+mn-ea"/>
+                <a:cs typeface="+mn-cs"/>
+              </a:rPr>
+              <a:t> of the loans </a:t>
+            </a:r>
+            <a:r>
+              <a:rPr lang="en-GB" sz="2100" i="1" dirty="0">
+                <a:solidFill>
+                  <a:schemeClr val="bg1"/>
+                </a:solidFill>
+                <a:latin typeface="+mn-lt"/>
+                <a:ea typeface="+mn-ea"/>
+                <a:cs typeface="+mn-cs"/>
+              </a:rPr>
+              <a:t>taken are for the above 3 categories</a:t>
             </a:r>
           </a:p>
           <a:p>
@@ -16154,6 +16676,9 @@
               <a:buChar char="•"/>
             </a:pPr>
             <a:endParaRPr lang="en-US" sz="2000" i="1" dirty="0">
+              <a:solidFill>
+                <a:schemeClr val="bg1"/>
+              </a:solidFill>
               <a:latin typeface="+mn-lt"/>
               <a:ea typeface="+mn-ea"/>
               <a:cs typeface="+mn-cs"/>
@@ -16161,36 +16686,6 @@
           </a:p>
         </p:txBody>
       </p:sp>
-      <p:pic>
-        <p:nvPicPr>
-          <p:cNvPr id="11" name="Picture 10">
-            <a:extLst>
-              <a:ext uri="{FF2B5EF4-FFF2-40B4-BE49-F238E27FC236}">
-                <a16:creationId xmlns:a16="http://schemas.microsoft.com/office/drawing/2014/main" id="{4D73ED2F-2B13-484F-AF9F-98E1B7E668D8}"/>
-              </a:ext>
-            </a:extLst>
-          </p:cNvPr>
-          <p:cNvPicPr>
-            <a:picLocks noChangeAspect="1"/>
-          </p:cNvPicPr>
-          <p:nvPr/>
-        </p:nvPicPr>
-        <p:blipFill>
-          <a:blip r:embed="rId2"/>
-          <a:stretch>
-            <a:fillRect/>
-          </a:stretch>
-        </p:blipFill>
-        <p:spPr>
-          <a:xfrm>
-            <a:off x="5968473" y="61473"/>
-            <a:ext cx="5810762" cy="2715284"/>
-          </a:xfrm>
-          <a:prstGeom prst="rect">
-            <a:avLst/>
-          </a:prstGeom>
-        </p:spPr>
-      </p:pic>
       <p:sp>
         <p:nvSpPr>
           <p:cNvPr id="12" name="Title 1">
@@ -16207,7 +16702,7 @@
         </p:nvSpPr>
         <p:spPr>
           <a:xfrm>
-            <a:off x="220613" y="168386"/>
+            <a:off x="220613" y="303140"/>
             <a:ext cx="5257800" cy="656288"/>
           </a:xfrm>
           <a:prstGeom prst="rect">
@@ -16239,18 +16734,22 @@
           </a:lstStyle>
           <a:p>
             <a:r>
-              <a:rPr lang="en-US" sz="2400" dirty="0"/>
-              <a:t>Observation – 5</a:t>
+              <a:rPr lang="en-US" sz="2400" dirty="0">
+                <a:solidFill>
+                  <a:schemeClr val="bg1"/>
+                </a:solidFill>
+              </a:rPr>
+              <a:t>Observation – 1</a:t>
             </a:r>
           </a:p>
         </p:txBody>
       </p:sp>
       <p:grpSp>
         <p:nvGrpSpPr>
-          <p:cNvPr id="13" name="Group 12">
+          <p:cNvPr id="2" name="Group 1">
             <a:extLst>
               <a:ext uri="{FF2B5EF4-FFF2-40B4-BE49-F238E27FC236}">
-                <a16:creationId xmlns:a16="http://schemas.microsoft.com/office/drawing/2014/main" id="{CC7B6CE3-FD94-4F5A-99C1-06CD629E02FF}"/>
+                <a16:creationId xmlns:a16="http://schemas.microsoft.com/office/drawing/2014/main" id="{A81EE60E-A26F-4165-B10E-88614AD981E9}"/>
               </a:ext>
             </a:extLst>
           </p:cNvPr>
@@ -16259,8 +16758,8 @@
         </p:nvGrpSpPr>
         <p:grpSpPr>
           <a:xfrm>
-            <a:off x="2149284" y="2603500"/>
-            <a:ext cx="9420225" cy="3752850"/>
+            <a:off x="2751589" y="3429000"/>
+            <a:ext cx="9024052" cy="3260614"/>
             <a:chOff x="2149284" y="2603500"/>
             <a:chExt cx="9420225" cy="3752850"/>
           </a:xfrm>
@@ -16280,7 +16779,7 @@
             <p:nvPr/>
           </p:nvPicPr>
           <p:blipFill>
-            <a:blip r:embed="rId3"/>
+            <a:blip r:embed="rId2"/>
             <a:stretch>
               <a:fillRect/>
             </a:stretch>
@@ -16316,10 +16815,10 @@
               <a:avLst/>
             </a:prstGeom>
             <a:noFill/>
-            <a:ln w="12700" cap="flat" cmpd="sng" algn="ctr">
+            <a:ln w="38100" cap="flat" cmpd="sng" algn="ctr">
               <a:solidFill>
                 <a:schemeClr val="accent1">
-                  <a:shade val="50000"/>
+                  <a:lumMod val="75000"/>
                 </a:schemeClr>
               </a:solidFill>
               <a:prstDash val="solid"/>
@@ -16382,10 +16881,10 @@
               <a:avLst/>
             </a:prstGeom>
             <a:noFill/>
-            <a:ln w="12700" cap="flat" cmpd="sng" algn="ctr">
+            <a:ln w="38100" cap="flat" cmpd="sng" algn="ctr">
               <a:solidFill>
                 <a:schemeClr val="accent1">
-                  <a:shade val="50000"/>
+                  <a:lumMod val="75000"/>
                 </a:schemeClr>
               </a:solidFill>
               <a:prstDash val="solid"/>
@@ -16428,6 +16927,36 @@
           </p:txBody>
         </p:sp>
       </p:grpSp>
+      <p:pic>
+        <p:nvPicPr>
+          <p:cNvPr id="5" name="Picture 4">
+            <a:extLst>
+              <a:ext uri="{FF2B5EF4-FFF2-40B4-BE49-F238E27FC236}">
+                <a16:creationId xmlns:a16="http://schemas.microsoft.com/office/drawing/2014/main" id="{6B6244C8-E6F2-4A69-A43D-AAE4EDFB12EC}"/>
+              </a:ext>
+            </a:extLst>
+          </p:cNvPr>
+          <p:cNvPicPr>
+            <a:picLocks noChangeAspect="1"/>
+          </p:cNvPicPr>
+          <p:nvPr/>
+        </p:nvPicPr>
+        <p:blipFill>
+          <a:blip r:embed="rId3"/>
+          <a:stretch>
+            <a:fillRect/>
+          </a:stretch>
+        </p:blipFill>
+        <p:spPr>
+          <a:xfrm>
+            <a:off x="6003491" y="217432"/>
+            <a:ext cx="5772150" cy="2952750"/>
+          </a:xfrm>
+          <a:prstGeom prst="rect">
+            <a:avLst/>
+          </a:prstGeom>
+        </p:spPr>
+      </p:pic>
     </p:spTree>
     <p:extLst>
       <p:ext uri="{BB962C8B-B14F-4D97-AF65-F5344CB8AC3E}">
@@ -16444,6 +16973,857 @@
 <file path=ppt/slides/slide7.xml><?xml version="1.0" encoding="utf-8"?>
 <p:sld xmlns:a="http://schemas.openxmlformats.org/drawingml/2006/main" xmlns:r="http://schemas.openxmlformats.org/officeDocument/2006/relationships" xmlns:p="http://schemas.openxmlformats.org/presentationml/2006/main">
   <p:cSld>
+    <p:bg>
+      <p:bgPr>
+        <a:solidFill>
+          <a:schemeClr val="tx1"/>
+        </a:solidFill>
+        <a:effectLst/>
+      </p:bgPr>
+    </p:bg>
+    <p:spTree>
+      <p:nvGrpSpPr>
+        <p:cNvPr id="1" name=""/>
+        <p:cNvGrpSpPr/>
+        <p:nvPr/>
+      </p:nvGrpSpPr>
+      <p:grpSpPr>
+        <a:xfrm>
+          <a:off x="0" y="0"/>
+          <a:ext cx="0" cy="0"/>
+          <a:chOff x="0" y="0"/>
+          <a:chExt cx="0" cy="0"/>
+        </a:xfrm>
+      </p:grpSpPr>
+      <p:sp>
+        <p:nvSpPr>
+          <p:cNvPr id="2" name="Title 1">
+            <a:extLst>
+              <a:ext uri="{FF2B5EF4-FFF2-40B4-BE49-F238E27FC236}">
+                <a16:creationId xmlns:a16="http://schemas.microsoft.com/office/drawing/2014/main" id="{F4BED4F6-E8E2-4AE0-AEF7-E288657820D8}"/>
+              </a:ext>
+            </a:extLst>
+          </p:cNvPr>
+          <p:cNvSpPr>
+            <a:spLocks noGrp="1"/>
+          </p:cNvSpPr>
+          <p:nvPr>
+            <p:ph type="title"/>
+          </p:nvPr>
+        </p:nvSpPr>
+        <p:spPr>
+          <a:xfrm>
+            <a:off x="493776" y="217264"/>
+            <a:ext cx="10515600" cy="960459"/>
+          </a:xfrm>
+        </p:spPr>
+        <p:txBody>
+          <a:bodyPr>
+            <a:normAutofit/>
+          </a:bodyPr>
+          <a:lstStyle/>
+          <a:p>
+            <a:r>
+              <a:rPr lang="en-US" sz="2400" dirty="0">
+                <a:solidFill>
+                  <a:schemeClr val="bg1"/>
+                </a:solidFill>
+              </a:rPr>
+              <a:t>Observation - 2</a:t>
+            </a:r>
+            <a:endParaRPr lang="en-GB" sz="2400" dirty="0">
+              <a:solidFill>
+                <a:schemeClr val="bg1"/>
+              </a:solidFill>
+            </a:endParaRPr>
+          </a:p>
+        </p:txBody>
+      </p:sp>
+      <p:pic>
+        <p:nvPicPr>
+          <p:cNvPr id="8" name="Content Placeholder 7">
+            <a:extLst>
+              <a:ext uri="{FF2B5EF4-FFF2-40B4-BE49-F238E27FC236}">
+                <a16:creationId xmlns:a16="http://schemas.microsoft.com/office/drawing/2014/main" id="{DB7C8AEB-6A60-4755-8456-6B61DB6A8A96}"/>
+              </a:ext>
+            </a:extLst>
+          </p:cNvPr>
+          <p:cNvPicPr>
+            <a:picLocks noGrp="1" noChangeAspect="1"/>
+          </p:cNvPicPr>
+          <p:nvPr>
+            <p:ph idx="1"/>
+          </p:nvPr>
+        </p:nvPicPr>
+        <p:blipFill>
+          <a:blip r:embed="rId2"/>
+          <a:stretch>
+            <a:fillRect/>
+          </a:stretch>
+        </p:blipFill>
+        <p:spPr>
+          <a:xfrm>
+            <a:off x="5434595" y="2989132"/>
+            <a:ext cx="5982282" cy="2916238"/>
+          </a:xfrm>
+        </p:spPr>
+      </p:pic>
+      <p:sp>
+        <p:nvSpPr>
+          <p:cNvPr id="4" name="Date Placeholder 3">
+            <a:extLst>
+              <a:ext uri="{FF2B5EF4-FFF2-40B4-BE49-F238E27FC236}">
+                <a16:creationId xmlns:a16="http://schemas.microsoft.com/office/drawing/2014/main" id="{8E0EDB26-2EFA-4ECA-A495-ADE42D4212ED}"/>
+              </a:ext>
+            </a:extLst>
+          </p:cNvPr>
+          <p:cNvSpPr>
+            <a:spLocks noGrp="1"/>
+          </p:cNvSpPr>
+          <p:nvPr>
+            <p:ph type="dt" sz="half" idx="10"/>
+          </p:nvPr>
+        </p:nvSpPr>
+        <p:spPr/>
+        <p:txBody>
+          <a:bodyPr/>
+          <a:lstStyle/>
+          <a:p>
+            <a:pPr>
+              <a:defRPr/>
+            </a:pPr>
+            <a:r>
+              <a:rPr lang="en-US" dirty="0">
+                <a:solidFill>
+                  <a:prstClr val="black">
+                    <a:tint val="75000"/>
+                  </a:prstClr>
+                </a:solidFill>
+              </a:rPr>
+              <a:t>9/3/2022</a:t>
+            </a:r>
+          </a:p>
+        </p:txBody>
+      </p:sp>
+      <p:sp>
+        <p:nvSpPr>
+          <p:cNvPr id="6" name="Slide Number Placeholder 5">
+            <a:extLst>
+              <a:ext uri="{FF2B5EF4-FFF2-40B4-BE49-F238E27FC236}">
+                <a16:creationId xmlns:a16="http://schemas.microsoft.com/office/drawing/2014/main" id="{FF11E48F-02D3-4592-9112-69B020E44146}"/>
+              </a:ext>
+            </a:extLst>
+          </p:cNvPr>
+          <p:cNvSpPr>
+            <a:spLocks noGrp="1"/>
+          </p:cNvSpPr>
+          <p:nvPr>
+            <p:ph type="sldNum" sz="quarter" idx="12"/>
+          </p:nvPr>
+        </p:nvSpPr>
+        <p:spPr/>
+        <p:txBody>
+          <a:bodyPr/>
+          <a:lstStyle/>
+          <a:p>
+            <a:pPr>
+              <a:defRPr/>
+            </a:pPr>
+            <a:fld id="{D76B855D-E9CC-4FF8-AD85-6CDC7B89A0DE}" type="slidenum">
+              <a:rPr lang="en-US" smtClean="0">
+                <a:solidFill>
+                  <a:prstClr val="black">
+                    <a:tint val="75000"/>
+                  </a:prstClr>
+                </a:solidFill>
+              </a:rPr>
+              <a:pPr>
+                <a:defRPr/>
+              </a:pPr>
+              <a:t>7</a:t>
+            </a:fld>
+            <a:endParaRPr lang="en-US" dirty="0">
+              <a:solidFill>
+                <a:prstClr val="black">
+                  <a:tint val="75000"/>
+                </a:prstClr>
+              </a:solidFill>
+            </a:endParaRPr>
+          </a:p>
+        </p:txBody>
+      </p:sp>
+      <p:sp>
+        <p:nvSpPr>
+          <p:cNvPr id="18" name="Content Placeholder 2">
+            <a:extLst>
+              <a:ext uri="{FF2B5EF4-FFF2-40B4-BE49-F238E27FC236}">
+                <a16:creationId xmlns:a16="http://schemas.microsoft.com/office/drawing/2014/main" id="{533E9049-1E77-4741-807B-E9F13595F4FD}"/>
+              </a:ext>
+            </a:extLst>
+          </p:cNvPr>
+          <p:cNvSpPr txBox="1">
+            <a:spLocks/>
+          </p:cNvSpPr>
+          <p:nvPr/>
+        </p:nvSpPr>
+        <p:spPr>
+          <a:xfrm>
+            <a:off x="645952" y="1198432"/>
+            <a:ext cx="10363424" cy="1056523"/>
+          </a:xfrm>
+          <a:prstGeom prst="rect">
+            <a:avLst/>
+          </a:prstGeom>
+        </p:spPr>
+        <p:txBody>
+          <a:bodyPr vert="horz" lIns="91440" tIns="45720" rIns="91440" bIns="45720" rtlCol="0">
+            <a:normAutofit/>
+          </a:bodyPr>
+          <a:lstStyle>
+            <a:lvl1pPr marL="228600" indent="-228600" algn="l" defTabSz="914400" rtl="0" eaLnBrk="1" latinLnBrk="0" hangingPunct="1">
+              <a:lnSpc>
+                <a:spcPct val="90000"/>
+              </a:lnSpc>
+              <a:spcBef>
+                <a:spcPts val="1000"/>
+              </a:spcBef>
+              <a:buFont typeface="Arial" panose="020B0604020202020204" pitchFamily="34" charset="0"/>
+              <a:buChar char="•"/>
+              <a:defRPr sz="2800" kern="1200">
+                <a:solidFill>
+                  <a:schemeClr val="tx1"/>
+                </a:solidFill>
+                <a:latin typeface="+mn-lt"/>
+                <a:ea typeface="+mn-ea"/>
+                <a:cs typeface="+mn-cs"/>
+              </a:defRPr>
+            </a:lvl1pPr>
+            <a:lvl2pPr marL="685800" indent="-228600" algn="l" defTabSz="914400" rtl="0" eaLnBrk="1" latinLnBrk="0" hangingPunct="1">
+              <a:lnSpc>
+                <a:spcPct val="90000"/>
+              </a:lnSpc>
+              <a:spcBef>
+                <a:spcPts val="500"/>
+              </a:spcBef>
+              <a:buFont typeface="Arial" panose="020B0604020202020204" pitchFamily="34" charset="0"/>
+              <a:buChar char="•"/>
+              <a:defRPr sz="2400" kern="1200">
+                <a:solidFill>
+                  <a:schemeClr val="tx1"/>
+                </a:solidFill>
+                <a:latin typeface="+mn-lt"/>
+                <a:ea typeface="+mn-ea"/>
+                <a:cs typeface="+mn-cs"/>
+              </a:defRPr>
+            </a:lvl2pPr>
+            <a:lvl3pPr marL="1143000" indent="-228600" algn="l" defTabSz="914400" rtl="0" eaLnBrk="1" latinLnBrk="0" hangingPunct="1">
+              <a:lnSpc>
+                <a:spcPct val="90000"/>
+              </a:lnSpc>
+              <a:spcBef>
+                <a:spcPts val="500"/>
+              </a:spcBef>
+              <a:buFont typeface="Arial" panose="020B0604020202020204" pitchFamily="34" charset="0"/>
+              <a:buChar char="•"/>
+              <a:defRPr sz="2000" kern="1200">
+                <a:solidFill>
+                  <a:schemeClr val="tx1"/>
+                </a:solidFill>
+                <a:latin typeface="+mn-lt"/>
+                <a:ea typeface="+mn-ea"/>
+                <a:cs typeface="+mn-cs"/>
+              </a:defRPr>
+            </a:lvl3pPr>
+            <a:lvl4pPr marL="1600200" indent="-228600" algn="l" defTabSz="914400" rtl="0" eaLnBrk="1" latinLnBrk="0" hangingPunct="1">
+              <a:lnSpc>
+                <a:spcPct val="90000"/>
+              </a:lnSpc>
+              <a:spcBef>
+                <a:spcPts val="500"/>
+              </a:spcBef>
+              <a:buFont typeface="Arial" panose="020B0604020202020204" pitchFamily="34" charset="0"/>
+              <a:buChar char="•"/>
+              <a:defRPr sz="1800" kern="1200">
+                <a:solidFill>
+                  <a:schemeClr val="tx1"/>
+                </a:solidFill>
+                <a:latin typeface="+mn-lt"/>
+                <a:ea typeface="+mn-ea"/>
+                <a:cs typeface="+mn-cs"/>
+              </a:defRPr>
+            </a:lvl4pPr>
+            <a:lvl5pPr marL="2057400" indent="-228600" algn="l" defTabSz="914400" rtl="0" eaLnBrk="1" latinLnBrk="0" hangingPunct="1">
+              <a:lnSpc>
+                <a:spcPct val="90000"/>
+              </a:lnSpc>
+              <a:spcBef>
+                <a:spcPts val="500"/>
+              </a:spcBef>
+              <a:buFont typeface="Arial" panose="020B0604020202020204" pitchFamily="34" charset="0"/>
+              <a:buChar char="•"/>
+              <a:defRPr sz="1800" kern="1200">
+                <a:solidFill>
+                  <a:schemeClr val="tx1"/>
+                </a:solidFill>
+                <a:latin typeface="+mn-lt"/>
+                <a:ea typeface="+mn-ea"/>
+                <a:cs typeface="+mn-cs"/>
+              </a:defRPr>
+            </a:lvl5pPr>
+            <a:lvl6pPr marL="2514600" indent="-228600" algn="l" defTabSz="914400" rtl="0" eaLnBrk="1" latinLnBrk="0" hangingPunct="1">
+              <a:lnSpc>
+                <a:spcPct val="90000"/>
+              </a:lnSpc>
+              <a:spcBef>
+                <a:spcPts val="500"/>
+              </a:spcBef>
+              <a:buFont typeface="Arial" panose="020B0604020202020204" pitchFamily="34" charset="0"/>
+              <a:buChar char="•"/>
+              <a:defRPr sz="1800" kern="1200">
+                <a:solidFill>
+                  <a:schemeClr val="tx1"/>
+                </a:solidFill>
+                <a:latin typeface="+mn-lt"/>
+                <a:ea typeface="+mn-ea"/>
+                <a:cs typeface="+mn-cs"/>
+              </a:defRPr>
+            </a:lvl6pPr>
+            <a:lvl7pPr marL="2971800" indent="-228600" algn="l" defTabSz="914400" rtl="0" eaLnBrk="1" latinLnBrk="0" hangingPunct="1">
+              <a:lnSpc>
+                <a:spcPct val="90000"/>
+              </a:lnSpc>
+              <a:spcBef>
+                <a:spcPts val="500"/>
+              </a:spcBef>
+              <a:buFont typeface="Arial" panose="020B0604020202020204" pitchFamily="34" charset="0"/>
+              <a:buChar char="•"/>
+              <a:defRPr sz="1800" kern="1200">
+                <a:solidFill>
+                  <a:schemeClr val="tx1"/>
+                </a:solidFill>
+                <a:latin typeface="+mn-lt"/>
+                <a:ea typeface="+mn-ea"/>
+                <a:cs typeface="+mn-cs"/>
+              </a:defRPr>
+            </a:lvl7pPr>
+            <a:lvl8pPr marL="3429000" indent="-228600" algn="l" defTabSz="914400" rtl="0" eaLnBrk="1" latinLnBrk="0" hangingPunct="1">
+              <a:lnSpc>
+                <a:spcPct val="90000"/>
+              </a:lnSpc>
+              <a:spcBef>
+                <a:spcPts val="500"/>
+              </a:spcBef>
+              <a:buFont typeface="Arial" panose="020B0604020202020204" pitchFamily="34" charset="0"/>
+              <a:buChar char="•"/>
+              <a:defRPr sz="1800" kern="1200">
+                <a:solidFill>
+                  <a:schemeClr val="tx1"/>
+                </a:solidFill>
+                <a:latin typeface="+mn-lt"/>
+                <a:ea typeface="+mn-ea"/>
+                <a:cs typeface="+mn-cs"/>
+              </a:defRPr>
+            </a:lvl8pPr>
+            <a:lvl9pPr marL="3886200" indent="-228600" algn="l" defTabSz="914400" rtl="0" eaLnBrk="1" latinLnBrk="0" hangingPunct="1">
+              <a:lnSpc>
+                <a:spcPct val="90000"/>
+              </a:lnSpc>
+              <a:spcBef>
+                <a:spcPts val="500"/>
+              </a:spcBef>
+              <a:buFont typeface="Arial" panose="020B0604020202020204" pitchFamily="34" charset="0"/>
+              <a:buChar char="•"/>
+              <a:defRPr sz="1800" kern="1200">
+                <a:solidFill>
+                  <a:schemeClr val="tx1"/>
+                </a:solidFill>
+                <a:latin typeface="+mn-lt"/>
+                <a:ea typeface="+mn-ea"/>
+                <a:cs typeface="+mn-cs"/>
+              </a:defRPr>
+            </a:lvl9pPr>
+          </a:lstStyle>
+          <a:p>
+            <a:r>
+              <a:rPr lang="en-GB" sz="2000" i="1" dirty="0">
+                <a:solidFill>
+                  <a:schemeClr val="bg1"/>
+                </a:solidFill>
+              </a:rPr>
+              <a:t>There are couple of borrower's Annual Income values that are very high but it doesn't skew the mean or median. Hence those values were </a:t>
+            </a:r>
+            <a:r>
+              <a:rPr lang="en-GB" sz="2000" b="1" i="1" dirty="0">
+                <a:solidFill>
+                  <a:schemeClr val="bg1"/>
+                </a:solidFill>
+              </a:rPr>
+              <a:t>not considered as outliers</a:t>
+            </a:r>
+          </a:p>
+        </p:txBody>
+      </p:sp>
+      <p:pic>
+        <p:nvPicPr>
+          <p:cNvPr id="14" name="Picture 13">
+            <a:extLst>
+              <a:ext uri="{FF2B5EF4-FFF2-40B4-BE49-F238E27FC236}">
+                <a16:creationId xmlns:a16="http://schemas.microsoft.com/office/drawing/2014/main" id="{4660D372-F53D-43B1-81AA-2CF6264A3DB6}"/>
+              </a:ext>
+            </a:extLst>
+          </p:cNvPr>
+          <p:cNvPicPr>
+            <a:picLocks noChangeAspect="1"/>
+          </p:cNvPicPr>
+          <p:nvPr/>
+        </p:nvPicPr>
+        <p:blipFill>
+          <a:blip r:embed="rId3"/>
+          <a:stretch>
+            <a:fillRect/>
+          </a:stretch>
+        </p:blipFill>
+        <p:spPr>
+          <a:xfrm>
+            <a:off x="775123" y="2166919"/>
+            <a:ext cx="4466567" cy="1457126"/>
+          </a:xfrm>
+          <a:prstGeom prst="rect">
+            <a:avLst/>
+          </a:prstGeom>
+        </p:spPr>
+      </p:pic>
+      <p:pic>
+        <p:nvPicPr>
+          <p:cNvPr id="20" name="Picture 19">
+            <a:extLst>
+              <a:ext uri="{FF2B5EF4-FFF2-40B4-BE49-F238E27FC236}">
+                <a16:creationId xmlns:a16="http://schemas.microsoft.com/office/drawing/2014/main" id="{B177AA8C-27C4-4EDC-A16E-35FEE30CBE32}"/>
+              </a:ext>
+            </a:extLst>
+          </p:cNvPr>
+          <p:cNvPicPr>
+            <a:picLocks noChangeAspect="1"/>
+          </p:cNvPicPr>
+          <p:nvPr/>
+        </p:nvPicPr>
+        <p:blipFill>
+          <a:blip r:embed="rId4"/>
+          <a:stretch>
+            <a:fillRect/>
+          </a:stretch>
+        </p:blipFill>
+        <p:spPr>
+          <a:xfrm>
+            <a:off x="775123" y="4062393"/>
+            <a:ext cx="4466567" cy="1470603"/>
+          </a:xfrm>
+          <a:prstGeom prst="rect">
+            <a:avLst/>
+          </a:prstGeom>
+        </p:spPr>
+      </p:pic>
+    </p:spTree>
+    <p:extLst>
+      <p:ext uri="{BB962C8B-B14F-4D97-AF65-F5344CB8AC3E}">
+        <p14:creationId xmlns:p14="http://schemas.microsoft.com/office/powerpoint/2010/main" val="3120864094"/>
+      </p:ext>
+    </p:extLst>
+  </p:cSld>
+  <p:clrMapOvr>
+    <a:masterClrMapping/>
+  </p:clrMapOvr>
+</p:sld>
+</file>
+
+<file path=ppt/slides/slide8.xml><?xml version="1.0" encoding="utf-8"?>
+<p:sld xmlns:a="http://schemas.openxmlformats.org/drawingml/2006/main" xmlns:r="http://schemas.openxmlformats.org/officeDocument/2006/relationships" xmlns:p="http://schemas.openxmlformats.org/presentationml/2006/main">
+  <p:cSld>
+    <p:bg>
+      <p:bgPr>
+        <a:solidFill>
+          <a:schemeClr val="tx1"/>
+        </a:solidFill>
+        <a:effectLst/>
+      </p:bgPr>
+    </p:bg>
+    <p:spTree>
+      <p:nvGrpSpPr>
+        <p:cNvPr id="1" name=""/>
+        <p:cNvGrpSpPr/>
+        <p:nvPr/>
+      </p:nvGrpSpPr>
+      <p:grpSpPr>
+        <a:xfrm>
+          <a:off x="0" y="0"/>
+          <a:ext cx="0" cy="0"/>
+          <a:chOff x="0" y="0"/>
+          <a:chExt cx="0" cy="0"/>
+        </a:xfrm>
+      </p:grpSpPr>
+      <p:sp>
+        <p:nvSpPr>
+          <p:cNvPr id="6" name="Slide Number Placeholder 5">
+            <a:extLst>
+              <a:ext uri="{FF2B5EF4-FFF2-40B4-BE49-F238E27FC236}">
+                <a16:creationId xmlns:a16="http://schemas.microsoft.com/office/drawing/2014/main" id="{FF11E48F-02D3-4592-9112-69B020E44146}"/>
+              </a:ext>
+            </a:extLst>
+          </p:cNvPr>
+          <p:cNvSpPr>
+            <a:spLocks noGrp="1"/>
+          </p:cNvSpPr>
+          <p:nvPr>
+            <p:ph type="sldNum" sz="quarter" idx="12"/>
+          </p:nvPr>
+        </p:nvSpPr>
+        <p:spPr/>
+        <p:txBody>
+          <a:bodyPr/>
+          <a:lstStyle/>
+          <a:p>
+            <a:pPr>
+              <a:defRPr/>
+            </a:pPr>
+            <a:fld id="{D76B855D-E9CC-4FF8-AD85-6CDC7B89A0DE}" type="slidenum">
+              <a:rPr lang="en-US" smtClean="0">
+                <a:solidFill>
+                  <a:prstClr val="black">
+                    <a:tint val="75000"/>
+                  </a:prstClr>
+                </a:solidFill>
+              </a:rPr>
+              <a:pPr>
+                <a:defRPr/>
+              </a:pPr>
+              <a:t>8</a:t>
+            </a:fld>
+            <a:endParaRPr lang="en-US" dirty="0">
+              <a:solidFill>
+                <a:prstClr val="black">
+                  <a:tint val="75000"/>
+                </a:prstClr>
+              </a:solidFill>
+            </a:endParaRPr>
+          </a:p>
+        </p:txBody>
+      </p:sp>
+      <p:sp>
+        <p:nvSpPr>
+          <p:cNvPr id="18" name="Content Placeholder 2">
+            <a:extLst>
+              <a:ext uri="{FF2B5EF4-FFF2-40B4-BE49-F238E27FC236}">
+                <a16:creationId xmlns:a16="http://schemas.microsoft.com/office/drawing/2014/main" id="{533E9049-1E77-4741-807B-E9F13595F4FD}"/>
+              </a:ext>
+            </a:extLst>
+          </p:cNvPr>
+          <p:cNvSpPr txBox="1">
+            <a:spLocks/>
+          </p:cNvSpPr>
+          <p:nvPr/>
+        </p:nvSpPr>
+        <p:spPr>
+          <a:xfrm>
+            <a:off x="763398" y="1249287"/>
+            <a:ext cx="10363424" cy="637563"/>
+          </a:xfrm>
+          <a:prstGeom prst="rect">
+            <a:avLst/>
+          </a:prstGeom>
+        </p:spPr>
+        <p:txBody>
+          <a:bodyPr vert="horz" lIns="91440" tIns="45720" rIns="91440" bIns="45720" rtlCol="0">
+            <a:normAutofit/>
+          </a:bodyPr>
+          <a:lstStyle>
+            <a:lvl1pPr marL="228600" indent="-228600" algn="l" defTabSz="914400" rtl="0" eaLnBrk="1" latinLnBrk="0" hangingPunct="1">
+              <a:lnSpc>
+                <a:spcPct val="90000"/>
+              </a:lnSpc>
+              <a:spcBef>
+                <a:spcPts val="1000"/>
+              </a:spcBef>
+              <a:buFont typeface="Arial" panose="020B0604020202020204" pitchFamily="34" charset="0"/>
+              <a:buChar char="•"/>
+              <a:defRPr sz="2800" kern="1200">
+                <a:solidFill>
+                  <a:schemeClr val="tx1"/>
+                </a:solidFill>
+                <a:latin typeface="+mn-lt"/>
+                <a:ea typeface="+mn-ea"/>
+                <a:cs typeface="+mn-cs"/>
+              </a:defRPr>
+            </a:lvl1pPr>
+            <a:lvl2pPr marL="685800" indent="-228600" algn="l" defTabSz="914400" rtl="0" eaLnBrk="1" latinLnBrk="0" hangingPunct="1">
+              <a:lnSpc>
+                <a:spcPct val="90000"/>
+              </a:lnSpc>
+              <a:spcBef>
+                <a:spcPts val="500"/>
+              </a:spcBef>
+              <a:buFont typeface="Arial" panose="020B0604020202020204" pitchFamily="34" charset="0"/>
+              <a:buChar char="•"/>
+              <a:defRPr sz="2400" kern="1200">
+                <a:solidFill>
+                  <a:schemeClr val="tx1"/>
+                </a:solidFill>
+                <a:latin typeface="+mn-lt"/>
+                <a:ea typeface="+mn-ea"/>
+                <a:cs typeface="+mn-cs"/>
+              </a:defRPr>
+            </a:lvl2pPr>
+            <a:lvl3pPr marL="1143000" indent="-228600" algn="l" defTabSz="914400" rtl="0" eaLnBrk="1" latinLnBrk="0" hangingPunct="1">
+              <a:lnSpc>
+                <a:spcPct val="90000"/>
+              </a:lnSpc>
+              <a:spcBef>
+                <a:spcPts val="500"/>
+              </a:spcBef>
+              <a:buFont typeface="Arial" panose="020B0604020202020204" pitchFamily="34" charset="0"/>
+              <a:buChar char="•"/>
+              <a:defRPr sz="2000" kern="1200">
+                <a:solidFill>
+                  <a:schemeClr val="tx1"/>
+                </a:solidFill>
+                <a:latin typeface="+mn-lt"/>
+                <a:ea typeface="+mn-ea"/>
+                <a:cs typeface="+mn-cs"/>
+              </a:defRPr>
+            </a:lvl3pPr>
+            <a:lvl4pPr marL="1600200" indent="-228600" algn="l" defTabSz="914400" rtl="0" eaLnBrk="1" latinLnBrk="0" hangingPunct="1">
+              <a:lnSpc>
+                <a:spcPct val="90000"/>
+              </a:lnSpc>
+              <a:spcBef>
+                <a:spcPts val="500"/>
+              </a:spcBef>
+              <a:buFont typeface="Arial" panose="020B0604020202020204" pitchFamily="34" charset="0"/>
+              <a:buChar char="•"/>
+              <a:defRPr sz="1800" kern="1200">
+                <a:solidFill>
+                  <a:schemeClr val="tx1"/>
+                </a:solidFill>
+                <a:latin typeface="+mn-lt"/>
+                <a:ea typeface="+mn-ea"/>
+                <a:cs typeface="+mn-cs"/>
+              </a:defRPr>
+            </a:lvl4pPr>
+            <a:lvl5pPr marL="2057400" indent="-228600" algn="l" defTabSz="914400" rtl="0" eaLnBrk="1" latinLnBrk="0" hangingPunct="1">
+              <a:lnSpc>
+                <a:spcPct val="90000"/>
+              </a:lnSpc>
+              <a:spcBef>
+                <a:spcPts val="500"/>
+              </a:spcBef>
+              <a:buFont typeface="Arial" panose="020B0604020202020204" pitchFamily="34" charset="0"/>
+              <a:buChar char="•"/>
+              <a:defRPr sz="1800" kern="1200">
+                <a:solidFill>
+                  <a:schemeClr val="tx1"/>
+                </a:solidFill>
+                <a:latin typeface="+mn-lt"/>
+                <a:ea typeface="+mn-ea"/>
+                <a:cs typeface="+mn-cs"/>
+              </a:defRPr>
+            </a:lvl5pPr>
+            <a:lvl6pPr marL="2514600" indent="-228600" algn="l" defTabSz="914400" rtl="0" eaLnBrk="1" latinLnBrk="0" hangingPunct="1">
+              <a:lnSpc>
+                <a:spcPct val="90000"/>
+              </a:lnSpc>
+              <a:spcBef>
+                <a:spcPts val="500"/>
+              </a:spcBef>
+              <a:buFont typeface="Arial" panose="020B0604020202020204" pitchFamily="34" charset="0"/>
+              <a:buChar char="•"/>
+              <a:defRPr sz="1800" kern="1200">
+                <a:solidFill>
+                  <a:schemeClr val="tx1"/>
+                </a:solidFill>
+                <a:latin typeface="+mn-lt"/>
+                <a:ea typeface="+mn-ea"/>
+                <a:cs typeface="+mn-cs"/>
+              </a:defRPr>
+            </a:lvl6pPr>
+            <a:lvl7pPr marL="2971800" indent="-228600" algn="l" defTabSz="914400" rtl="0" eaLnBrk="1" latinLnBrk="0" hangingPunct="1">
+              <a:lnSpc>
+                <a:spcPct val="90000"/>
+              </a:lnSpc>
+              <a:spcBef>
+                <a:spcPts val="500"/>
+              </a:spcBef>
+              <a:buFont typeface="Arial" panose="020B0604020202020204" pitchFamily="34" charset="0"/>
+              <a:buChar char="•"/>
+              <a:defRPr sz="1800" kern="1200">
+                <a:solidFill>
+                  <a:schemeClr val="tx1"/>
+                </a:solidFill>
+                <a:latin typeface="+mn-lt"/>
+                <a:ea typeface="+mn-ea"/>
+                <a:cs typeface="+mn-cs"/>
+              </a:defRPr>
+            </a:lvl7pPr>
+            <a:lvl8pPr marL="3429000" indent="-228600" algn="l" defTabSz="914400" rtl="0" eaLnBrk="1" latinLnBrk="0" hangingPunct="1">
+              <a:lnSpc>
+                <a:spcPct val="90000"/>
+              </a:lnSpc>
+              <a:spcBef>
+                <a:spcPts val="500"/>
+              </a:spcBef>
+              <a:buFont typeface="Arial" panose="020B0604020202020204" pitchFamily="34" charset="0"/>
+              <a:buChar char="•"/>
+              <a:defRPr sz="1800" kern="1200">
+                <a:solidFill>
+                  <a:schemeClr val="tx1"/>
+                </a:solidFill>
+                <a:latin typeface="+mn-lt"/>
+                <a:ea typeface="+mn-ea"/>
+                <a:cs typeface="+mn-cs"/>
+              </a:defRPr>
+            </a:lvl8pPr>
+            <a:lvl9pPr marL="3886200" indent="-228600" algn="l" defTabSz="914400" rtl="0" eaLnBrk="1" latinLnBrk="0" hangingPunct="1">
+              <a:lnSpc>
+                <a:spcPct val="90000"/>
+              </a:lnSpc>
+              <a:spcBef>
+                <a:spcPts val="500"/>
+              </a:spcBef>
+              <a:buFont typeface="Arial" panose="020B0604020202020204" pitchFamily="34" charset="0"/>
+              <a:buChar char="•"/>
+              <a:defRPr sz="1800" kern="1200">
+                <a:solidFill>
+                  <a:schemeClr val="tx1"/>
+                </a:solidFill>
+                <a:latin typeface="+mn-lt"/>
+                <a:ea typeface="+mn-ea"/>
+                <a:cs typeface="+mn-cs"/>
+              </a:defRPr>
+            </a:lvl9pPr>
+          </a:lstStyle>
+          <a:p>
+            <a:r>
+              <a:rPr lang="en-GB" sz="2000" i="1" dirty="0">
+                <a:solidFill>
+                  <a:schemeClr val="bg1"/>
+                </a:solidFill>
+              </a:rPr>
+              <a:t>There is no correlation between Borrower’s Employment period &amp; Grade </a:t>
+            </a:r>
+            <a:r>
+              <a:rPr lang="en-GB" sz="1600" i="1" dirty="0">
+                <a:solidFill>
+                  <a:schemeClr val="bg1"/>
+                </a:solidFill>
+              </a:rPr>
+              <a:t>(Financial Rating)</a:t>
+            </a:r>
+          </a:p>
+          <a:p>
+            <a:endParaRPr lang="en-GB" sz="1600" i="1" dirty="0">
+              <a:solidFill>
+                <a:schemeClr val="bg1"/>
+              </a:solidFill>
+            </a:endParaRPr>
+          </a:p>
+        </p:txBody>
+      </p:sp>
+      <p:pic>
+        <p:nvPicPr>
+          <p:cNvPr id="10" name="Picture 9">
+            <a:extLst>
+              <a:ext uri="{FF2B5EF4-FFF2-40B4-BE49-F238E27FC236}">
+                <a16:creationId xmlns:a16="http://schemas.microsoft.com/office/drawing/2014/main" id="{E128C16B-A36F-4697-81FF-5AE57AF258F7}"/>
+              </a:ext>
+            </a:extLst>
+          </p:cNvPr>
+          <p:cNvPicPr>
+            <a:picLocks noChangeAspect="1"/>
+          </p:cNvPicPr>
+          <p:nvPr/>
+        </p:nvPicPr>
+        <p:blipFill>
+          <a:blip r:embed="rId2"/>
+          <a:stretch>
+            <a:fillRect/>
+          </a:stretch>
+        </p:blipFill>
+        <p:spPr>
+          <a:xfrm>
+            <a:off x="838201" y="1831212"/>
+            <a:ext cx="4396530" cy="1437807"/>
+          </a:xfrm>
+          <a:prstGeom prst="rect">
+            <a:avLst/>
+          </a:prstGeom>
+        </p:spPr>
+      </p:pic>
+      <p:sp>
+        <p:nvSpPr>
+          <p:cNvPr id="19" name="Title 1">
+            <a:extLst>
+              <a:ext uri="{FF2B5EF4-FFF2-40B4-BE49-F238E27FC236}">
+                <a16:creationId xmlns:a16="http://schemas.microsoft.com/office/drawing/2014/main" id="{1C662E59-D267-4107-9038-8138ECF4D409}"/>
+              </a:ext>
+            </a:extLst>
+          </p:cNvPr>
+          <p:cNvSpPr>
+            <a:spLocks noGrp="1"/>
+          </p:cNvSpPr>
+          <p:nvPr>
+            <p:ph type="title"/>
+          </p:nvPr>
+        </p:nvSpPr>
+        <p:spPr>
+          <a:xfrm>
+            <a:off x="481745" y="211121"/>
+            <a:ext cx="10515600" cy="960459"/>
+          </a:xfrm>
+        </p:spPr>
+        <p:txBody>
+          <a:bodyPr>
+            <a:normAutofit/>
+          </a:bodyPr>
+          <a:lstStyle/>
+          <a:p>
+            <a:r>
+              <a:rPr lang="en-US" sz="2400" dirty="0">
+                <a:solidFill>
+                  <a:schemeClr val="bg1"/>
+                </a:solidFill>
+              </a:rPr>
+              <a:t>Observation – 3</a:t>
+            </a:r>
+            <a:endParaRPr lang="en-GB" sz="2400" dirty="0">
+              <a:solidFill>
+                <a:schemeClr val="bg1"/>
+              </a:solidFill>
+            </a:endParaRPr>
+          </a:p>
+        </p:txBody>
+      </p:sp>
+    </p:spTree>
+    <p:extLst>
+      <p:ext uri="{BB962C8B-B14F-4D97-AF65-F5344CB8AC3E}">
+        <p14:creationId xmlns:p14="http://schemas.microsoft.com/office/powerpoint/2010/main" val="551560048"/>
+      </p:ext>
+    </p:extLst>
+  </p:cSld>
+  <p:clrMapOvr>
+    <a:masterClrMapping/>
+  </p:clrMapOvr>
+</p:sld>
+</file>
+
+<file path=ppt/slides/slide9.xml><?xml version="1.0" encoding="utf-8"?>
+<p:sld xmlns:a="http://schemas.openxmlformats.org/drawingml/2006/main" xmlns:r="http://schemas.openxmlformats.org/officeDocument/2006/relationships" xmlns:p="http://schemas.openxmlformats.org/presentationml/2006/main">
+  <p:cSld>
+    <p:bg>
+      <p:bgPr>
+        <a:solidFill>
+          <a:schemeClr val="tx1"/>
+        </a:solidFill>
+        <a:effectLst/>
+      </p:bgPr>
+    </p:bg>
     <p:spTree>
       <p:nvGrpSpPr>
         <p:cNvPr id="1" name=""/>
@@ -16530,7 +17910,7 @@
               <a:pPr>
                 <a:defRPr/>
               </a:pPr>
-              <a:t>7</a:t>
+              <a:t>9</a:t>
             </a:fld>
             <a:endParaRPr lang="en-US" dirty="0">
               <a:solidFill>
@@ -16558,8 +17938,8 @@
         </p:nvSpPr>
         <p:spPr>
           <a:xfrm>
-            <a:off x="220612" y="939976"/>
-            <a:ext cx="10886412" cy="879199"/>
+            <a:off x="467388" y="1083115"/>
+            <a:ext cx="10886412" cy="1648026"/>
           </a:xfrm>
           <a:prstGeom prst="rect">
             <a:avLst/>
@@ -16595,12 +17975,134 @@
             </a:pPr>
             <a:r>
               <a:rPr lang="en-GB" sz="2000" i="1" dirty="0">
+                <a:solidFill>
+                  <a:schemeClr val="bg1"/>
+                </a:solidFill>
                 <a:latin typeface="+mn-lt"/>
                 <a:ea typeface="+mn-ea"/>
                 <a:cs typeface="+mn-cs"/>
               </a:rPr>
-              <a:t>Delinquent in the last 2 years shows 10% default rate in the Not Funded category</a:t>
-            </a:r>
+              <a:t>Considering a subset where the investor hasn’t funded the loan, there are borrowers marked as “delinquent in the last 2 years” </a:t>
+            </a:r>
+          </a:p>
+          <a:p>
+            <a:pPr marL="342900" indent="-342900">
+              <a:buFont typeface="Arial" panose="020B0604020202020204" pitchFamily="34" charset="0"/>
+              <a:buChar char="•"/>
+            </a:pPr>
+            <a:r>
+              <a:rPr lang="en-GB" sz="2000" i="1" dirty="0">
+                <a:solidFill>
+                  <a:schemeClr val="bg1"/>
+                </a:solidFill>
+                <a:latin typeface="+mn-lt"/>
+                <a:ea typeface="+mn-ea"/>
+                <a:cs typeface="+mn-cs"/>
+              </a:rPr>
+              <a:t>These borrowers where probably funded by Lending Club </a:t>
+            </a:r>
+          </a:p>
+          <a:p>
+            <a:r>
+              <a:rPr lang="en-GB" sz="2000" i="1" dirty="0">
+                <a:solidFill>
+                  <a:schemeClr val="bg1"/>
+                </a:solidFill>
+                <a:latin typeface="+mn-lt"/>
+                <a:ea typeface="+mn-ea"/>
+                <a:cs typeface="+mn-cs"/>
+              </a:rPr>
+              <a:t>	</a:t>
+            </a:r>
+            <a:r>
+              <a:rPr lang="en-GB" sz="1600" i="1" dirty="0">
+                <a:solidFill>
+                  <a:schemeClr val="bg1"/>
+                </a:solidFill>
+                <a:latin typeface="+mn-lt"/>
+                <a:ea typeface="+mn-ea"/>
+                <a:cs typeface="+mn-cs"/>
+              </a:rPr>
+              <a:t>12% had defaulted (18 out of 148) in this “Lending Club Funded” category</a:t>
+            </a:r>
+          </a:p>
+          <a:p>
+            <a:r>
+              <a:rPr lang="en-GB" sz="1600" i="1" dirty="0">
+                <a:solidFill>
+                  <a:schemeClr val="bg1"/>
+                </a:solidFill>
+                <a:latin typeface="+mn-lt"/>
+                <a:ea typeface="+mn-ea"/>
+                <a:cs typeface="+mn-cs"/>
+              </a:rPr>
+              <a:t>	</a:t>
+            </a:r>
+          </a:p>
+          <a:p>
+            <a:r>
+              <a:rPr lang="en-GB" sz="1600" i="1" dirty="0">
+                <a:solidFill>
+                  <a:schemeClr val="bg1"/>
+                </a:solidFill>
+                <a:latin typeface="+mn-lt"/>
+                <a:ea typeface="+mn-ea"/>
+                <a:cs typeface="+mn-cs"/>
+              </a:rPr>
+              <a:t>Assumption</a:t>
+            </a:r>
+            <a:r>
+              <a:rPr lang="en-GB" sz="1600" b="1" i="1" dirty="0">
+                <a:solidFill>
+                  <a:schemeClr val="bg1"/>
+                </a:solidFill>
+                <a:latin typeface="+mn-lt"/>
+                <a:ea typeface="+mn-ea"/>
+                <a:cs typeface="+mn-cs"/>
+              </a:rPr>
+              <a:t>: </a:t>
+            </a:r>
+            <a:r>
+              <a:rPr lang="en-GB" sz="1400" i="1" dirty="0">
+                <a:solidFill>
+                  <a:schemeClr val="bg1"/>
+                </a:solidFill>
+                <a:latin typeface="+mn-lt"/>
+                <a:ea typeface="+mn-ea"/>
+                <a:cs typeface="+mn-cs"/>
+              </a:rPr>
+              <a:t>Since the </a:t>
+            </a:r>
+            <a:r>
+              <a:rPr lang="en-GB" sz="1400" i="1" dirty="0" err="1">
+                <a:solidFill>
+                  <a:schemeClr val="bg1"/>
+                </a:solidFill>
+                <a:latin typeface="+mn-lt"/>
+                <a:ea typeface="+mn-ea"/>
+                <a:cs typeface="+mn-cs"/>
+              </a:rPr>
+              <a:t>MemberID</a:t>
+            </a:r>
+            <a:r>
+              <a:rPr lang="en-GB" sz="1400" i="1" dirty="0">
+                <a:solidFill>
+                  <a:schemeClr val="bg1"/>
+                </a:solidFill>
+                <a:latin typeface="+mn-lt"/>
+                <a:ea typeface="+mn-ea"/>
+                <a:cs typeface="+mn-cs"/>
+              </a:rPr>
+              <a:t> is unique across the dataset each row is considered as a new borrower.</a:t>
+            </a:r>
+            <a:endParaRPr lang="en-GB" sz="1800" i="1" dirty="0">
+              <a:solidFill>
+                <a:schemeClr val="bg1"/>
+              </a:solidFill>
+              <a:latin typeface="+mn-lt"/>
+              <a:ea typeface="+mn-ea"/>
+              <a:cs typeface="+mn-cs"/>
+            </a:endParaRPr>
           </a:p>
           <a:p>
             <a:pPr marL="342900" indent="-342900">
@@ -16608,6 +18110,9 @@
               <a:buChar char="•"/>
             </a:pPr>
             <a:endParaRPr lang="en-US" sz="2000" i="1" dirty="0">
+              <a:solidFill>
+                <a:schemeClr val="bg1"/>
+              </a:solidFill>
               <a:latin typeface="+mn-lt"/>
               <a:ea typeface="+mn-ea"/>
               <a:cs typeface="+mn-cs"/>
@@ -16631,7 +18136,7 @@
         </p:nvSpPr>
         <p:spPr>
           <a:xfrm>
-            <a:off x="220613" y="168386"/>
+            <a:off x="467388" y="297606"/>
             <a:ext cx="5257800" cy="656288"/>
           </a:xfrm>
           <a:prstGeom prst="rect">
@@ -16663,8 +18168,12 @@
           </a:lstStyle>
           <a:p>
             <a:r>
-              <a:rPr lang="en-US" sz="2400" dirty="0"/>
-              <a:t>Observation – 6</a:t>
+              <a:rPr lang="en-US" sz="2400" dirty="0">
+                <a:solidFill>
+                  <a:schemeClr val="bg1"/>
+                </a:solidFill>
+              </a:rPr>
+              <a:t>Observation – 4</a:t>
             </a:r>
           </a:p>
         </p:txBody>
@@ -16691,7 +18200,7 @@
         </p:blipFill>
         <p:spPr>
           <a:xfrm>
-            <a:off x="548835" y="1428332"/>
+            <a:off x="1406475" y="2989583"/>
             <a:ext cx="8143875" cy="1800225"/>
           </a:xfrm>
           <a:prstGeom prst="rect">
@@ -16703,1182 +18212,6 @@
     <p:extLst>
       <p:ext uri="{BB962C8B-B14F-4D97-AF65-F5344CB8AC3E}">
         <p14:creationId xmlns:p14="http://schemas.microsoft.com/office/powerpoint/2010/main" val="1882766524"/>
-      </p:ext>
-    </p:extLst>
-  </p:cSld>
-  <p:clrMapOvr>
-    <a:masterClrMapping/>
-  </p:clrMapOvr>
-</p:sld>
-</file>
-
-<file path=ppt/slides/slide8.xml><?xml version="1.0" encoding="utf-8"?>
-<p:sld xmlns:a="http://schemas.openxmlformats.org/drawingml/2006/main" xmlns:r="http://schemas.openxmlformats.org/officeDocument/2006/relationships" xmlns:p="http://schemas.openxmlformats.org/presentationml/2006/main">
-  <p:cSld>
-    <p:spTree>
-      <p:nvGrpSpPr>
-        <p:cNvPr id="1" name=""/>
-        <p:cNvGrpSpPr/>
-        <p:nvPr/>
-      </p:nvGrpSpPr>
-      <p:grpSpPr>
-        <a:xfrm>
-          <a:off x="0" y="0"/>
-          <a:ext cx="0" cy="0"/>
-          <a:chOff x="0" y="0"/>
-          <a:chExt cx="0" cy="0"/>
-        </a:xfrm>
-      </p:grpSpPr>
-      <p:sp>
-        <p:nvSpPr>
-          <p:cNvPr id="2" name="Title 1">
-            <a:extLst>
-              <a:ext uri="{FF2B5EF4-FFF2-40B4-BE49-F238E27FC236}">
-                <a16:creationId xmlns:a16="http://schemas.microsoft.com/office/drawing/2014/main" id="{725308B4-D662-4D6C-830E-F5193DAC4686}"/>
-              </a:ext>
-            </a:extLst>
-          </p:cNvPr>
-          <p:cNvSpPr>
-            <a:spLocks noGrp="1"/>
-          </p:cNvSpPr>
-          <p:nvPr>
-            <p:ph type="title"/>
-          </p:nvPr>
-        </p:nvSpPr>
-        <p:spPr>
-          <a:xfrm>
-            <a:off x="581441" y="2177147"/>
-            <a:ext cx="3143271" cy="1325563"/>
-          </a:xfrm>
-        </p:spPr>
-        <p:txBody>
-          <a:bodyPr/>
-          <a:lstStyle/>
-          <a:p>
-            <a:r>
-              <a:rPr lang="en-US" dirty="0"/>
-              <a:t>Appendix</a:t>
-            </a:r>
-            <a:endParaRPr lang="en-GB" dirty="0"/>
-          </a:p>
-        </p:txBody>
-      </p:sp>
-      <p:sp>
-        <p:nvSpPr>
-          <p:cNvPr id="4" name="Date Placeholder 3">
-            <a:extLst>
-              <a:ext uri="{FF2B5EF4-FFF2-40B4-BE49-F238E27FC236}">
-                <a16:creationId xmlns:a16="http://schemas.microsoft.com/office/drawing/2014/main" id="{7E96F7F4-4B5D-4E3B-89B3-1AFCFB585549}"/>
-              </a:ext>
-            </a:extLst>
-          </p:cNvPr>
-          <p:cNvSpPr>
-            <a:spLocks noGrp="1"/>
-          </p:cNvSpPr>
-          <p:nvPr>
-            <p:ph type="dt" sz="half" idx="10"/>
-          </p:nvPr>
-        </p:nvSpPr>
-        <p:spPr/>
-        <p:txBody>
-          <a:bodyPr/>
-          <a:lstStyle/>
-          <a:p>
-            <a:pPr>
-              <a:defRPr/>
-            </a:pPr>
-            <a:r>
-              <a:rPr lang="en-US">
-                <a:solidFill>
-                  <a:prstClr val="black">
-                    <a:tint val="75000"/>
-                  </a:prstClr>
-                </a:solidFill>
-              </a:rPr>
-              <a:t>9/3/20XX</a:t>
-            </a:r>
-            <a:endParaRPr lang="en-US" dirty="0">
-              <a:solidFill>
-                <a:prstClr val="black">
-                  <a:tint val="75000"/>
-                </a:prstClr>
-              </a:solidFill>
-            </a:endParaRPr>
-          </a:p>
-        </p:txBody>
-      </p:sp>
-      <p:sp>
-        <p:nvSpPr>
-          <p:cNvPr id="5" name="Footer Placeholder 4">
-            <a:extLst>
-              <a:ext uri="{FF2B5EF4-FFF2-40B4-BE49-F238E27FC236}">
-                <a16:creationId xmlns:a16="http://schemas.microsoft.com/office/drawing/2014/main" id="{850E580D-DC81-428C-AB8F-2E23BEEC3399}"/>
-              </a:ext>
-            </a:extLst>
-          </p:cNvPr>
-          <p:cNvSpPr>
-            <a:spLocks noGrp="1"/>
-          </p:cNvSpPr>
-          <p:nvPr>
-            <p:ph type="ftr" sz="quarter" idx="11"/>
-          </p:nvPr>
-        </p:nvSpPr>
-        <p:spPr/>
-        <p:txBody>
-          <a:bodyPr/>
-          <a:lstStyle/>
-          <a:p>
-            <a:pPr>
-              <a:defRPr/>
-            </a:pPr>
-            <a:r>
-              <a:rPr lang="en-US">
-                <a:solidFill>
-                  <a:prstClr val="black">
-                    <a:tint val="75000"/>
-                  </a:prstClr>
-                </a:solidFill>
-              </a:rPr>
-              <a:t>Presentation Title</a:t>
-            </a:r>
-            <a:endParaRPr lang="en-US" dirty="0">
-              <a:solidFill>
-                <a:prstClr val="black">
-                  <a:tint val="75000"/>
-                </a:prstClr>
-              </a:solidFill>
-            </a:endParaRPr>
-          </a:p>
-        </p:txBody>
-      </p:sp>
-      <p:sp>
-        <p:nvSpPr>
-          <p:cNvPr id="6" name="Slide Number Placeholder 5">
-            <a:extLst>
-              <a:ext uri="{FF2B5EF4-FFF2-40B4-BE49-F238E27FC236}">
-                <a16:creationId xmlns:a16="http://schemas.microsoft.com/office/drawing/2014/main" id="{783FCE4A-348F-4EB2-B69F-776B0C99036C}"/>
-              </a:ext>
-            </a:extLst>
-          </p:cNvPr>
-          <p:cNvSpPr>
-            <a:spLocks noGrp="1"/>
-          </p:cNvSpPr>
-          <p:nvPr>
-            <p:ph type="sldNum" sz="quarter" idx="12"/>
-          </p:nvPr>
-        </p:nvSpPr>
-        <p:spPr/>
-        <p:txBody>
-          <a:bodyPr/>
-          <a:lstStyle/>
-          <a:p>
-            <a:pPr>
-              <a:defRPr/>
-            </a:pPr>
-            <a:fld id="{D76B855D-E9CC-4FF8-AD85-6CDC7B89A0DE}" type="slidenum">
-              <a:rPr lang="en-US" smtClean="0">
-                <a:solidFill>
-                  <a:prstClr val="black">
-                    <a:tint val="75000"/>
-                  </a:prstClr>
-                </a:solidFill>
-              </a:rPr>
-              <a:pPr>
-                <a:defRPr/>
-              </a:pPr>
-              <a:t>8</a:t>
-            </a:fld>
-            <a:endParaRPr lang="en-US" dirty="0">
-              <a:solidFill>
-                <a:prstClr val="black">
-                  <a:tint val="75000"/>
-                </a:prstClr>
-              </a:solidFill>
-            </a:endParaRPr>
-          </a:p>
-        </p:txBody>
-      </p:sp>
-    </p:spTree>
-    <p:extLst>
-      <p:ext uri="{BB962C8B-B14F-4D97-AF65-F5344CB8AC3E}">
-        <p14:creationId xmlns:p14="http://schemas.microsoft.com/office/powerpoint/2010/main" val="1103097599"/>
-      </p:ext>
-    </p:extLst>
-  </p:cSld>
-  <p:clrMapOvr>
-    <a:masterClrMapping/>
-  </p:clrMapOvr>
-</p:sld>
-</file>
-
-<file path=ppt/slides/slide9.xml><?xml version="1.0" encoding="utf-8"?>
-<p:sld xmlns:a="http://schemas.openxmlformats.org/drawingml/2006/main" xmlns:r="http://schemas.openxmlformats.org/officeDocument/2006/relationships" xmlns:p="http://schemas.openxmlformats.org/presentationml/2006/main">
-  <p:cSld>
-    <p:spTree>
-      <p:nvGrpSpPr>
-        <p:cNvPr id="1" name=""/>
-        <p:cNvGrpSpPr/>
-        <p:nvPr/>
-      </p:nvGrpSpPr>
-      <p:grpSpPr>
-        <a:xfrm>
-          <a:off x="0" y="0"/>
-          <a:ext cx="0" cy="0"/>
-          <a:chOff x="0" y="0"/>
-          <a:chExt cx="0" cy="0"/>
-        </a:xfrm>
-      </p:grpSpPr>
-      <p:sp>
-        <p:nvSpPr>
-          <p:cNvPr id="16" name="Rectangle 15">
-            <a:extLst>
-              <a:ext uri="{FF2B5EF4-FFF2-40B4-BE49-F238E27FC236}">
-                <a16:creationId xmlns:a16="http://schemas.microsoft.com/office/drawing/2014/main" id="{16957973-75B3-4A55-8CA2-D8CA98F46B9B}"/>
-              </a:ext>
-            </a:extLst>
-          </p:cNvPr>
-          <p:cNvSpPr/>
-          <p:nvPr/>
-        </p:nvSpPr>
-        <p:spPr>
-          <a:xfrm>
-            <a:off x="208410" y="864065"/>
-            <a:ext cx="11799032" cy="3320791"/>
-          </a:xfrm>
-          <a:prstGeom prst="rect">
-            <a:avLst/>
-          </a:prstGeom>
-          <a:solidFill>
-            <a:schemeClr val="accent6">
-              <a:lumMod val="40000"/>
-              <a:lumOff val="60000"/>
-            </a:schemeClr>
-          </a:solidFill>
-          <a:ln>
-            <a:solidFill>
-              <a:srgbClr val="00B050"/>
-            </a:solidFill>
-          </a:ln>
-        </p:spPr>
-        <p:style>
-          <a:lnRef idx="2">
-            <a:schemeClr val="accent1">
-              <a:shade val="50000"/>
-            </a:schemeClr>
-          </a:lnRef>
-          <a:fillRef idx="1">
-            <a:schemeClr val="accent1"/>
-          </a:fillRef>
-          <a:effectRef idx="0">
-            <a:schemeClr val="accent1"/>
-          </a:effectRef>
-          <a:fontRef idx="minor">
-            <a:schemeClr val="lt1"/>
-          </a:fontRef>
-        </p:style>
-        <p:txBody>
-          <a:bodyPr rtlCol="0" anchor="ctr"/>
-          <a:lstStyle/>
-          <a:p>
-            <a:pPr algn="ctr"/>
-            <a:endParaRPr lang="en-GB"/>
-          </a:p>
-        </p:txBody>
-      </p:sp>
-      <p:sp>
-        <p:nvSpPr>
-          <p:cNvPr id="3" name="Rectangle 2">
-            <a:extLst>
-              <a:ext uri="{FF2B5EF4-FFF2-40B4-BE49-F238E27FC236}">
-                <a16:creationId xmlns:a16="http://schemas.microsoft.com/office/drawing/2014/main" id="{CC8E065A-6F51-4FC7-BF7C-34D6802AFE21}"/>
-              </a:ext>
-            </a:extLst>
-          </p:cNvPr>
-          <p:cNvSpPr/>
-          <p:nvPr/>
-        </p:nvSpPr>
-        <p:spPr>
-          <a:xfrm>
-            <a:off x="208410" y="4234922"/>
-            <a:ext cx="11799032" cy="2508210"/>
-          </a:xfrm>
-          <a:prstGeom prst="rect">
-            <a:avLst/>
-          </a:prstGeom>
-          <a:solidFill>
-            <a:schemeClr val="tx2">
-              <a:lumMod val="25000"/>
-              <a:lumOff val="75000"/>
-            </a:schemeClr>
-          </a:solidFill>
-        </p:spPr>
-        <p:style>
-          <a:lnRef idx="2">
-            <a:schemeClr val="accent1">
-              <a:shade val="50000"/>
-            </a:schemeClr>
-          </a:lnRef>
-          <a:fillRef idx="1">
-            <a:schemeClr val="accent1"/>
-          </a:fillRef>
-          <a:effectRef idx="0">
-            <a:schemeClr val="accent1"/>
-          </a:effectRef>
-          <a:fontRef idx="minor">
-            <a:schemeClr val="lt1"/>
-          </a:fontRef>
-        </p:style>
-        <p:txBody>
-          <a:bodyPr rtlCol="0" anchor="ctr"/>
-          <a:lstStyle/>
-          <a:p>
-            <a:pPr algn="ctr"/>
-            <a:endParaRPr lang="en-GB"/>
-          </a:p>
-        </p:txBody>
-      </p:sp>
-      <p:sp>
-        <p:nvSpPr>
-          <p:cNvPr id="2" name="Title 1">
-            <a:extLst>
-              <a:ext uri="{FF2B5EF4-FFF2-40B4-BE49-F238E27FC236}">
-                <a16:creationId xmlns:a16="http://schemas.microsoft.com/office/drawing/2014/main" id="{E41083A0-B5C8-4D81-870B-21C285F43640}"/>
-              </a:ext>
-            </a:extLst>
-          </p:cNvPr>
-          <p:cNvSpPr>
-            <a:spLocks noGrp="1"/>
-          </p:cNvSpPr>
-          <p:nvPr>
-            <p:ph type="title"/>
-          </p:nvPr>
-        </p:nvSpPr>
-        <p:spPr>
-          <a:xfrm>
-            <a:off x="241113" y="240001"/>
-            <a:ext cx="10515600" cy="649942"/>
-          </a:xfrm>
-        </p:spPr>
-        <p:txBody>
-          <a:bodyPr>
-            <a:normAutofit fontScale="90000"/>
-          </a:bodyPr>
-          <a:lstStyle/>
-          <a:p>
-            <a:r>
-              <a:rPr lang="en-US" dirty="0"/>
-              <a:t>Analyse: Distribution Patterns</a:t>
-            </a:r>
-            <a:endParaRPr lang="en-GB" dirty="0"/>
-          </a:p>
-        </p:txBody>
-      </p:sp>
-      <p:sp>
-        <p:nvSpPr>
-          <p:cNvPr id="6" name="Slide Number Placeholder 5">
-            <a:extLst>
-              <a:ext uri="{FF2B5EF4-FFF2-40B4-BE49-F238E27FC236}">
-                <a16:creationId xmlns:a16="http://schemas.microsoft.com/office/drawing/2014/main" id="{EFDB44E3-E126-4442-A190-3A7A89668362}"/>
-              </a:ext>
-            </a:extLst>
-          </p:cNvPr>
-          <p:cNvSpPr>
-            <a:spLocks noGrp="1"/>
-          </p:cNvSpPr>
-          <p:nvPr>
-            <p:ph type="sldNum" sz="quarter" idx="12"/>
-          </p:nvPr>
-        </p:nvSpPr>
-        <p:spPr/>
-        <p:txBody>
-          <a:bodyPr/>
-          <a:lstStyle/>
-          <a:p>
-            <a:pPr>
-              <a:defRPr/>
-            </a:pPr>
-            <a:fld id="{D76B855D-E9CC-4FF8-AD85-6CDC7B89A0DE}" type="slidenum">
-              <a:rPr lang="en-US" smtClean="0">
-                <a:solidFill>
-                  <a:prstClr val="black">
-                    <a:tint val="75000"/>
-                  </a:prstClr>
-                </a:solidFill>
-              </a:rPr>
-              <a:pPr>
-                <a:defRPr/>
-              </a:pPr>
-              <a:t>9</a:t>
-            </a:fld>
-            <a:endParaRPr lang="en-US" dirty="0">
-              <a:solidFill>
-                <a:prstClr val="black">
-                  <a:tint val="75000"/>
-                </a:prstClr>
-              </a:solidFill>
-            </a:endParaRPr>
-          </a:p>
-        </p:txBody>
-      </p:sp>
-      <p:pic>
-        <p:nvPicPr>
-          <p:cNvPr id="7" name="Picture 6">
-            <a:extLst>
-              <a:ext uri="{FF2B5EF4-FFF2-40B4-BE49-F238E27FC236}">
-                <a16:creationId xmlns:a16="http://schemas.microsoft.com/office/drawing/2014/main" id="{4397CA8C-BED9-4A70-80C1-399C1DF5D86D}"/>
-              </a:ext>
-            </a:extLst>
-          </p:cNvPr>
-          <p:cNvPicPr>
-            <a:picLocks noChangeAspect="1"/>
-          </p:cNvPicPr>
-          <p:nvPr/>
-        </p:nvPicPr>
-        <p:blipFill>
-          <a:blip r:embed="rId2"/>
-          <a:stretch>
-            <a:fillRect/>
-          </a:stretch>
-        </p:blipFill>
-        <p:spPr>
-          <a:xfrm>
-            <a:off x="5635634" y="4295096"/>
-            <a:ext cx="3404232" cy="2387861"/>
-          </a:xfrm>
-          <a:prstGeom prst="rect">
-            <a:avLst/>
-          </a:prstGeom>
-        </p:spPr>
-      </p:pic>
-      <p:sp>
-        <p:nvSpPr>
-          <p:cNvPr id="8" name="Content Placeholder 2">
-            <a:extLst>
-              <a:ext uri="{FF2B5EF4-FFF2-40B4-BE49-F238E27FC236}">
-                <a16:creationId xmlns:a16="http://schemas.microsoft.com/office/drawing/2014/main" id="{2DAA1288-9D37-4368-B769-78D906E3A361}"/>
-              </a:ext>
-            </a:extLst>
-          </p:cNvPr>
-          <p:cNvSpPr txBox="1">
-            <a:spLocks/>
-          </p:cNvSpPr>
-          <p:nvPr/>
-        </p:nvSpPr>
-        <p:spPr>
-          <a:xfrm>
-            <a:off x="392968" y="4570576"/>
-            <a:ext cx="5404328" cy="516419"/>
-          </a:xfrm>
-          <a:prstGeom prst="rect">
-            <a:avLst/>
-          </a:prstGeom>
-        </p:spPr>
-        <p:txBody>
-          <a:bodyPr vert="horz" lIns="91440" tIns="45720" rIns="91440" bIns="45720" rtlCol="0">
-            <a:normAutofit fontScale="85000" lnSpcReduction="20000"/>
-          </a:bodyPr>
-          <a:lstStyle>
-            <a:lvl1pPr marL="228600" indent="-228600" algn="l" defTabSz="914400" rtl="0" eaLnBrk="1" latinLnBrk="0" hangingPunct="1">
-              <a:lnSpc>
-                <a:spcPct val="90000"/>
-              </a:lnSpc>
-              <a:spcBef>
-                <a:spcPts val="1000"/>
-              </a:spcBef>
-              <a:buFont typeface="Arial" panose="020B0604020202020204" pitchFamily="34" charset="0"/>
-              <a:buChar char="•"/>
-              <a:defRPr sz="2800" kern="1200">
-                <a:solidFill>
-                  <a:schemeClr val="tx1"/>
-                </a:solidFill>
-                <a:latin typeface="+mn-lt"/>
-                <a:ea typeface="+mn-ea"/>
-                <a:cs typeface="+mn-cs"/>
-              </a:defRPr>
-            </a:lvl1pPr>
-            <a:lvl2pPr marL="685800" indent="-228600" algn="l" defTabSz="914400" rtl="0" eaLnBrk="1" latinLnBrk="0" hangingPunct="1">
-              <a:lnSpc>
-                <a:spcPct val="90000"/>
-              </a:lnSpc>
-              <a:spcBef>
-                <a:spcPts val="500"/>
-              </a:spcBef>
-              <a:buFont typeface="Arial" panose="020B0604020202020204" pitchFamily="34" charset="0"/>
-              <a:buChar char="•"/>
-              <a:defRPr sz="2400" kern="1200">
-                <a:solidFill>
-                  <a:schemeClr val="tx1"/>
-                </a:solidFill>
-                <a:latin typeface="+mn-lt"/>
-                <a:ea typeface="+mn-ea"/>
-                <a:cs typeface="+mn-cs"/>
-              </a:defRPr>
-            </a:lvl2pPr>
-            <a:lvl3pPr marL="1143000" indent="-228600" algn="l" defTabSz="914400" rtl="0" eaLnBrk="1" latinLnBrk="0" hangingPunct="1">
-              <a:lnSpc>
-                <a:spcPct val="90000"/>
-              </a:lnSpc>
-              <a:spcBef>
-                <a:spcPts val="500"/>
-              </a:spcBef>
-              <a:buFont typeface="Arial" panose="020B0604020202020204" pitchFamily="34" charset="0"/>
-              <a:buChar char="•"/>
-              <a:defRPr sz="2000" kern="1200">
-                <a:solidFill>
-                  <a:schemeClr val="tx1"/>
-                </a:solidFill>
-                <a:latin typeface="+mn-lt"/>
-                <a:ea typeface="+mn-ea"/>
-                <a:cs typeface="+mn-cs"/>
-              </a:defRPr>
-            </a:lvl3pPr>
-            <a:lvl4pPr marL="1600200" indent="-228600" algn="l" defTabSz="914400" rtl="0" eaLnBrk="1" latinLnBrk="0" hangingPunct="1">
-              <a:lnSpc>
-                <a:spcPct val="90000"/>
-              </a:lnSpc>
-              <a:spcBef>
-                <a:spcPts val="500"/>
-              </a:spcBef>
-              <a:buFont typeface="Arial" panose="020B0604020202020204" pitchFamily="34" charset="0"/>
-              <a:buChar char="•"/>
-              <a:defRPr sz="1800" kern="1200">
-                <a:solidFill>
-                  <a:schemeClr val="tx1"/>
-                </a:solidFill>
-                <a:latin typeface="+mn-lt"/>
-                <a:ea typeface="+mn-ea"/>
-                <a:cs typeface="+mn-cs"/>
-              </a:defRPr>
-            </a:lvl4pPr>
-            <a:lvl5pPr marL="2057400" indent="-228600" algn="l" defTabSz="914400" rtl="0" eaLnBrk="1" latinLnBrk="0" hangingPunct="1">
-              <a:lnSpc>
-                <a:spcPct val="90000"/>
-              </a:lnSpc>
-              <a:spcBef>
-                <a:spcPts val="500"/>
-              </a:spcBef>
-              <a:buFont typeface="Arial" panose="020B0604020202020204" pitchFamily="34" charset="0"/>
-              <a:buChar char="•"/>
-              <a:defRPr sz="1800" kern="1200">
-                <a:solidFill>
-                  <a:schemeClr val="tx1"/>
-                </a:solidFill>
-                <a:latin typeface="+mn-lt"/>
-                <a:ea typeface="+mn-ea"/>
-                <a:cs typeface="+mn-cs"/>
-              </a:defRPr>
-            </a:lvl5pPr>
-            <a:lvl6pPr marL="2514600" indent="-228600" algn="l" defTabSz="914400" rtl="0" eaLnBrk="1" latinLnBrk="0" hangingPunct="1">
-              <a:lnSpc>
-                <a:spcPct val="90000"/>
-              </a:lnSpc>
-              <a:spcBef>
-                <a:spcPts val="500"/>
-              </a:spcBef>
-              <a:buFont typeface="Arial" panose="020B0604020202020204" pitchFamily="34" charset="0"/>
-              <a:buChar char="•"/>
-              <a:defRPr sz="1800" kern="1200">
-                <a:solidFill>
-                  <a:schemeClr val="tx1"/>
-                </a:solidFill>
-                <a:latin typeface="+mn-lt"/>
-                <a:ea typeface="+mn-ea"/>
-                <a:cs typeface="+mn-cs"/>
-              </a:defRPr>
-            </a:lvl6pPr>
-            <a:lvl7pPr marL="2971800" indent="-228600" algn="l" defTabSz="914400" rtl="0" eaLnBrk="1" latinLnBrk="0" hangingPunct="1">
-              <a:lnSpc>
-                <a:spcPct val="90000"/>
-              </a:lnSpc>
-              <a:spcBef>
-                <a:spcPts val="500"/>
-              </a:spcBef>
-              <a:buFont typeface="Arial" panose="020B0604020202020204" pitchFamily="34" charset="0"/>
-              <a:buChar char="•"/>
-              <a:defRPr sz="1800" kern="1200">
-                <a:solidFill>
-                  <a:schemeClr val="tx1"/>
-                </a:solidFill>
-                <a:latin typeface="+mn-lt"/>
-                <a:ea typeface="+mn-ea"/>
-                <a:cs typeface="+mn-cs"/>
-              </a:defRPr>
-            </a:lvl7pPr>
-            <a:lvl8pPr marL="3429000" indent="-228600" algn="l" defTabSz="914400" rtl="0" eaLnBrk="1" latinLnBrk="0" hangingPunct="1">
-              <a:lnSpc>
-                <a:spcPct val="90000"/>
-              </a:lnSpc>
-              <a:spcBef>
-                <a:spcPts val="500"/>
-              </a:spcBef>
-              <a:buFont typeface="Arial" panose="020B0604020202020204" pitchFamily="34" charset="0"/>
-              <a:buChar char="•"/>
-              <a:defRPr sz="1800" kern="1200">
-                <a:solidFill>
-                  <a:schemeClr val="tx1"/>
-                </a:solidFill>
-                <a:latin typeface="+mn-lt"/>
-                <a:ea typeface="+mn-ea"/>
-                <a:cs typeface="+mn-cs"/>
-              </a:defRPr>
-            </a:lvl8pPr>
-            <a:lvl9pPr marL="3886200" indent="-228600" algn="l" defTabSz="914400" rtl="0" eaLnBrk="1" latinLnBrk="0" hangingPunct="1">
-              <a:lnSpc>
-                <a:spcPct val="90000"/>
-              </a:lnSpc>
-              <a:spcBef>
-                <a:spcPts val="500"/>
-              </a:spcBef>
-              <a:buFont typeface="Arial" panose="020B0604020202020204" pitchFamily="34" charset="0"/>
-              <a:buChar char="•"/>
-              <a:defRPr sz="1800" kern="1200">
-                <a:solidFill>
-                  <a:schemeClr val="tx1"/>
-                </a:solidFill>
-                <a:latin typeface="+mn-lt"/>
-                <a:ea typeface="+mn-ea"/>
-                <a:cs typeface="+mn-cs"/>
-              </a:defRPr>
-            </a:lvl9pPr>
-          </a:lstStyle>
-          <a:p>
-            <a:r>
-              <a:rPr lang="en-GB" sz="2200" i="1" dirty="0"/>
-              <a:t>Distribution by “</a:t>
-            </a:r>
-            <a:r>
-              <a:rPr lang="en-GB" sz="2200" b="1" i="1" dirty="0"/>
-              <a:t>Loan Status</a:t>
-            </a:r>
-            <a:r>
-              <a:rPr lang="en-GB" sz="2200" i="1" dirty="0"/>
-              <a:t>” </a:t>
-            </a:r>
-          </a:p>
-          <a:p>
-            <a:pPr marL="457200" lvl="1" indent="0">
-              <a:buNone/>
-            </a:pPr>
-            <a:r>
-              <a:rPr lang="en-GB" sz="1600" i="1" dirty="0"/>
-              <a:t>(after removing ‘Current’ accounts)</a:t>
-            </a:r>
-            <a:endParaRPr lang="en-GB" sz="1200" i="1" dirty="0"/>
-          </a:p>
-        </p:txBody>
-      </p:sp>
-      <p:pic>
-        <p:nvPicPr>
-          <p:cNvPr id="9" name="Picture 8">
-            <a:extLst>
-              <a:ext uri="{FF2B5EF4-FFF2-40B4-BE49-F238E27FC236}">
-                <a16:creationId xmlns:a16="http://schemas.microsoft.com/office/drawing/2014/main" id="{D1DEF421-D3D2-4007-BB40-F4B9C511A785}"/>
-              </a:ext>
-            </a:extLst>
-          </p:cNvPr>
-          <p:cNvPicPr>
-            <a:picLocks noChangeAspect="1"/>
-          </p:cNvPicPr>
-          <p:nvPr/>
-        </p:nvPicPr>
-        <p:blipFill>
-          <a:blip r:embed="rId3"/>
-          <a:stretch>
-            <a:fillRect/>
-          </a:stretch>
-        </p:blipFill>
-        <p:spPr>
-          <a:xfrm>
-            <a:off x="1212297" y="5374307"/>
-            <a:ext cx="3371850" cy="962025"/>
-          </a:xfrm>
-          <a:prstGeom prst="rect">
-            <a:avLst/>
-          </a:prstGeom>
-        </p:spPr>
-      </p:pic>
-      <p:pic>
-        <p:nvPicPr>
-          <p:cNvPr id="11" name="Picture 10">
-            <a:extLst>
-              <a:ext uri="{FF2B5EF4-FFF2-40B4-BE49-F238E27FC236}">
-                <a16:creationId xmlns:a16="http://schemas.microsoft.com/office/drawing/2014/main" id="{7CCFADDC-D755-4588-90D6-2CEC3C0A81CD}"/>
-              </a:ext>
-            </a:extLst>
-          </p:cNvPr>
-          <p:cNvPicPr>
-            <a:picLocks noChangeAspect="1"/>
-          </p:cNvPicPr>
-          <p:nvPr/>
-        </p:nvPicPr>
-        <p:blipFill>
-          <a:blip r:embed="rId4"/>
-          <a:stretch>
-            <a:fillRect/>
-          </a:stretch>
-        </p:blipFill>
-        <p:spPr>
-          <a:xfrm>
-            <a:off x="5635634" y="946745"/>
-            <a:ext cx="6282225" cy="3182492"/>
-          </a:xfrm>
-          <a:prstGeom prst="rect">
-            <a:avLst/>
-          </a:prstGeom>
-        </p:spPr>
-      </p:pic>
-      <p:sp>
-        <p:nvSpPr>
-          <p:cNvPr id="14" name="Content Placeholder 2">
-            <a:extLst>
-              <a:ext uri="{FF2B5EF4-FFF2-40B4-BE49-F238E27FC236}">
-                <a16:creationId xmlns:a16="http://schemas.microsoft.com/office/drawing/2014/main" id="{BD1E57C1-CD83-4791-8066-EA5E46452150}"/>
-              </a:ext>
-            </a:extLst>
-          </p:cNvPr>
-          <p:cNvSpPr txBox="1">
-            <a:spLocks/>
-          </p:cNvSpPr>
-          <p:nvPr/>
-        </p:nvSpPr>
-        <p:spPr>
-          <a:xfrm>
-            <a:off x="203769" y="3695946"/>
-            <a:ext cx="5404328" cy="532060"/>
-          </a:xfrm>
-          <a:prstGeom prst="rect">
-            <a:avLst/>
-          </a:prstGeom>
-        </p:spPr>
-        <p:txBody>
-          <a:bodyPr vert="horz" lIns="91440" tIns="45720" rIns="91440" bIns="45720" rtlCol="0">
-            <a:normAutofit/>
-          </a:bodyPr>
-          <a:lstStyle>
-            <a:lvl1pPr marL="228600" indent="-228600" algn="l" defTabSz="914400" rtl="0" eaLnBrk="1" latinLnBrk="0" hangingPunct="1">
-              <a:lnSpc>
-                <a:spcPct val="90000"/>
-              </a:lnSpc>
-              <a:spcBef>
-                <a:spcPts val="1000"/>
-              </a:spcBef>
-              <a:buFont typeface="Arial" panose="020B0604020202020204" pitchFamily="34" charset="0"/>
-              <a:buChar char="•"/>
-              <a:defRPr sz="2800" kern="1200">
-                <a:solidFill>
-                  <a:schemeClr val="tx1"/>
-                </a:solidFill>
-                <a:latin typeface="+mn-lt"/>
-                <a:ea typeface="+mn-ea"/>
-                <a:cs typeface="+mn-cs"/>
-              </a:defRPr>
-            </a:lvl1pPr>
-            <a:lvl2pPr marL="685800" indent="-228600" algn="l" defTabSz="914400" rtl="0" eaLnBrk="1" latinLnBrk="0" hangingPunct="1">
-              <a:lnSpc>
-                <a:spcPct val="90000"/>
-              </a:lnSpc>
-              <a:spcBef>
-                <a:spcPts val="500"/>
-              </a:spcBef>
-              <a:buFont typeface="Arial" panose="020B0604020202020204" pitchFamily="34" charset="0"/>
-              <a:buChar char="•"/>
-              <a:defRPr sz="2400" kern="1200">
-                <a:solidFill>
-                  <a:schemeClr val="tx1"/>
-                </a:solidFill>
-                <a:latin typeface="+mn-lt"/>
-                <a:ea typeface="+mn-ea"/>
-                <a:cs typeface="+mn-cs"/>
-              </a:defRPr>
-            </a:lvl2pPr>
-            <a:lvl3pPr marL="1143000" indent="-228600" algn="l" defTabSz="914400" rtl="0" eaLnBrk="1" latinLnBrk="0" hangingPunct="1">
-              <a:lnSpc>
-                <a:spcPct val="90000"/>
-              </a:lnSpc>
-              <a:spcBef>
-                <a:spcPts val="500"/>
-              </a:spcBef>
-              <a:buFont typeface="Arial" panose="020B0604020202020204" pitchFamily="34" charset="0"/>
-              <a:buChar char="•"/>
-              <a:defRPr sz="2000" kern="1200">
-                <a:solidFill>
-                  <a:schemeClr val="tx1"/>
-                </a:solidFill>
-                <a:latin typeface="+mn-lt"/>
-                <a:ea typeface="+mn-ea"/>
-                <a:cs typeface="+mn-cs"/>
-              </a:defRPr>
-            </a:lvl3pPr>
-            <a:lvl4pPr marL="1600200" indent="-228600" algn="l" defTabSz="914400" rtl="0" eaLnBrk="1" latinLnBrk="0" hangingPunct="1">
-              <a:lnSpc>
-                <a:spcPct val="90000"/>
-              </a:lnSpc>
-              <a:spcBef>
-                <a:spcPts val="500"/>
-              </a:spcBef>
-              <a:buFont typeface="Arial" panose="020B0604020202020204" pitchFamily="34" charset="0"/>
-              <a:buChar char="•"/>
-              <a:defRPr sz="1800" kern="1200">
-                <a:solidFill>
-                  <a:schemeClr val="tx1"/>
-                </a:solidFill>
-                <a:latin typeface="+mn-lt"/>
-                <a:ea typeface="+mn-ea"/>
-                <a:cs typeface="+mn-cs"/>
-              </a:defRPr>
-            </a:lvl4pPr>
-            <a:lvl5pPr marL="2057400" indent="-228600" algn="l" defTabSz="914400" rtl="0" eaLnBrk="1" latinLnBrk="0" hangingPunct="1">
-              <a:lnSpc>
-                <a:spcPct val="90000"/>
-              </a:lnSpc>
-              <a:spcBef>
-                <a:spcPts val="500"/>
-              </a:spcBef>
-              <a:buFont typeface="Arial" panose="020B0604020202020204" pitchFamily="34" charset="0"/>
-              <a:buChar char="•"/>
-              <a:defRPr sz="1800" kern="1200">
-                <a:solidFill>
-                  <a:schemeClr val="tx1"/>
-                </a:solidFill>
-                <a:latin typeface="+mn-lt"/>
-                <a:ea typeface="+mn-ea"/>
-                <a:cs typeface="+mn-cs"/>
-              </a:defRPr>
-            </a:lvl5pPr>
-            <a:lvl6pPr marL="2514600" indent="-228600" algn="l" defTabSz="914400" rtl="0" eaLnBrk="1" latinLnBrk="0" hangingPunct="1">
-              <a:lnSpc>
-                <a:spcPct val="90000"/>
-              </a:lnSpc>
-              <a:spcBef>
-                <a:spcPts val="500"/>
-              </a:spcBef>
-              <a:buFont typeface="Arial" panose="020B0604020202020204" pitchFamily="34" charset="0"/>
-              <a:buChar char="•"/>
-              <a:defRPr sz="1800" kern="1200">
-                <a:solidFill>
-                  <a:schemeClr val="tx1"/>
-                </a:solidFill>
-                <a:latin typeface="+mn-lt"/>
-                <a:ea typeface="+mn-ea"/>
-                <a:cs typeface="+mn-cs"/>
-              </a:defRPr>
-            </a:lvl6pPr>
-            <a:lvl7pPr marL="2971800" indent="-228600" algn="l" defTabSz="914400" rtl="0" eaLnBrk="1" latinLnBrk="0" hangingPunct="1">
-              <a:lnSpc>
-                <a:spcPct val="90000"/>
-              </a:lnSpc>
-              <a:spcBef>
-                <a:spcPts val="500"/>
-              </a:spcBef>
-              <a:buFont typeface="Arial" panose="020B0604020202020204" pitchFamily="34" charset="0"/>
-              <a:buChar char="•"/>
-              <a:defRPr sz="1800" kern="1200">
-                <a:solidFill>
-                  <a:schemeClr val="tx1"/>
-                </a:solidFill>
-                <a:latin typeface="+mn-lt"/>
-                <a:ea typeface="+mn-ea"/>
-                <a:cs typeface="+mn-cs"/>
-              </a:defRPr>
-            </a:lvl7pPr>
-            <a:lvl8pPr marL="3429000" indent="-228600" algn="l" defTabSz="914400" rtl="0" eaLnBrk="1" latinLnBrk="0" hangingPunct="1">
-              <a:lnSpc>
-                <a:spcPct val="90000"/>
-              </a:lnSpc>
-              <a:spcBef>
-                <a:spcPts val="500"/>
-              </a:spcBef>
-              <a:buFont typeface="Arial" panose="020B0604020202020204" pitchFamily="34" charset="0"/>
-              <a:buChar char="•"/>
-              <a:defRPr sz="1800" kern="1200">
-                <a:solidFill>
-                  <a:schemeClr val="tx1"/>
-                </a:solidFill>
-                <a:latin typeface="+mn-lt"/>
-                <a:ea typeface="+mn-ea"/>
-                <a:cs typeface="+mn-cs"/>
-              </a:defRPr>
-            </a:lvl8pPr>
-            <a:lvl9pPr marL="3886200" indent="-228600" algn="l" defTabSz="914400" rtl="0" eaLnBrk="1" latinLnBrk="0" hangingPunct="1">
-              <a:lnSpc>
-                <a:spcPct val="90000"/>
-              </a:lnSpc>
-              <a:spcBef>
-                <a:spcPts val="500"/>
-              </a:spcBef>
-              <a:buFont typeface="Arial" panose="020B0604020202020204" pitchFamily="34" charset="0"/>
-              <a:buChar char="•"/>
-              <a:defRPr sz="1800" kern="1200">
-                <a:solidFill>
-                  <a:schemeClr val="tx1"/>
-                </a:solidFill>
-                <a:latin typeface="+mn-lt"/>
-                <a:ea typeface="+mn-ea"/>
-                <a:cs typeface="+mn-cs"/>
-              </a:defRPr>
-            </a:lvl9pPr>
-          </a:lstStyle>
-          <a:p>
-            <a:pPr marL="0" indent="0" algn="ctr">
-              <a:buNone/>
-            </a:pPr>
-            <a:r>
-              <a:rPr lang="en-GB" sz="1400" i="1" dirty="0"/>
-              <a:t>“</a:t>
-            </a:r>
-            <a:r>
-              <a:rPr lang="en-GB" sz="1400" b="1" i="1" dirty="0"/>
-              <a:t>Debt Consolidation</a:t>
-            </a:r>
-            <a:r>
-              <a:rPr lang="en-GB" sz="1400" i="1" dirty="0"/>
-              <a:t>” is the single largest loan purpose across “Fully Paid” and “Charged-Off” borrowers</a:t>
-            </a:r>
-          </a:p>
-        </p:txBody>
-      </p:sp>
-      <p:sp>
-        <p:nvSpPr>
-          <p:cNvPr id="15" name="Content Placeholder 2">
-            <a:extLst>
-              <a:ext uri="{FF2B5EF4-FFF2-40B4-BE49-F238E27FC236}">
-                <a16:creationId xmlns:a16="http://schemas.microsoft.com/office/drawing/2014/main" id="{4BFC5A12-F69E-4DDB-9F38-B80ADCAE9A28}"/>
-              </a:ext>
-            </a:extLst>
-          </p:cNvPr>
-          <p:cNvSpPr txBox="1">
-            <a:spLocks/>
-          </p:cNvSpPr>
-          <p:nvPr/>
-        </p:nvSpPr>
-        <p:spPr>
-          <a:xfrm>
-            <a:off x="392968" y="1002680"/>
-            <a:ext cx="4095142" cy="419990"/>
-          </a:xfrm>
-          <a:prstGeom prst="rect">
-            <a:avLst/>
-          </a:prstGeom>
-        </p:spPr>
-        <p:txBody>
-          <a:bodyPr vert="horz" lIns="91440" tIns="45720" rIns="91440" bIns="45720" rtlCol="0">
-            <a:normAutofit fontScale="92500"/>
-          </a:bodyPr>
-          <a:lstStyle>
-            <a:lvl1pPr marL="228600" indent="-228600" algn="l" defTabSz="914400" rtl="0" eaLnBrk="1" latinLnBrk="0" hangingPunct="1">
-              <a:lnSpc>
-                <a:spcPct val="90000"/>
-              </a:lnSpc>
-              <a:spcBef>
-                <a:spcPts val="1000"/>
-              </a:spcBef>
-              <a:buFont typeface="Arial" panose="020B0604020202020204" pitchFamily="34" charset="0"/>
-              <a:buChar char="•"/>
-              <a:defRPr sz="2800" kern="1200">
-                <a:solidFill>
-                  <a:schemeClr val="tx1"/>
-                </a:solidFill>
-                <a:latin typeface="+mn-lt"/>
-                <a:ea typeface="+mn-ea"/>
-                <a:cs typeface="+mn-cs"/>
-              </a:defRPr>
-            </a:lvl1pPr>
-            <a:lvl2pPr marL="685800" indent="-228600" algn="l" defTabSz="914400" rtl="0" eaLnBrk="1" latinLnBrk="0" hangingPunct="1">
-              <a:lnSpc>
-                <a:spcPct val="90000"/>
-              </a:lnSpc>
-              <a:spcBef>
-                <a:spcPts val="500"/>
-              </a:spcBef>
-              <a:buFont typeface="Arial" panose="020B0604020202020204" pitchFamily="34" charset="0"/>
-              <a:buChar char="•"/>
-              <a:defRPr sz="2400" kern="1200">
-                <a:solidFill>
-                  <a:schemeClr val="tx1"/>
-                </a:solidFill>
-                <a:latin typeface="+mn-lt"/>
-                <a:ea typeface="+mn-ea"/>
-                <a:cs typeface="+mn-cs"/>
-              </a:defRPr>
-            </a:lvl2pPr>
-            <a:lvl3pPr marL="1143000" indent="-228600" algn="l" defTabSz="914400" rtl="0" eaLnBrk="1" latinLnBrk="0" hangingPunct="1">
-              <a:lnSpc>
-                <a:spcPct val="90000"/>
-              </a:lnSpc>
-              <a:spcBef>
-                <a:spcPts val="500"/>
-              </a:spcBef>
-              <a:buFont typeface="Arial" panose="020B0604020202020204" pitchFamily="34" charset="0"/>
-              <a:buChar char="•"/>
-              <a:defRPr sz="2000" kern="1200">
-                <a:solidFill>
-                  <a:schemeClr val="tx1"/>
-                </a:solidFill>
-                <a:latin typeface="+mn-lt"/>
-                <a:ea typeface="+mn-ea"/>
-                <a:cs typeface="+mn-cs"/>
-              </a:defRPr>
-            </a:lvl3pPr>
-            <a:lvl4pPr marL="1600200" indent="-228600" algn="l" defTabSz="914400" rtl="0" eaLnBrk="1" latinLnBrk="0" hangingPunct="1">
-              <a:lnSpc>
-                <a:spcPct val="90000"/>
-              </a:lnSpc>
-              <a:spcBef>
-                <a:spcPts val="500"/>
-              </a:spcBef>
-              <a:buFont typeface="Arial" panose="020B0604020202020204" pitchFamily="34" charset="0"/>
-              <a:buChar char="•"/>
-              <a:defRPr sz="1800" kern="1200">
-                <a:solidFill>
-                  <a:schemeClr val="tx1"/>
-                </a:solidFill>
-                <a:latin typeface="+mn-lt"/>
-                <a:ea typeface="+mn-ea"/>
-                <a:cs typeface="+mn-cs"/>
-              </a:defRPr>
-            </a:lvl4pPr>
-            <a:lvl5pPr marL="2057400" indent="-228600" algn="l" defTabSz="914400" rtl="0" eaLnBrk="1" latinLnBrk="0" hangingPunct="1">
-              <a:lnSpc>
-                <a:spcPct val="90000"/>
-              </a:lnSpc>
-              <a:spcBef>
-                <a:spcPts val="500"/>
-              </a:spcBef>
-              <a:buFont typeface="Arial" panose="020B0604020202020204" pitchFamily="34" charset="0"/>
-              <a:buChar char="•"/>
-              <a:defRPr sz="1800" kern="1200">
-                <a:solidFill>
-                  <a:schemeClr val="tx1"/>
-                </a:solidFill>
-                <a:latin typeface="+mn-lt"/>
-                <a:ea typeface="+mn-ea"/>
-                <a:cs typeface="+mn-cs"/>
-              </a:defRPr>
-            </a:lvl5pPr>
-            <a:lvl6pPr marL="2514600" indent="-228600" algn="l" defTabSz="914400" rtl="0" eaLnBrk="1" latinLnBrk="0" hangingPunct="1">
-              <a:lnSpc>
-                <a:spcPct val="90000"/>
-              </a:lnSpc>
-              <a:spcBef>
-                <a:spcPts val="500"/>
-              </a:spcBef>
-              <a:buFont typeface="Arial" panose="020B0604020202020204" pitchFamily="34" charset="0"/>
-              <a:buChar char="•"/>
-              <a:defRPr sz="1800" kern="1200">
-                <a:solidFill>
-                  <a:schemeClr val="tx1"/>
-                </a:solidFill>
-                <a:latin typeface="+mn-lt"/>
-                <a:ea typeface="+mn-ea"/>
-                <a:cs typeface="+mn-cs"/>
-              </a:defRPr>
-            </a:lvl6pPr>
-            <a:lvl7pPr marL="2971800" indent="-228600" algn="l" defTabSz="914400" rtl="0" eaLnBrk="1" latinLnBrk="0" hangingPunct="1">
-              <a:lnSpc>
-                <a:spcPct val="90000"/>
-              </a:lnSpc>
-              <a:spcBef>
-                <a:spcPts val="500"/>
-              </a:spcBef>
-              <a:buFont typeface="Arial" panose="020B0604020202020204" pitchFamily="34" charset="0"/>
-              <a:buChar char="•"/>
-              <a:defRPr sz="1800" kern="1200">
-                <a:solidFill>
-                  <a:schemeClr val="tx1"/>
-                </a:solidFill>
-                <a:latin typeface="+mn-lt"/>
-                <a:ea typeface="+mn-ea"/>
-                <a:cs typeface="+mn-cs"/>
-              </a:defRPr>
-            </a:lvl7pPr>
-            <a:lvl8pPr marL="3429000" indent="-228600" algn="l" defTabSz="914400" rtl="0" eaLnBrk="1" latinLnBrk="0" hangingPunct="1">
-              <a:lnSpc>
-                <a:spcPct val="90000"/>
-              </a:lnSpc>
-              <a:spcBef>
-                <a:spcPts val="500"/>
-              </a:spcBef>
-              <a:buFont typeface="Arial" panose="020B0604020202020204" pitchFamily="34" charset="0"/>
-              <a:buChar char="•"/>
-              <a:defRPr sz="1800" kern="1200">
-                <a:solidFill>
-                  <a:schemeClr val="tx1"/>
-                </a:solidFill>
-                <a:latin typeface="+mn-lt"/>
-                <a:ea typeface="+mn-ea"/>
-                <a:cs typeface="+mn-cs"/>
-              </a:defRPr>
-            </a:lvl8pPr>
-            <a:lvl9pPr marL="3886200" indent="-228600" algn="l" defTabSz="914400" rtl="0" eaLnBrk="1" latinLnBrk="0" hangingPunct="1">
-              <a:lnSpc>
-                <a:spcPct val="90000"/>
-              </a:lnSpc>
-              <a:spcBef>
-                <a:spcPts val="500"/>
-              </a:spcBef>
-              <a:buFont typeface="Arial" panose="020B0604020202020204" pitchFamily="34" charset="0"/>
-              <a:buChar char="•"/>
-              <a:defRPr sz="1800" kern="1200">
-                <a:solidFill>
-                  <a:schemeClr val="tx1"/>
-                </a:solidFill>
-                <a:latin typeface="+mn-lt"/>
-                <a:ea typeface="+mn-ea"/>
-                <a:cs typeface="+mn-cs"/>
-              </a:defRPr>
-            </a:lvl9pPr>
-          </a:lstStyle>
-          <a:p>
-            <a:r>
-              <a:rPr lang="en-GB" sz="2000" i="1" dirty="0"/>
-              <a:t>Distribution of loan by “</a:t>
-            </a:r>
-            <a:r>
-              <a:rPr lang="en-GB" sz="2000" b="1" i="1" dirty="0"/>
-              <a:t>Purpose</a:t>
-            </a:r>
-            <a:r>
-              <a:rPr lang="en-GB" sz="2000" i="1" dirty="0"/>
-              <a:t>” </a:t>
-            </a:r>
-            <a:endParaRPr lang="en-GB" sz="1600" i="1" dirty="0"/>
-          </a:p>
-        </p:txBody>
-      </p:sp>
-      <p:pic>
-        <p:nvPicPr>
-          <p:cNvPr id="22" name="Picture 21">
-            <a:extLst>
-              <a:ext uri="{FF2B5EF4-FFF2-40B4-BE49-F238E27FC236}">
-                <a16:creationId xmlns:a16="http://schemas.microsoft.com/office/drawing/2014/main" id="{F3DE250E-DD9B-44F5-BEF7-73BEF916F1B9}"/>
-              </a:ext>
-            </a:extLst>
-          </p:cNvPr>
-          <p:cNvPicPr>
-            <a:picLocks noChangeAspect="1"/>
-          </p:cNvPicPr>
-          <p:nvPr/>
-        </p:nvPicPr>
-        <p:blipFill>
-          <a:blip r:embed="rId5"/>
-          <a:stretch>
-            <a:fillRect/>
-          </a:stretch>
-        </p:blipFill>
-        <p:spPr>
-          <a:xfrm>
-            <a:off x="982286" y="1331282"/>
-            <a:ext cx="3831873" cy="2364664"/>
-          </a:xfrm>
-          <a:prstGeom prst="rect">
-            <a:avLst/>
-          </a:prstGeom>
-        </p:spPr>
-      </p:pic>
-    </p:spTree>
-    <p:extLst>
-      <p:ext uri="{BB962C8B-B14F-4D97-AF65-F5344CB8AC3E}">
-        <p14:creationId xmlns:p14="http://schemas.microsoft.com/office/powerpoint/2010/main" val="88013783"/>
       </p:ext>
     </p:extLst>
   </p:cSld>
@@ -18653,7 +18986,14 @@
 <file path=customXml/itemProps3.xml><?xml version="1.0" encoding="utf-8"?>
 <ds:datastoreItem xmlns:ds="http://schemas.openxmlformats.org/officeDocument/2006/customXml" ds:itemID="{FBDEF148-1770-458F-8F5B-C3D0A278AA97}">
   <ds:schemaRefs>
+    <ds:schemaRef ds:uri="http://purl.org/dc/dcmitype/"/>
     <ds:schemaRef ds:uri="http://schemas.microsoft.com/office/2006/metadata/properties"/>
+    <ds:schemaRef ds:uri="http://purl.org/dc/terms/"/>
+    <ds:schemaRef ds:uri="16c05727-aa75-4e4a-9b5f-8a80a1165891"/>
+    <ds:schemaRef ds:uri="http://www.w3.org/XML/1998/namespace"/>
+    <ds:schemaRef ds:uri="http://purl.org/dc/elements/1.1/"/>
+    <ds:schemaRef ds:uri="http://schemas.openxmlformats.org/package/2006/metadata/core-properties"/>
+    <ds:schemaRef ds:uri="http://schemas.microsoft.com/office/2006/documentManagement/types"/>
     <ds:schemaRef ds:uri="http://schemas.microsoft.com/office/infopath/2007/PartnerControls"/>
     <ds:schemaRef ds:uri="71af3243-3dd4-4a8d-8c0d-dd76da1f02a5"/>
   </ds:schemaRefs>
